--- a/ppt/Final Project Group 1 v2.pptx
+++ b/ppt/Final Project Group 1 v2.pptx
@@ -7,7 +7,7 @@
     <p:sldMasterId id="2147483660" r:id="rId3"/>
   </p:sldMasterIdLst>
   <p:notesMasterIdLst>
-    <p:notesMasterId r:id="rId44"/>
+    <p:notesMasterId r:id="rId50"/>
   </p:notesMasterIdLst>
   <p:sldIdLst>
     <p:sldId id="256" r:id="rId4"/>
@@ -31,25 +31,31 @@
     <p:sldId id="1123" r:id="rId22"/>
     <p:sldId id="1124" r:id="rId23"/>
     <p:sldId id="1125" r:id="rId24"/>
-    <p:sldId id="1116" r:id="rId25"/>
-    <p:sldId id="1126" r:id="rId26"/>
-    <p:sldId id="1127" r:id="rId27"/>
-    <p:sldId id="1128" r:id="rId28"/>
-    <p:sldId id="1113" r:id="rId29"/>
-    <p:sldId id="482" r:id="rId30"/>
-    <p:sldId id="631" r:id="rId31"/>
-    <p:sldId id="632" r:id="rId32"/>
-    <p:sldId id="633" r:id="rId33"/>
-    <p:sldId id="1053" r:id="rId34"/>
-    <p:sldId id="642" r:id="rId35"/>
-    <p:sldId id="643" r:id="rId36"/>
-    <p:sldId id="630" r:id="rId37"/>
-    <p:sldId id="644" r:id="rId38"/>
-    <p:sldId id="646" r:id="rId39"/>
-    <p:sldId id="647" r:id="rId40"/>
-    <p:sldId id="648" r:id="rId41"/>
-    <p:sldId id="649" r:id="rId42"/>
-    <p:sldId id="650" r:id="rId43"/>
+    <p:sldId id="1132" r:id="rId25"/>
+    <p:sldId id="1133" r:id="rId26"/>
+    <p:sldId id="1134" r:id="rId27"/>
+    <p:sldId id="1135" r:id="rId28"/>
+    <p:sldId id="1136" r:id="rId29"/>
+    <p:sldId id="1116" r:id="rId30"/>
+    <p:sldId id="1126" r:id="rId31"/>
+    <p:sldId id="1127" r:id="rId32"/>
+    <p:sldId id="1128" r:id="rId33"/>
+    <p:sldId id="1113" r:id="rId34"/>
+    <p:sldId id="482" r:id="rId35"/>
+    <p:sldId id="1131" r:id="rId36"/>
+    <p:sldId id="631" r:id="rId37"/>
+    <p:sldId id="632" r:id="rId38"/>
+    <p:sldId id="633" r:id="rId39"/>
+    <p:sldId id="1053" r:id="rId40"/>
+    <p:sldId id="642" r:id="rId41"/>
+    <p:sldId id="643" r:id="rId42"/>
+    <p:sldId id="630" r:id="rId43"/>
+    <p:sldId id="644" r:id="rId44"/>
+    <p:sldId id="646" r:id="rId45"/>
+    <p:sldId id="647" r:id="rId46"/>
+    <p:sldId id="648" r:id="rId47"/>
+    <p:sldId id="649" r:id="rId48"/>
+    <p:sldId id="650" r:id="rId49"/>
   </p:sldIdLst>
   <p:sldSz cx="9144000" cy="5143500" type="screen16x9"/>
   <p:notesSz cx="7010400" cy="9296400"/>
@@ -355,6 +361,296 @@
           <inkml:channelProperty channel="Y" name="resolution" value="1000" units="1/cm"/>
         </inkml:channelProperties>
       </inkml:inkSource>
+      <inkml:timestamp xml:id="ts0" timeString="2021-07-21T19:51:05.033"/>
+    </inkml:context>
+    <inkml:brush xml:id="br0">
+      <inkml:brushProperty name="width" value="0.2" units="cm"/>
+      <inkml:brushProperty name="height" value="0.4" units="cm"/>
+      <inkml:brushProperty name="color" value="#FFFC00"/>
+      <inkml:brushProperty name="tip" value="rectangle"/>
+      <inkml:brushProperty name="rasterOp" value="maskPen"/>
+      <inkml:brushProperty name="ignorePressure" value="1"/>
+    </inkml:brush>
+  </inkml:definitions>
+  <inkml:trace contextRef="#ctx0" brushRef="#br0">1 75,'144'-1,"154"3,-180 7,73 2,-144-13,73-13,-60 10,-1 1,79 7,-28-1,-62-2,-3 1,0-2,72-10,-62 4,1 2,105 6,-61 1,50 1,163-5,-246-8,13 0,-57 9,0-2,-1 0,27-8,19-4,-48 12</inkml:trace>
+</inkml:ink>
+</file>
+
+<file path=ppt/ink/ink16.xml><?xml version="1.0" encoding="utf-8"?>
+<inkml:ink xmlns:inkml="http://www.w3.org/2003/InkML">
+  <inkml:definitions>
+    <inkml:context xml:id="ctx0">
+      <inkml:inkSource xml:id="inkSrc0">
+        <inkml:traceFormat>
+          <inkml:channel name="X" type="integer" min="-2.14748E9" max="2.14748E9" units="cm"/>
+          <inkml:channel name="Y" type="integer" min="-2.14748E9" max="2.14748E9" units="cm"/>
+        </inkml:traceFormat>
+        <inkml:channelProperties>
+          <inkml:channelProperty channel="X" name="resolution" value="1000" units="1/cm"/>
+          <inkml:channelProperty channel="Y" name="resolution" value="1000" units="1/cm"/>
+        </inkml:channelProperties>
+      </inkml:inkSource>
+      <inkml:timestamp xml:id="ts0" timeString="2021-07-21T19:51:08.028"/>
+    </inkml:context>
+    <inkml:brush xml:id="br0">
+      <inkml:brushProperty name="width" value="0.2" units="cm"/>
+      <inkml:brushProperty name="height" value="0.4" units="cm"/>
+      <inkml:brushProperty name="color" value="#FFFC00"/>
+      <inkml:brushProperty name="tip" value="rectangle"/>
+      <inkml:brushProperty name="rasterOp" value="maskPen"/>
+      <inkml:brushProperty name="ignorePressure" value="1"/>
+    </inkml:brush>
+  </inkml:definitions>
+  <inkml:trace contextRef="#ctx0" brushRef="#br0">1 159,'0'-2,"2"1,-1-1,-1-1,2 1,0 1,-1-1,1 0,-1 1,1-1,0 0,-1 1,1-1,0 0,-1 2,3-1,-3-1,1 2,0-2,1 2,2-1,57-20,-52 19,91-19,3 3,-1 6,167 1,-175 7,1220-2,-738 9,-397-19,-19-1,585 14,-381 6,-335-3</inkml:trace>
+</inkml:ink>
+</file>
+
+<file path=ppt/ink/ink17.xml><?xml version="1.0" encoding="utf-8"?>
+<inkml:ink xmlns:inkml="http://www.w3.org/2003/InkML">
+  <inkml:definitions>
+    <inkml:context xml:id="ctx0">
+      <inkml:inkSource xml:id="inkSrc0">
+        <inkml:traceFormat>
+          <inkml:channel name="X" type="integer" min="-2.14748E9" max="2.14748E9" units="cm"/>
+          <inkml:channel name="Y" type="integer" min="-2.14748E9" max="2.14748E9" units="cm"/>
+        </inkml:traceFormat>
+        <inkml:channelProperties>
+          <inkml:channelProperty channel="X" name="resolution" value="1000" units="1/cm"/>
+          <inkml:channelProperty channel="Y" name="resolution" value="1000" units="1/cm"/>
+        </inkml:channelProperties>
+      </inkml:inkSource>
+      <inkml:timestamp xml:id="ts0" timeString="2021-07-21T20:42:37.789"/>
+    </inkml:context>
+    <inkml:brush xml:id="br0">
+      <inkml:brushProperty name="width" value="0.2" units="cm"/>
+      <inkml:brushProperty name="height" value="0.4" units="cm"/>
+      <inkml:brushProperty name="color" value="#FFFC00"/>
+      <inkml:brushProperty name="tip" value="rectangle"/>
+      <inkml:brushProperty name="rasterOp" value="maskPen"/>
+      <inkml:brushProperty name="ignorePressure" value="1"/>
+    </inkml:brush>
+  </inkml:definitions>
+  <inkml:trace contextRef="#ctx0" brushRef="#br0">1 19,'724'-18,"1778"18,-2483 0</inkml:trace>
+</inkml:ink>
+</file>
+
+<file path=ppt/ink/ink18.xml><?xml version="1.0" encoding="utf-8"?>
+<inkml:ink xmlns:inkml="http://www.w3.org/2003/InkML">
+  <inkml:definitions>
+    <inkml:context xml:id="ctx0">
+      <inkml:inkSource xml:id="inkSrc0">
+        <inkml:traceFormat>
+          <inkml:channel name="X" type="integer" min="-2.14748E9" max="2.14748E9" units="cm"/>
+          <inkml:channel name="Y" type="integer" min="-2.14748E9" max="2.14748E9" units="cm"/>
+        </inkml:traceFormat>
+        <inkml:channelProperties>
+          <inkml:channelProperty channel="X" name="resolution" value="1000" units="1/cm"/>
+          <inkml:channelProperty channel="Y" name="resolution" value="1000" units="1/cm"/>
+        </inkml:channelProperties>
+      </inkml:inkSource>
+      <inkml:timestamp xml:id="ts0" timeString="2021-07-22T13:26:50.075"/>
+    </inkml:context>
+    <inkml:brush xml:id="br0">
+      <inkml:brushProperty name="width" value="0.2" units="cm"/>
+      <inkml:brushProperty name="height" value="0.4" units="cm"/>
+      <inkml:brushProperty name="color" value="#FFFC00"/>
+      <inkml:brushProperty name="tip" value="rectangle"/>
+      <inkml:brushProperty name="rasterOp" value="maskPen"/>
+      <inkml:brushProperty name="ignorePressure" value="1"/>
+    </inkml:brush>
+  </inkml:definitions>
+  <inkml:trace contextRef="#ctx0" brushRef="#br0">0 1,'1723'0,"-1682"2,1 2,67 16,8 2,-21-10,64 10,221 2,-344-23,66 11,-64-5,53 0,157-21,-48 0,530 12,-381 4,-323-2</inkml:trace>
+</inkml:ink>
+</file>
+
+<file path=ppt/ink/ink19.xml><?xml version="1.0" encoding="utf-8"?>
+<inkml:ink xmlns:inkml="http://www.w3.org/2003/InkML">
+  <inkml:definitions>
+    <inkml:context xml:id="ctx0">
+      <inkml:inkSource xml:id="inkSrc0">
+        <inkml:traceFormat>
+          <inkml:channel name="X" type="integer" min="-2.14748E9" max="2.14748E9" units="cm"/>
+          <inkml:channel name="Y" type="integer" min="-2.14748E9" max="2.14748E9" units="cm"/>
+        </inkml:traceFormat>
+        <inkml:channelProperties>
+          <inkml:channelProperty channel="X" name="resolution" value="1000" units="1/cm"/>
+          <inkml:channelProperty channel="Y" name="resolution" value="1000" units="1/cm"/>
+        </inkml:channelProperties>
+      </inkml:inkSource>
+      <inkml:timestamp xml:id="ts0" timeString="2021-07-21T20:42:37.789"/>
+    </inkml:context>
+    <inkml:brush xml:id="br0">
+      <inkml:brushProperty name="width" value="0.2" units="cm"/>
+      <inkml:brushProperty name="height" value="0.4" units="cm"/>
+      <inkml:brushProperty name="color" value="#FFFC00"/>
+      <inkml:brushProperty name="tip" value="rectangle"/>
+      <inkml:brushProperty name="rasterOp" value="maskPen"/>
+      <inkml:brushProperty name="ignorePressure" value="1"/>
+    </inkml:brush>
+  </inkml:definitions>
+  <inkml:trace contextRef="#ctx0" brushRef="#br0">1 19,'724'-18,"1778"18,-2483 0</inkml:trace>
+</inkml:ink>
+</file>
+
+<file path=ppt/ink/ink2.xml><?xml version="1.0" encoding="utf-8"?>
+<inkml:ink xmlns:inkml="http://www.w3.org/2003/InkML">
+  <inkml:definitions>
+    <inkml:context xml:id="ctx0">
+      <inkml:inkSource xml:id="inkSrc0">
+        <inkml:traceFormat>
+          <inkml:channel name="X" type="integer" min="-2.14748E9" max="2.14748E9" units="cm"/>
+          <inkml:channel name="Y" type="integer" min="-2.14748E9" max="2.14748E9" units="cm"/>
+        </inkml:traceFormat>
+        <inkml:channelProperties>
+          <inkml:channelProperty channel="X" name="resolution" value="1000" units="1/cm"/>
+          <inkml:channelProperty channel="Y" name="resolution" value="1000" units="1/cm"/>
+        </inkml:channelProperties>
+      </inkml:inkSource>
+      <inkml:timestamp xml:id="ts0" timeString="2021-07-21T19:51:08.028"/>
+    </inkml:context>
+    <inkml:brush xml:id="br0">
+      <inkml:brushProperty name="width" value="0.2" units="cm"/>
+      <inkml:brushProperty name="height" value="0.4" units="cm"/>
+      <inkml:brushProperty name="color" value="#FFFC00"/>
+      <inkml:brushProperty name="tip" value="rectangle"/>
+      <inkml:brushProperty name="rasterOp" value="maskPen"/>
+      <inkml:brushProperty name="ignorePressure" value="1"/>
+    </inkml:brush>
+  </inkml:definitions>
+  <inkml:trace contextRef="#ctx0" brushRef="#br0">1 97,'0'-1,"1"0,0 0,-1-1,1 1,0 0,0 0,0 0,0 0,0 0,0 0,0 0,0 0,0 0,0 1,1-1,-1 0,0 1,0-1,1 1,1-1,35-12,-32 12,56-12,1 2,0 4,102 0,-107 5,744-2,-450 6,-242-12,-12 0,357 8,-232 4,-205-2</inkml:trace>
+</inkml:ink>
+</file>
+
+<file path=ppt/ink/ink20.xml><?xml version="1.0" encoding="utf-8"?>
+<inkml:ink xmlns:inkml="http://www.w3.org/2003/InkML">
+  <inkml:definitions>
+    <inkml:context xml:id="ctx0">
+      <inkml:inkSource xml:id="inkSrc0">
+        <inkml:traceFormat>
+          <inkml:channel name="X" type="integer" min="-2.14748E9" max="2.14748E9" units="cm"/>
+          <inkml:channel name="Y" type="integer" min="-2.14748E9" max="2.14748E9" units="cm"/>
+        </inkml:traceFormat>
+        <inkml:channelProperties>
+          <inkml:channelProperty channel="X" name="resolution" value="1000" units="1/cm"/>
+          <inkml:channelProperty channel="Y" name="resolution" value="1000" units="1/cm"/>
+        </inkml:channelProperties>
+      </inkml:inkSource>
+      <inkml:timestamp xml:id="ts0" timeString="2021-07-22T13:31:23.832"/>
+    </inkml:context>
+    <inkml:brush xml:id="br0">
+      <inkml:brushProperty name="width" value="0.2" units="cm"/>
+      <inkml:brushProperty name="height" value="0.4" units="cm"/>
+      <inkml:brushProperty name="color" value="#FFFC00"/>
+      <inkml:brushProperty name="tip" value="rectangle"/>
+      <inkml:brushProperty name="rasterOp" value="maskPen"/>
+      <inkml:brushProperty name="ignorePressure" value="1"/>
+    </inkml:brush>
+  </inkml:definitions>
+  <inkml:trace contextRef="#ctx0" brushRef="#br0">1 15,'0'1,"1"0,-1 0,1 0,-1 0,1 0,0 0,-1 0,1 0,0 0,0-1,0 1,0 0,0 0,0-1,0 1,0-1,0 1,0-1,0 1,0-1,0 1,0-1,0 0,1 0,0 0,37 6,-33-5,27 2,0 0,0-3,1 0,48-9,95-4,-18 2,-42 2,178 7,-136 4,279-2,-425 0</inkml:trace>
+</inkml:ink>
+</file>
+
+<file path=ppt/ink/ink21.xml><?xml version="1.0" encoding="utf-8"?>
+<inkml:ink xmlns:inkml="http://www.w3.org/2003/InkML">
+  <inkml:definitions>
+    <inkml:context xml:id="ctx0">
+      <inkml:inkSource xml:id="inkSrc0">
+        <inkml:traceFormat>
+          <inkml:channel name="X" type="integer" min="-2.14748E9" max="2.14748E9" units="cm"/>
+          <inkml:channel name="Y" type="integer" min="-2.14748E9" max="2.14748E9" units="cm"/>
+        </inkml:traceFormat>
+        <inkml:channelProperties>
+          <inkml:channelProperty channel="X" name="resolution" value="1000" units="1/cm"/>
+          <inkml:channelProperty channel="Y" name="resolution" value="1000" units="1/cm"/>
+        </inkml:channelProperties>
+      </inkml:inkSource>
+      <inkml:timestamp xml:id="ts0" timeString="2021-07-22T13:33:54"/>
+    </inkml:context>
+    <inkml:brush xml:id="br0">
+      <inkml:brushProperty name="width" value="0.2" units="cm"/>
+      <inkml:brushProperty name="height" value="0.4" units="cm"/>
+      <inkml:brushProperty name="color" value="#FFFC00"/>
+      <inkml:brushProperty name="tip" value="rectangle"/>
+      <inkml:brushProperty name="rasterOp" value="maskPen"/>
+      <inkml:brushProperty name="ignorePressure" value="1"/>
+    </inkml:brush>
+  </inkml:definitions>
+  <inkml:trace contextRef="#ctx0" brushRef="#br0">0 2,'32'1,"-1"2,37 8,-35-6,159 19,-69-7,201 3,468-21,-767 0,0-2,31-6,-29 3,45-2,-34 5,45-9,-18 2,9-2,39-4,-91 15</inkml:trace>
+</inkml:ink>
+</file>
+
+<file path=ppt/ink/ink22.xml><?xml version="1.0" encoding="utf-8"?>
+<inkml:ink xmlns:inkml="http://www.w3.org/2003/InkML">
+  <inkml:definitions>
+    <inkml:context xml:id="ctx0">
+      <inkml:inkSource xml:id="inkSrc0">
+        <inkml:traceFormat>
+          <inkml:channel name="X" type="integer" min="-2.14748E9" max="2.14748E9" units="cm"/>
+          <inkml:channel name="Y" type="integer" min="-2.14748E9" max="2.14748E9" units="cm"/>
+        </inkml:traceFormat>
+        <inkml:channelProperties>
+          <inkml:channelProperty channel="X" name="resolution" value="1000" units="1/cm"/>
+          <inkml:channelProperty channel="Y" name="resolution" value="1000" units="1/cm"/>
+        </inkml:channelProperties>
+      </inkml:inkSource>
+      <inkml:timestamp xml:id="ts0" timeString="2021-07-22T13:34:07.856"/>
+    </inkml:context>
+    <inkml:brush xml:id="br0">
+      <inkml:brushProperty name="width" value="0.2" units="cm"/>
+      <inkml:brushProperty name="height" value="0.4" units="cm"/>
+      <inkml:brushProperty name="color" value="#FFFC00"/>
+      <inkml:brushProperty name="tip" value="rectangle"/>
+      <inkml:brushProperty name="rasterOp" value="maskPen"/>
+      <inkml:brushProperty name="ignorePressure" value="1"/>
+    </inkml:brush>
+  </inkml:definitions>
+  <inkml:trace contextRef="#ctx0" brushRef="#br0">0 0,'552'26,"-474"-21,165 17,212 6,537-29,-951-1,48-8,16-1,590 6,-383 7,-281-3,1-1,55-12,-64 9</inkml:trace>
+</inkml:ink>
+</file>
+
+<file path=ppt/ink/ink23.xml><?xml version="1.0" encoding="utf-8"?>
+<inkml:ink xmlns:inkml="http://www.w3.org/2003/InkML">
+  <inkml:definitions>
+    <inkml:context xml:id="ctx0">
+      <inkml:inkSource xml:id="inkSrc0">
+        <inkml:traceFormat>
+          <inkml:channel name="X" type="integer" min="-2.14748E9" max="2.14748E9" units="cm"/>
+          <inkml:channel name="Y" type="integer" min="-2.14748E9" max="2.14748E9" units="cm"/>
+        </inkml:traceFormat>
+        <inkml:channelProperties>
+          <inkml:channelProperty channel="X" name="resolution" value="1000" units="1/cm"/>
+          <inkml:channelProperty channel="Y" name="resolution" value="1000" units="1/cm"/>
+        </inkml:channelProperties>
+      </inkml:inkSource>
+      <inkml:timestamp xml:id="ts0" timeString="2021-07-22T13:34:10.532"/>
+    </inkml:context>
+    <inkml:brush xml:id="br0">
+      <inkml:brushProperty name="width" value="0.2" units="cm"/>
+      <inkml:brushProperty name="height" value="0.4" units="cm"/>
+      <inkml:brushProperty name="color" value="#FFFC00"/>
+      <inkml:brushProperty name="tip" value="rectangle"/>
+      <inkml:brushProperty name="rasterOp" value="maskPen"/>
+      <inkml:brushProperty name="ignorePressure" value="1"/>
+    </inkml:brush>
+  </inkml:definitions>
+  <inkml:trace contextRef="#ctx0" brushRef="#br0">0 1,'0'0</inkml:trace>
+</inkml:ink>
+</file>
+
+<file path=ppt/ink/ink24.xml><?xml version="1.0" encoding="utf-8"?>
+<inkml:ink xmlns:inkml="http://www.w3.org/2003/InkML">
+  <inkml:definitions>
+    <inkml:context xml:id="ctx0">
+      <inkml:inkSource xml:id="inkSrc0">
+        <inkml:traceFormat>
+          <inkml:channel name="X" type="integer" min="-2.14748E9" max="2.14748E9" units="cm"/>
+          <inkml:channel name="Y" type="integer" min="-2.14748E9" max="2.14748E9" units="cm"/>
+        </inkml:traceFormat>
+        <inkml:channelProperties>
+          <inkml:channelProperty channel="X" name="resolution" value="1000" units="1/cm"/>
+          <inkml:channelProperty channel="Y" name="resolution" value="1000" units="1/cm"/>
+        </inkml:channelProperties>
+      </inkml:inkSource>
       <inkml:timestamp xml:id="ts0" timeString="2021-07-20T00:09:10.274"/>
     </inkml:context>
     <inkml:brush xml:id="br0">
@@ -368,7 +664,7 @@
 </inkml:ink>
 </file>
 
-<file path=ppt/ink/ink16.xml><?xml version="1.0" encoding="utf-8"?>
+<file path=ppt/ink/ink25.xml><?xml version="1.0" encoding="utf-8"?>
 <inkml:ink xmlns:inkml="http://www.w3.org/2003/InkML">
   <inkml:definitions>
     <inkml:context xml:id="ctx0">
@@ -401,7 +697,7 @@
 </inkml:ink>
 </file>
 
-<file path=ppt/ink/ink17.xml><?xml version="1.0" encoding="utf-8"?>
+<file path=ppt/ink/ink26.xml><?xml version="1.0" encoding="utf-8"?>
 <inkml:ink xmlns:inkml="http://www.w3.org/2003/InkML">
   <inkml:definitions>
     <inkml:context xml:id="ctx0">
@@ -428,7 +724,7 @@
 </inkml:ink>
 </file>
 
-<file path=ppt/ink/ink18.xml><?xml version="1.0" encoding="utf-8"?>
+<file path=ppt/ink/ink27.xml><?xml version="1.0" encoding="utf-8"?>
 <inkml:ink xmlns:inkml="http://www.w3.org/2003/InkML">
   <inkml:definitions>
     <inkml:context xml:id="ctx0">
@@ -452,35 +748,6 @@
     </inkml:brush>
   </inkml:definitions>
   <inkml:trace contextRef="#ctx0" brushRef="#br0">1 0,'0'0</inkml:trace>
-</inkml:ink>
-</file>
-
-<file path=ppt/ink/ink2.xml><?xml version="1.0" encoding="utf-8"?>
-<inkml:ink xmlns:inkml="http://www.w3.org/2003/InkML">
-  <inkml:definitions>
-    <inkml:context xml:id="ctx0">
-      <inkml:inkSource xml:id="inkSrc0">
-        <inkml:traceFormat>
-          <inkml:channel name="X" type="integer" min="-2.14748E9" max="2.14748E9" units="cm"/>
-          <inkml:channel name="Y" type="integer" min="-2.14748E9" max="2.14748E9" units="cm"/>
-        </inkml:traceFormat>
-        <inkml:channelProperties>
-          <inkml:channelProperty channel="X" name="resolution" value="1000" units="1/cm"/>
-          <inkml:channelProperty channel="Y" name="resolution" value="1000" units="1/cm"/>
-        </inkml:channelProperties>
-      </inkml:inkSource>
-      <inkml:timestamp xml:id="ts0" timeString="2021-07-21T19:51:08.028"/>
-    </inkml:context>
-    <inkml:brush xml:id="br0">
-      <inkml:brushProperty name="width" value="0.2" units="cm"/>
-      <inkml:brushProperty name="height" value="0.4" units="cm"/>
-      <inkml:brushProperty name="color" value="#FFFC00"/>
-      <inkml:brushProperty name="tip" value="rectangle"/>
-      <inkml:brushProperty name="rasterOp" value="maskPen"/>
-      <inkml:brushProperty name="ignorePressure" value="1"/>
-    </inkml:brush>
-  </inkml:definitions>
-  <inkml:trace contextRef="#ctx0" brushRef="#br0">1 97,'0'-1,"1"0,0 0,-1-1,1 1,0 0,0 0,0 0,0 0,0 0,0 0,0 0,0 0,0 0,0 1,1-1,-1 0,0 1,0-1,1 1,1-1,35-12,-32 12,56-12,1 2,0 4,102 0,-107 5,744-2,-450 6,-242-12,-12 0,357 8,-232 4,-205-2</inkml:trace>
 </inkml:ink>
 </file>
 
@@ -769,7 +1036,7 @@
           <a:p>
             <a:fld id="{FBAFBA1F-CED4-45CC-89CC-38E0D3292786}" type="datetimeFigureOut">
               <a:rPr lang="en-US" smtClean="0"/>
-              <a:t>21-Jul-21</a:t>
+              <a:t>22-Jul-21</a:t>
             </a:fld>
             <a:endParaRPr lang="en-US"/>
           </a:p>
@@ -2998,7 +3265,7 @@
                 <a:tabLst/>
                 <a:defRPr/>
               </a:pPr>
-              <a:t>22</a:t>
+              <a:t>27</a:t>
             </a:fld>
             <a:endParaRPr kumimoji="0" lang="es-ES" altLang="en-US" sz="1200" b="0" i="0" u="none" strike="noStrike" kern="0" cap="none" spc="0" normalizeH="0" baseline="0" noProof="0">
               <a:ln>
@@ -3353,7 +3620,7 @@
                 <a:tabLst/>
                 <a:defRPr/>
               </a:pPr>
-              <a:t>23</a:t>
+              <a:t>28</a:t>
             </a:fld>
             <a:endParaRPr kumimoji="0" lang="es-ES" altLang="en-US" sz="1200" b="0" i="0" u="none" strike="noStrike" kern="0" cap="none" spc="0" normalizeH="0" baseline="0" noProof="0">
               <a:ln>
@@ -3708,7 +3975,7 @@
                 <a:tabLst/>
                 <a:defRPr/>
               </a:pPr>
-              <a:t>24</a:t>
+              <a:t>29</a:t>
             </a:fld>
             <a:endParaRPr kumimoji="0" lang="es-ES" altLang="en-US" sz="1200" b="0" i="0" u="none" strike="noStrike" kern="0" cap="none" spc="0" normalizeH="0" baseline="0" noProof="0">
               <a:ln>
@@ -3934,7 +4201,7 @@
             <a:fld id="{94EF284B-A536-4129-B3B0-B5ABA5FDC2D4}" type="datetime1">
               <a:rPr lang="en-US" smtClean="0"/>
               <a:pPr/>
-              <a:t>21-Jul-21</a:t>
+              <a:t>22-Jul-21</a:t>
             </a:fld>
             <a:endParaRPr lang="en-US"/>
           </a:p>
@@ -17334,7 +17601,7 @@
             <a:fld id="{D813B121-7DC8-4740-AF23-B2979B0ADE67}" type="datetime1">
               <a:rPr lang="en-US" smtClean="0"/>
               <a:pPr/>
-              <a:t>21-Jul-21</a:t>
+              <a:t>22-Jul-21</a:t>
             </a:fld>
             <a:endParaRPr lang="en-US"/>
           </a:p>
@@ -22928,8 +23195,8 @@
           </a:ln>
         </p:spPr>
       </p:pic>
-      <mc:AlternateContent xmlns:mc="http://schemas.openxmlformats.org/markup-compatibility/2006">
-        <mc:Choice xmlns:p14="http://schemas.microsoft.com/office/powerpoint/2010/main" Requires="p14">
+      <mc:AlternateContent xmlns:mc="http://schemas.openxmlformats.org/markup-compatibility/2006" xmlns:p14="http://schemas.microsoft.com/office/powerpoint/2010/main">
+        <mc:Choice Requires="p14">
           <p:contentPart p14:bwMode="auto" r:id="rId3">
             <p14:nvContentPartPr>
               <p14:cNvPr id="11" name="Ink 10">
@@ -22948,7 +23215,7 @@
             </p14:xfrm>
           </p:contentPart>
         </mc:Choice>
-        <mc:Fallback>
+        <mc:Fallback xmlns="">
           <p:pic>
             <p:nvPicPr>
               <p:cNvPr id="11" name="Ink 10">
@@ -22979,8 +23246,8 @@
           </p:pic>
         </mc:Fallback>
       </mc:AlternateContent>
-      <mc:AlternateContent xmlns:mc="http://schemas.openxmlformats.org/markup-compatibility/2006">
-        <mc:Choice xmlns:p14="http://schemas.microsoft.com/office/powerpoint/2010/main" Requires="p14">
+      <mc:AlternateContent xmlns:mc="http://schemas.openxmlformats.org/markup-compatibility/2006" xmlns:p14="http://schemas.microsoft.com/office/powerpoint/2010/main">
+        <mc:Choice Requires="p14">
           <p:contentPart p14:bwMode="auto" r:id="rId5">
             <p14:nvContentPartPr>
               <p14:cNvPr id="12" name="Ink 11">
@@ -22999,7 +23266,7 @@
             </p14:xfrm>
           </p:contentPart>
         </mc:Choice>
-        <mc:Fallback>
+        <mc:Fallback xmlns="">
           <p:pic>
             <p:nvPicPr>
               <p:cNvPr id="12" name="Ink 11">
@@ -24703,8 +24970,8 @@
           </a:prstGeom>
         </p:spPr>
       </p:pic>
-      <mc:AlternateContent xmlns:mc="http://schemas.openxmlformats.org/markup-compatibility/2006">
-        <mc:Choice xmlns:p14="http://schemas.microsoft.com/office/powerpoint/2010/main" Requires="p14">
+      <mc:AlternateContent xmlns:mc="http://schemas.openxmlformats.org/markup-compatibility/2006" xmlns:p14="http://schemas.microsoft.com/office/powerpoint/2010/main">
+        <mc:Choice Requires="p14">
           <p:contentPart p14:bwMode="auto" r:id="rId3">
             <p14:nvContentPartPr>
               <p14:cNvPr id="10" name="Ink 9">
@@ -24723,7 +24990,7 @@
             </p14:xfrm>
           </p:contentPart>
         </mc:Choice>
-        <mc:Fallback>
+        <mc:Fallback xmlns="">
           <p:pic>
             <p:nvPicPr>
               <p:cNvPr id="10" name="Ink 9">
@@ -24754,8 +25021,8 @@
           </p:pic>
         </mc:Fallback>
       </mc:AlternateContent>
-      <mc:AlternateContent xmlns:mc="http://schemas.openxmlformats.org/markup-compatibility/2006">
-        <mc:Choice xmlns:p14="http://schemas.microsoft.com/office/powerpoint/2010/main" Requires="p14">
+      <mc:AlternateContent xmlns:mc="http://schemas.openxmlformats.org/markup-compatibility/2006" xmlns:p14="http://schemas.microsoft.com/office/powerpoint/2010/main">
+        <mc:Choice Requires="p14">
           <p:contentPart p14:bwMode="auto" r:id="rId5">
             <p14:nvContentPartPr>
               <p14:cNvPr id="11" name="Ink 10">
@@ -24774,7 +25041,7 @@
             </p14:xfrm>
           </p:contentPart>
         </mc:Choice>
-        <mc:Fallback>
+        <mc:Fallback xmlns="">
           <p:pic>
             <p:nvPicPr>
               <p:cNvPr id="11" name="Ink 10">
@@ -24805,8 +25072,8 @@
           </p:pic>
         </mc:Fallback>
       </mc:AlternateContent>
-      <mc:AlternateContent xmlns:mc="http://schemas.openxmlformats.org/markup-compatibility/2006">
-        <mc:Choice xmlns:p14="http://schemas.microsoft.com/office/powerpoint/2010/main" Requires="p14">
+      <mc:AlternateContent xmlns:mc="http://schemas.openxmlformats.org/markup-compatibility/2006" xmlns:p14="http://schemas.microsoft.com/office/powerpoint/2010/main">
+        <mc:Choice Requires="p14">
           <p:contentPart p14:bwMode="auto" r:id="rId7">
             <p14:nvContentPartPr>
               <p14:cNvPr id="12" name="Ink 11">
@@ -24825,7 +25092,7 @@
             </p14:xfrm>
           </p:contentPart>
         </mc:Choice>
-        <mc:Fallback>
+        <mc:Fallback xmlns="">
           <p:pic>
             <p:nvPicPr>
               <p:cNvPr id="12" name="Ink 11">
@@ -24886,8 +25153,8 @@
           </a:prstGeom>
         </p:spPr>
       </p:pic>
-      <mc:AlternateContent xmlns:mc="http://schemas.openxmlformats.org/markup-compatibility/2006">
-        <mc:Choice xmlns:p14="http://schemas.microsoft.com/office/powerpoint/2010/main" Requires="p14">
+      <mc:AlternateContent xmlns:mc="http://schemas.openxmlformats.org/markup-compatibility/2006" xmlns:p14="http://schemas.microsoft.com/office/powerpoint/2010/main">
+        <mc:Choice Requires="p14">
           <p:contentPart p14:bwMode="auto" r:id="rId10">
             <p14:nvContentPartPr>
               <p14:cNvPr id="19" name="Ink 18">
@@ -24906,7 +25173,7 @@
             </p14:xfrm>
           </p:contentPart>
         </mc:Choice>
-        <mc:Fallback>
+        <mc:Fallback xmlns="">
           <p:pic>
             <p:nvPicPr>
               <p:cNvPr id="19" name="Ink 18">
@@ -24937,8 +25204,8 @@
           </p:pic>
         </mc:Fallback>
       </mc:AlternateContent>
-      <mc:AlternateContent xmlns:mc="http://schemas.openxmlformats.org/markup-compatibility/2006">
-        <mc:Choice xmlns:p14="http://schemas.microsoft.com/office/powerpoint/2010/main" Requires="p14">
+      <mc:AlternateContent xmlns:mc="http://schemas.openxmlformats.org/markup-compatibility/2006" xmlns:p14="http://schemas.microsoft.com/office/powerpoint/2010/main">
+        <mc:Choice Requires="p14">
           <p:contentPart p14:bwMode="auto" r:id="rId12">
             <p14:nvContentPartPr>
               <p14:cNvPr id="20" name="Ink 19">
@@ -24957,7 +25224,7 @@
             </p14:xfrm>
           </p:contentPart>
         </mc:Choice>
-        <mc:Fallback>
+        <mc:Fallback xmlns="">
           <p:pic>
             <p:nvPicPr>
               <p:cNvPr id="20" name="Ink 19">
@@ -25405,8 +25672,8 @@
           </a:prstGeom>
         </p:spPr>
       </p:pic>
-      <mc:AlternateContent xmlns:mc="http://schemas.openxmlformats.org/markup-compatibility/2006">
-        <mc:Choice xmlns:p14="http://schemas.microsoft.com/office/powerpoint/2010/main" Requires="p14">
+      <mc:AlternateContent xmlns:mc="http://schemas.openxmlformats.org/markup-compatibility/2006" xmlns:p14="http://schemas.microsoft.com/office/powerpoint/2010/main">
+        <mc:Choice Requires="p14">
           <p:contentPart p14:bwMode="auto" r:id="rId3">
             <p14:nvContentPartPr>
               <p14:cNvPr id="6" name="Ink 5">
@@ -25425,7 +25692,7 @@
             </p14:xfrm>
           </p:contentPart>
         </mc:Choice>
-        <mc:Fallback>
+        <mc:Fallback xmlns="">
           <p:pic>
             <p:nvPicPr>
               <p:cNvPr id="6" name="Ink 5">
@@ -25456,8 +25723,8 @@
           </p:pic>
         </mc:Fallback>
       </mc:AlternateContent>
-      <mc:AlternateContent xmlns:mc="http://schemas.openxmlformats.org/markup-compatibility/2006">
-        <mc:Choice xmlns:p14="http://schemas.microsoft.com/office/powerpoint/2010/main" Requires="p14">
+      <mc:AlternateContent xmlns:mc="http://schemas.openxmlformats.org/markup-compatibility/2006" xmlns:p14="http://schemas.microsoft.com/office/powerpoint/2010/main">
+        <mc:Choice Requires="p14">
           <p:contentPart p14:bwMode="auto" r:id="rId5">
             <p14:nvContentPartPr>
               <p14:cNvPr id="7" name="Ink 6">
@@ -25476,7 +25743,7 @@
             </p14:xfrm>
           </p:contentPart>
         </mc:Choice>
-        <mc:Fallback>
+        <mc:Fallback xmlns="">
           <p:pic>
             <p:nvPicPr>
               <p:cNvPr id="7" name="Ink 6">
@@ -25537,8 +25804,8 @@
           </a:prstGeom>
         </p:spPr>
       </p:pic>
-      <mc:AlternateContent xmlns:mc="http://schemas.openxmlformats.org/markup-compatibility/2006">
-        <mc:Choice xmlns:p14="http://schemas.microsoft.com/office/powerpoint/2010/main" Requires="p14">
+      <mc:AlternateContent xmlns:mc="http://schemas.openxmlformats.org/markup-compatibility/2006" xmlns:p14="http://schemas.microsoft.com/office/powerpoint/2010/main">
+        <mc:Choice Requires="p14">
           <p:contentPart p14:bwMode="auto" r:id="rId8">
             <p14:nvContentPartPr>
               <p14:cNvPr id="15" name="Ink 14">
@@ -25557,7 +25824,7 @@
             </p14:xfrm>
           </p:contentPart>
         </mc:Choice>
-        <mc:Fallback>
+        <mc:Fallback xmlns="">
           <p:pic>
             <p:nvPicPr>
               <p:cNvPr id="15" name="Ink 14">
@@ -25833,8 +26100,8 @@
           </a:p>
         </p:txBody>
       </p:sp>
-      <mc:AlternateContent xmlns:mc="http://schemas.openxmlformats.org/markup-compatibility/2006">
-        <mc:Choice xmlns:p14="http://schemas.microsoft.com/office/powerpoint/2010/main" Requires="p14">
+      <mc:AlternateContent xmlns:mc="http://schemas.openxmlformats.org/markup-compatibility/2006" xmlns:p14="http://schemas.microsoft.com/office/powerpoint/2010/main">
+        <mc:Choice Requires="p14">
           <p:contentPart p14:bwMode="auto" r:id="rId3">
             <p14:nvContentPartPr>
               <p14:cNvPr id="15" name="Ink 14">
@@ -25853,7 +26120,7 @@
             </p14:xfrm>
           </p:contentPart>
         </mc:Choice>
-        <mc:Fallback>
+        <mc:Fallback xmlns="">
           <p:pic>
             <p:nvPicPr>
               <p:cNvPr id="15" name="Ink 14">
@@ -25901,23 +26168,11 @@
             <a:off x="4750753" y="1585445"/>
             <a:ext cx="378136" cy="195230"/>
           </a:xfrm>
-          <a:prstGeom prst="ellipse">
-            <a:avLst/>
-          </a:prstGeom>
           <a:noFill/>
           <a:ln w="22225">
             <a:solidFill>
               <a:srgbClr val="FF0000"/>
             </a:solidFill>
-            <a:extLst>
-              <a:ext uri="{C807C97D-BFC1-408E-A445-0C87EB9F89A2}">
-                <ask:lineSketchStyleProps xmlns:ask="http://schemas.microsoft.com/office/drawing/2018/sketchyshapes">
-                  <ask:type>
-                    <ask:lineSketchScribble/>
-                  </ask:type>
-                </ask:lineSketchStyleProps>
-              </a:ext>
-            </a:extLst>
           </a:ln>
         </p:spPr>
         <p:style>
@@ -26068,8 +26323,8 @@
           </a:p>
         </p:txBody>
       </p:sp>
-      <mc:AlternateContent xmlns:mc="http://schemas.openxmlformats.org/markup-compatibility/2006">
-        <mc:Choice xmlns:p14="http://schemas.microsoft.com/office/powerpoint/2010/main" Requires="p14">
+      <mc:AlternateContent xmlns:mc="http://schemas.openxmlformats.org/markup-compatibility/2006" xmlns:p14="http://schemas.microsoft.com/office/powerpoint/2010/main">
+        <mc:Choice Requires="p14">
           <p:contentPart p14:bwMode="auto" r:id="rId5">
             <p14:nvContentPartPr>
               <p14:cNvPr id="13" name="Ink 12">
@@ -26088,7 +26343,7 @@
             </p14:xfrm>
           </p:contentPart>
         </mc:Choice>
-        <mc:Fallback>
+        <mc:Fallback xmlns="">
           <p:pic>
             <p:nvPicPr>
               <p:cNvPr id="13" name="Ink 12">
@@ -26753,8 +27008,8 @@
           </a:p>
         </p:txBody>
       </p:sp>
-      <mc:AlternateContent xmlns:mc="http://schemas.openxmlformats.org/markup-compatibility/2006">
-        <mc:Choice xmlns:p14="http://schemas.microsoft.com/office/powerpoint/2010/main" Requires="p14">
+      <mc:AlternateContent xmlns:mc="http://schemas.openxmlformats.org/markup-compatibility/2006" xmlns:p14="http://schemas.microsoft.com/office/powerpoint/2010/main">
+        <mc:Choice Requires="p14">
           <p:contentPart p14:bwMode="auto" r:id="rId3">
             <p14:nvContentPartPr>
               <p14:cNvPr id="7" name="Ink 6">
@@ -26773,7 +27028,7 @@
             </p14:xfrm>
           </p:contentPart>
         </mc:Choice>
-        <mc:Fallback>
+        <mc:Fallback xmlns="">
           <p:pic>
             <p:nvPicPr>
               <p:cNvPr id="7" name="Ink 6">
@@ -27239,23 +27494,11 @@
             <a:off x="1354412" y="999183"/>
             <a:ext cx="639393" cy="100847"/>
           </a:xfrm>
-          <a:prstGeom prst="roundRect">
-            <a:avLst/>
-          </a:prstGeom>
           <a:noFill/>
           <a:ln w="22225">
             <a:solidFill>
               <a:srgbClr val="FF0000"/>
             </a:solidFill>
-            <a:extLst>
-              <a:ext uri="{C807C97D-BFC1-408E-A445-0C87EB9F89A2}">
-                <ask:lineSketchStyleProps xmlns:ask="http://schemas.microsoft.com/office/drawing/2018/sketchyshapes">
-                  <ask:type>
-                    <ask:lineSketchScribble/>
-                  </ask:type>
-                </ask:lineSketchStyleProps>
-              </a:ext>
-            </a:extLst>
           </a:ln>
         </p:spPr>
         <p:style>
@@ -29593,8 +29836,8 @@
           </a:ln>
         </p:spPr>
       </p:pic>
-      <mc:AlternateContent xmlns:mc="http://schemas.openxmlformats.org/markup-compatibility/2006">
-        <mc:Choice xmlns:p14="http://schemas.microsoft.com/office/powerpoint/2010/main" Requires="p14">
+      <mc:AlternateContent xmlns:mc="http://schemas.openxmlformats.org/markup-compatibility/2006" xmlns:p14="http://schemas.microsoft.com/office/powerpoint/2010/main">
+        <mc:Choice Requires="p14">
           <p:contentPart p14:bwMode="auto" r:id="rId3">
             <p14:nvContentPartPr>
               <p14:cNvPr id="8" name="Ink 7">
@@ -29613,7 +29856,7 @@
             </p14:xfrm>
           </p:contentPart>
         </mc:Choice>
-        <mc:Fallback>
+        <mc:Fallback xmlns="">
           <p:pic>
             <p:nvPicPr>
               <p:cNvPr id="8" name="Ink 7">
@@ -30312,6 +30555,34 @@
               <a:t>to</a:t>
             </a:r>
             <a:r>
+              <a:rPr lang="es-ES" sz="1200" dirty="0">
+                <a:latin typeface="Arial" panose="020B0604020202020204" pitchFamily="34" charset="0"/>
+                <a:cs typeface="Arial" panose="020B0604020202020204" pitchFamily="34" charset="0"/>
+              </a:rPr>
+              <a:t> </a:t>
+            </a:r>
+            <a:r>
+              <a:rPr lang="es-ES" sz="1200" dirty="0" err="1">
+                <a:latin typeface="Arial" panose="020B0604020202020204" pitchFamily="34" charset="0"/>
+                <a:cs typeface="Arial" panose="020B0604020202020204" pitchFamily="34" charset="0"/>
+              </a:rPr>
+              <a:t>start</a:t>
+            </a:r>
+            <a:r>
+              <a:rPr lang="es-ES" sz="1200" dirty="0">
+                <a:latin typeface="Arial" panose="020B0604020202020204" pitchFamily="34" charset="0"/>
+                <a:cs typeface="Arial" panose="020B0604020202020204" pitchFamily="34" charset="0"/>
+              </a:rPr>
+              <a:t> a 2nd ETL </a:t>
+            </a:r>
+            <a:r>
+              <a:rPr lang="es-ES" sz="1200" dirty="0" err="1">
+                <a:latin typeface="Arial" panose="020B0604020202020204" pitchFamily="34" charset="0"/>
+                <a:cs typeface="Arial" panose="020B0604020202020204" pitchFamily="34" charset="0"/>
+              </a:rPr>
+              <a:t>process</a:t>
+            </a:r>
+            <a:r>
               <a:rPr lang="en-US" sz="1200" dirty="0">
                 <a:latin typeface="Arial" panose="020B0604020202020204" pitchFamily="34" charset="0"/>
                 <a:cs typeface="Arial" panose="020B0604020202020204" pitchFamily="34" charset="0"/>
@@ -30745,6 +31016,61 @@
           </p:spPr>
         </p:pic>
       </p:grpSp>
+      <p:sp>
+        <p:nvSpPr>
+          <p:cNvPr id="12" name="Action Button: Go Forward or Next 11">
+            <a:hlinkClick r:id="rId5" action="ppaction://hlinksldjump" highlightClick="1"/>
+            <a:extLst>
+              <a:ext uri="{FF2B5EF4-FFF2-40B4-BE49-F238E27FC236}">
+                <a16:creationId xmlns:a16="http://schemas.microsoft.com/office/drawing/2014/main" id="{1C0C0409-70B0-4F65-8FF8-2E4A0FCCD68B}"/>
+              </a:ext>
+            </a:extLst>
+          </p:cNvPr>
+          <p:cNvSpPr/>
+          <p:nvPr/>
+        </p:nvSpPr>
+        <p:spPr>
+          <a:xfrm>
+            <a:off x="8348622" y="999183"/>
+            <a:ext cx="478807" cy="273844"/>
+          </a:xfrm>
+          <a:prstGeom prst="actionButtonForwardNext">
+            <a:avLst/>
+          </a:prstGeom>
+          <a:solidFill>
+            <a:schemeClr val="bg2"/>
+          </a:solidFill>
+          <a:ln w="6350">
+            <a:solidFill>
+              <a:schemeClr val="tx1"/>
+            </a:solidFill>
+          </a:ln>
+        </p:spPr>
+        <p:style>
+          <a:lnRef idx="2">
+            <a:schemeClr val="accent1">
+              <a:shade val="50000"/>
+            </a:schemeClr>
+          </a:lnRef>
+          <a:fillRef idx="1">
+            <a:schemeClr val="accent1"/>
+          </a:fillRef>
+          <a:effectRef idx="0">
+            <a:schemeClr val="accent1"/>
+          </a:effectRef>
+          <a:fontRef idx="minor">
+            <a:schemeClr val="lt1"/>
+          </a:fontRef>
+        </p:style>
+        <p:txBody>
+          <a:bodyPr rtlCol="0" anchor="ctr"/>
+          <a:lstStyle/>
+          <a:p>
+            <a:pPr algn="ctr"/>
+            <a:endParaRPr lang="es-ES"/>
+          </a:p>
+        </p:txBody>
+      </p:sp>
     </p:spTree>
     <p:extLst>
       <p:ext uri="{BB962C8B-B14F-4D97-AF65-F5344CB8AC3E}">
@@ -30767,6 +31093,9 @@
                     <p:cTn id="3" fill="hold">
                       <p:stCondLst>
                         <p:cond delay="indefinite"/>
+                        <p:cond evt="onBegin" delay="0">
+                          <p:tn val="2"/>
+                        </p:cond>
                       </p:stCondLst>
                       <p:childTnLst>
                         <p:par>
@@ -30776,7 +31105,7 @@
                             </p:stCondLst>
                             <p:childTnLst>
                               <p:par>
-                                <p:cTn id="5" presetID="2" presetClass="entr" presetSubtype="2" fill="hold" grpId="0" nodeType="clickEffect">
+                                <p:cTn id="5" presetID="2" presetClass="entr" presetSubtype="2" fill="hold" grpId="0" nodeType="afterEffect">
                                   <p:stCondLst>
                                     <p:cond delay="0"/>
                                   </p:stCondLst>
@@ -30789,7 +31118,7 @@
                                           </p:stCondLst>
                                         </p:cTn>
                                         <p:tgtEl>
-                                          <p:spTgt spid="10"/>
+                                          <p:spTgt spid="12"/>
                                         </p:tgtEl>
                                         <p:attrNameLst>
                                           <p:attrName>style.visibility</p:attrName>
@@ -30803,7 +31132,7 @@
                                       <p:cBhvr additive="base">
                                         <p:cTn id="7" dur="500" fill="hold"/>
                                         <p:tgtEl>
-                                          <p:spTgt spid="10"/>
+                                          <p:spTgt spid="12"/>
                                         </p:tgtEl>
                                         <p:attrNameLst>
                                           <p:attrName>ppt_x</p:attrName>
@@ -30826,7 +31155,7 @@
                                       <p:cBhvr additive="base">
                                         <p:cTn id="8" dur="500" fill="hold"/>
                                         <p:tgtEl>
-                                          <p:spTgt spid="10"/>
+                                          <p:spTgt spid="12"/>
                                         </p:tgtEl>
                                         <p:attrNameLst>
                                           <p:attrName>ppt_y</p:attrName>
@@ -30876,13 +31205,1980 @@
       </p:par>
     </p:tnLst>
     <p:bldLst>
-      <p:bldP spid="10" grpId="0" animBg="1"/>
+      <p:bldP spid="12" grpId="0" animBg="1"/>
     </p:bldLst>
   </p:timing>
 </p:sld>
 </file>
 
 <file path=ppt/slides/slide22.xml><?xml version="1.0" encoding="utf-8"?>
+<p:sld xmlns:a="http://schemas.openxmlformats.org/drawingml/2006/main" xmlns:r="http://schemas.openxmlformats.org/officeDocument/2006/relationships" xmlns:p="http://schemas.openxmlformats.org/presentationml/2006/main">
+  <p:cSld>
+    <p:spTree>
+      <p:nvGrpSpPr>
+        <p:cNvPr id="1" name=""/>
+        <p:cNvGrpSpPr/>
+        <p:nvPr/>
+      </p:nvGrpSpPr>
+      <p:grpSpPr>
+        <a:xfrm>
+          <a:off x="0" y="0"/>
+          <a:ext cx="0" cy="0"/>
+          <a:chOff x="0" y="0"/>
+          <a:chExt cx="0" cy="0"/>
+        </a:xfrm>
+      </p:grpSpPr>
+      <p:sp>
+        <p:nvSpPr>
+          <p:cNvPr id="2" name="Title 1">
+            <a:extLst>
+              <a:ext uri="{FF2B5EF4-FFF2-40B4-BE49-F238E27FC236}">
+                <a16:creationId xmlns:a16="http://schemas.microsoft.com/office/drawing/2014/main" id="{E573BB41-E506-4710-8F8C-42B319918F82}"/>
+              </a:ext>
+            </a:extLst>
+          </p:cNvPr>
+          <p:cNvSpPr>
+            <a:spLocks noGrp="1"/>
+          </p:cNvSpPr>
+          <p:nvPr>
+            <p:ph type="title"/>
+          </p:nvPr>
+        </p:nvSpPr>
+        <p:spPr/>
+        <p:txBody>
+          <a:bodyPr>
+            <a:normAutofit fontScale="90000"/>
+          </a:bodyPr>
+          <a:lstStyle/>
+          <a:p>
+            <a:r>
+              <a:rPr lang="en-US" dirty="0"/>
+              <a:t>ETL #2 - EXTRACTION. </a:t>
+            </a:r>
+            <a:r>
+              <a:rPr lang="en-US" dirty="0">
+                <a:solidFill>
+                  <a:srgbClr val="0070C0"/>
+                </a:solidFill>
+              </a:rPr>
+              <a:t>Reading .csv for stats</a:t>
+            </a:r>
+            <a:endParaRPr lang="es-ES" dirty="0">
+              <a:solidFill>
+                <a:srgbClr val="0070C0"/>
+              </a:solidFill>
+            </a:endParaRPr>
+          </a:p>
+        </p:txBody>
+      </p:sp>
+      <p:sp>
+        <p:nvSpPr>
+          <p:cNvPr id="3" name="Slide Number Placeholder 2">
+            <a:extLst>
+              <a:ext uri="{FF2B5EF4-FFF2-40B4-BE49-F238E27FC236}">
+                <a16:creationId xmlns:a16="http://schemas.microsoft.com/office/drawing/2014/main" id="{B3535E0C-0CF3-4438-A95D-C0FEF04BB684}"/>
+              </a:ext>
+            </a:extLst>
+          </p:cNvPr>
+          <p:cNvSpPr>
+            <a:spLocks noGrp="1"/>
+          </p:cNvSpPr>
+          <p:nvPr>
+            <p:ph type="sldNum" sz="quarter" idx="12"/>
+          </p:nvPr>
+        </p:nvSpPr>
+        <p:spPr>
+          <a:xfrm>
+            <a:off x="8469942" y="4868094"/>
+            <a:ext cx="674057" cy="273844"/>
+          </a:xfrm>
+        </p:spPr>
+        <p:txBody>
+          <a:bodyPr/>
+          <a:lstStyle/>
+          <a:p>
+            <a:pPr marL="0" marR="0" lvl="0" indent="0" algn="r" defTabSz="914400" rtl="0" eaLnBrk="1" fontAlgn="auto" latinLnBrk="0" hangingPunct="1">
+              <a:lnSpc>
+                <a:spcPct val="100000"/>
+              </a:lnSpc>
+              <a:spcBef>
+                <a:spcPts val="0"/>
+              </a:spcBef>
+              <a:spcAft>
+                <a:spcPts val="0"/>
+              </a:spcAft>
+              <a:buClrTx/>
+              <a:buSzTx/>
+              <a:buFontTx/>
+              <a:buNone/>
+              <a:tabLst/>
+              <a:defRPr/>
+            </a:pPr>
+            <a:fld id="{EDA4E73C-7A94-44D4-A65F-F6EB5CEC5634}" type="slidenum">
+              <a:rPr kumimoji="0" lang="en-US" sz="1000" b="0" i="0" u="none" strike="noStrike" kern="1200" cap="none" spc="0" normalizeH="0" baseline="0" noProof="0" smtClean="0">
+                <a:ln>
+                  <a:noFill/>
+                </a:ln>
+                <a:solidFill>
+                  <a:srgbClr val="FF0000"/>
+                </a:solidFill>
+                <a:effectLst/>
+                <a:uLnTx/>
+                <a:uFillTx/>
+                <a:latin typeface="Arial" panose="020B0604020202020204" pitchFamily="34" charset="0"/>
+                <a:ea typeface="+mn-ea"/>
+                <a:cs typeface="Arial" panose="020B0604020202020204" pitchFamily="34" charset="0"/>
+              </a:rPr>
+              <a:pPr marL="0" marR="0" lvl="0" indent="0" algn="r" defTabSz="914400" rtl="0" eaLnBrk="1" fontAlgn="auto" latinLnBrk="0" hangingPunct="1">
+                <a:lnSpc>
+                  <a:spcPct val="100000"/>
+                </a:lnSpc>
+                <a:spcBef>
+                  <a:spcPts val="0"/>
+                </a:spcBef>
+                <a:spcAft>
+                  <a:spcPts val="0"/>
+                </a:spcAft>
+                <a:buClrTx/>
+                <a:buSzTx/>
+                <a:buFontTx/>
+                <a:buNone/>
+                <a:tabLst/>
+                <a:defRPr/>
+              </a:pPr>
+              <a:t>22</a:t>
+            </a:fld>
+            <a:endParaRPr kumimoji="0" lang="en-US" sz="1000" b="0" i="0" u="none" strike="noStrike" kern="1200" cap="none" spc="0" normalizeH="0" baseline="0" noProof="0">
+              <a:ln>
+                <a:noFill/>
+              </a:ln>
+              <a:solidFill>
+                <a:srgbClr val="FF0000"/>
+              </a:solidFill>
+              <a:effectLst/>
+              <a:uLnTx/>
+              <a:uFillTx/>
+              <a:latin typeface="Arial" panose="020B0604020202020204" pitchFamily="34" charset="0"/>
+              <a:ea typeface="+mn-ea"/>
+              <a:cs typeface="Arial" panose="020B0604020202020204" pitchFamily="34" charset="0"/>
+            </a:endParaRPr>
+          </a:p>
+        </p:txBody>
+      </p:sp>
+      <p:grpSp>
+        <p:nvGrpSpPr>
+          <p:cNvPr id="7" name="Group 6">
+            <a:extLst>
+              <a:ext uri="{FF2B5EF4-FFF2-40B4-BE49-F238E27FC236}">
+                <a16:creationId xmlns:a16="http://schemas.microsoft.com/office/drawing/2014/main" id="{FCDCEA50-2B57-492D-8466-7BA2C60F8018}"/>
+              </a:ext>
+            </a:extLst>
+          </p:cNvPr>
+          <p:cNvGrpSpPr/>
+          <p:nvPr/>
+        </p:nvGrpSpPr>
+        <p:grpSpPr>
+          <a:xfrm>
+            <a:off x="674057" y="580771"/>
+            <a:ext cx="5156220" cy="4287323"/>
+            <a:chOff x="892888" y="580771"/>
+            <a:chExt cx="5156220" cy="4287323"/>
+          </a:xfrm>
+        </p:grpSpPr>
+        <p:pic>
+          <p:nvPicPr>
+            <p:cNvPr id="5" name="Picture 4">
+              <a:extLst>
+                <a:ext uri="{FF2B5EF4-FFF2-40B4-BE49-F238E27FC236}">
+                  <a16:creationId xmlns:a16="http://schemas.microsoft.com/office/drawing/2014/main" id="{C19FD74F-C023-4D14-8530-B1BCF0385BA9}"/>
+                </a:ext>
+              </a:extLst>
+            </p:cNvPr>
+            <p:cNvPicPr>
+              <a:picLocks noChangeAspect="1"/>
+            </p:cNvPicPr>
+            <p:nvPr/>
+          </p:nvPicPr>
+          <p:blipFill>
+            <a:blip r:embed="rId2"/>
+            <a:stretch>
+              <a:fillRect/>
+            </a:stretch>
+          </p:blipFill>
+          <p:spPr>
+            <a:xfrm>
+              <a:off x="892888" y="580771"/>
+              <a:ext cx="5156220" cy="4287323"/>
+            </a:xfrm>
+            <a:prstGeom prst="rect">
+              <a:avLst/>
+            </a:prstGeom>
+          </p:spPr>
+        </p:pic>
+        <mc:AlternateContent xmlns:mc="http://schemas.openxmlformats.org/markup-compatibility/2006">
+          <mc:Choice xmlns:p14="http://schemas.microsoft.com/office/powerpoint/2010/main" Requires="p14">
+            <p:contentPart p14:bwMode="auto" r:id="rId3">
+              <p14:nvContentPartPr>
+                <p14:cNvPr id="11" name="Ink 10">
+                  <a:extLst>
+                    <a:ext uri="{FF2B5EF4-FFF2-40B4-BE49-F238E27FC236}">
+                      <a16:creationId xmlns:a16="http://schemas.microsoft.com/office/drawing/2014/main" id="{C47821A1-08FE-4FB7-BCF2-043367C044B5}"/>
+                    </a:ext>
+                  </a:extLst>
+                </p14:cNvPr>
+                <p14:cNvContentPartPr/>
+                <p14:nvPr/>
+              </p14:nvContentPartPr>
+              <p14:xfrm>
+                <a:off x="2199647" y="1975306"/>
+                <a:ext cx="982080" cy="34560"/>
+              </p14:xfrm>
+            </p:contentPart>
+          </mc:Choice>
+          <mc:Fallback>
+            <p:pic>
+              <p:nvPicPr>
+                <p:cNvPr id="11" name="Ink 10">
+                  <a:extLst>
+                    <a:ext uri="{FF2B5EF4-FFF2-40B4-BE49-F238E27FC236}">
+                      <a16:creationId xmlns:a16="http://schemas.microsoft.com/office/drawing/2014/main" id="{C47821A1-08FE-4FB7-BCF2-043367C044B5}"/>
+                    </a:ext>
+                  </a:extLst>
+                </p:cNvPr>
+                <p:cNvPicPr/>
+                <p:nvPr/>
+              </p:nvPicPr>
+              <p:blipFill>
+                <a:blip r:embed="rId4"/>
+                <a:stretch>
+                  <a:fillRect/>
+                </a:stretch>
+              </p:blipFill>
+              <p:spPr>
+                <a:xfrm>
+                  <a:off x="2163647" y="1904048"/>
+                  <a:ext cx="1053720" cy="176719"/>
+                </a:xfrm>
+                <a:prstGeom prst="rect">
+                  <a:avLst/>
+                </a:prstGeom>
+              </p:spPr>
+            </p:pic>
+          </mc:Fallback>
+        </mc:AlternateContent>
+        <mc:AlternateContent xmlns:mc="http://schemas.openxmlformats.org/markup-compatibility/2006">
+          <mc:Choice xmlns:p14="http://schemas.microsoft.com/office/powerpoint/2010/main" Requires="p14">
+            <p:contentPart p14:bwMode="auto" r:id="rId5">
+              <p14:nvContentPartPr>
+                <p14:cNvPr id="12" name="Ink 11">
+                  <a:extLst>
+                    <a:ext uri="{FF2B5EF4-FFF2-40B4-BE49-F238E27FC236}">
+                      <a16:creationId xmlns:a16="http://schemas.microsoft.com/office/drawing/2014/main" id="{4C835997-DC29-41E3-99EB-7788F29ED4DB}"/>
+                    </a:ext>
+                  </a:extLst>
+                </p14:cNvPr>
+                <p14:cNvContentPartPr/>
+                <p14:nvPr/>
+              </p14:nvContentPartPr>
+              <p14:xfrm>
+                <a:off x="2199647" y="3732851"/>
+                <a:ext cx="1497030" cy="57828"/>
+              </p14:xfrm>
+            </p:contentPart>
+          </mc:Choice>
+          <mc:Fallback>
+            <p:pic>
+              <p:nvPicPr>
+                <p:cNvPr id="12" name="Ink 11">
+                  <a:extLst>
+                    <a:ext uri="{FF2B5EF4-FFF2-40B4-BE49-F238E27FC236}">
+                      <a16:creationId xmlns:a16="http://schemas.microsoft.com/office/drawing/2014/main" id="{4C835997-DC29-41E3-99EB-7788F29ED4DB}"/>
+                    </a:ext>
+                  </a:extLst>
+                </p:cNvPr>
+                <p:cNvPicPr/>
+                <p:nvPr/>
+              </p:nvPicPr>
+              <p:blipFill>
+                <a:blip r:embed="rId6"/>
+                <a:stretch>
+                  <a:fillRect/>
+                </a:stretch>
+              </p:blipFill>
+              <p:spPr>
+                <a:xfrm>
+                  <a:off x="2163643" y="3660566"/>
+                  <a:ext cx="1568677" cy="202037"/>
+                </a:xfrm>
+                <a:prstGeom prst="rect">
+                  <a:avLst/>
+                </a:prstGeom>
+              </p:spPr>
+            </p:pic>
+          </mc:Fallback>
+        </mc:AlternateContent>
+      </p:grpSp>
+    </p:spTree>
+    <p:extLst>
+      <p:ext uri="{BB962C8B-B14F-4D97-AF65-F5344CB8AC3E}">
+        <p14:creationId xmlns:p14="http://schemas.microsoft.com/office/powerpoint/2010/main" val="2843875347"/>
+      </p:ext>
+    </p:extLst>
+  </p:cSld>
+  <p:clrMapOvr>
+    <a:masterClrMapping/>
+  </p:clrMapOvr>
+</p:sld>
+</file>
+
+<file path=ppt/slides/slide23.xml><?xml version="1.0" encoding="utf-8"?>
+<p:sld xmlns:a="http://schemas.openxmlformats.org/drawingml/2006/main" xmlns:r="http://schemas.openxmlformats.org/officeDocument/2006/relationships" xmlns:p="http://schemas.openxmlformats.org/presentationml/2006/main">
+  <p:cSld>
+    <p:spTree>
+      <p:nvGrpSpPr>
+        <p:cNvPr id="1" name=""/>
+        <p:cNvGrpSpPr/>
+        <p:nvPr/>
+      </p:nvGrpSpPr>
+      <p:grpSpPr>
+        <a:xfrm>
+          <a:off x="0" y="0"/>
+          <a:ext cx="0" cy="0"/>
+          <a:chOff x="0" y="0"/>
+          <a:chExt cx="0" cy="0"/>
+        </a:xfrm>
+      </p:grpSpPr>
+      <p:pic>
+        <p:nvPicPr>
+          <p:cNvPr id="8" name="Picture 7">
+            <a:extLst>
+              <a:ext uri="{FF2B5EF4-FFF2-40B4-BE49-F238E27FC236}">
+                <a16:creationId xmlns:a16="http://schemas.microsoft.com/office/drawing/2014/main" id="{D1605400-AA01-4ABE-BFD9-D4989F9525EC}"/>
+              </a:ext>
+            </a:extLst>
+          </p:cNvPr>
+          <p:cNvPicPr>
+            <a:picLocks noChangeAspect="1"/>
+          </p:cNvPicPr>
+          <p:nvPr/>
+        </p:nvPicPr>
+        <p:blipFill>
+          <a:blip r:embed="rId2"/>
+          <a:stretch>
+            <a:fillRect/>
+          </a:stretch>
+        </p:blipFill>
+        <p:spPr>
+          <a:xfrm>
+            <a:off x="662737" y="528961"/>
+            <a:ext cx="4770160" cy="4421933"/>
+          </a:xfrm>
+          <a:prstGeom prst="rect">
+            <a:avLst/>
+          </a:prstGeom>
+        </p:spPr>
+      </p:pic>
+      <p:sp>
+        <p:nvSpPr>
+          <p:cNvPr id="2" name="Title 1">
+            <a:extLst>
+              <a:ext uri="{FF2B5EF4-FFF2-40B4-BE49-F238E27FC236}">
+                <a16:creationId xmlns:a16="http://schemas.microsoft.com/office/drawing/2014/main" id="{E573BB41-E506-4710-8F8C-42B319918F82}"/>
+              </a:ext>
+            </a:extLst>
+          </p:cNvPr>
+          <p:cNvSpPr>
+            <a:spLocks noGrp="1"/>
+          </p:cNvSpPr>
+          <p:nvPr>
+            <p:ph type="title"/>
+          </p:nvPr>
+        </p:nvSpPr>
+        <p:spPr/>
+        <p:txBody>
+          <a:bodyPr>
+            <a:normAutofit fontScale="90000"/>
+          </a:bodyPr>
+          <a:lstStyle/>
+          <a:p>
+            <a:pPr marL="4054475" indent="-4054475"/>
+            <a:r>
+              <a:rPr lang="en-US" dirty="0"/>
+              <a:t>ETL #2 – TRANSFORMATION. </a:t>
+            </a:r>
+            <a:r>
+              <a:rPr lang="en-US" dirty="0">
+                <a:solidFill>
+                  <a:srgbClr val="0070C0"/>
+                </a:solidFill>
+                <a:effectLst/>
+              </a:rPr>
+              <a:t> To do machine learning models. Random Forest Regression</a:t>
+            </a:r>
+            <a:endParaRPr lang="es-ES" dirty="0">
+              <a:solidFill>
+                <a:srgbClr val="0070C0"/>
+              </a:solidFill>
+              <a:effectLst/>
+            </a:endParaRPr>
+          </a:p>
+        </p:txBody>
+      </p:sp>
+      <p:sp>
+        <p:nvSpPr>
+          <p:cNvPr id="3" name="Slide Number Placeholder 2">
+            <a:extLst>
+              <a:ext uri="{FF2B5EF4-FFF2-40B4-BE49-F238E27FC236}">
+                <a16:creationId xmlns:a16="http://schemas.microsoft.com/office/drawing/2014/main" id="{B3535E0C-0CF3-4438-A95D-C0FEF04BB684}"/>
+              </a:ext>
+            </a:extLst>
+          </p:cNvPr>
+          <p:cNvSpPr>
+            <a:spLocks noGrp="1"/>
+          </p:cNvSpPr>
+          <p:nvPr>
+            <p:ph type="sldNum" sz="quarter" idx="12"/>
+          </p:nvPr>
+        </p:nvSpPr>
+        <p:spPr/>
+        <p:txBody>
+          <a:bodyPr/>
+          <a:lstStyle/>
+          <a:p>
+            <a:pPr marL="0" marR="0" lvl="0" indent="0" algn="r" defTabSz="914400" rtl="0" eaLnBrk="1" fontAlgn="auto" latinLnBrk="0" hangingPunct="1">
+              <a:lnSpc>
+                <a:spcPct val="100000"/>
+              </a:lnSpc>
+              <a:spcBef>
+                <a:spcPts val="0"/>
+              </a:spcBef>
+              <a:spcAft>
+                <a:spcPts val="0"/>
+              </a:spcAft>
+              <a:buClrTx/>
+              <a:buSzTx/>
+              <a:buFontTx/>
+              <a:buNone/>
+              <a:tabLst/>
+              <a:defRPr/>
+            </a:pPr>
+            <a:fld id="{EDA4E73C-7A94-44D4-A65F-F6EB5CEC5634}" type="slidenum">
+              <a:rPr kumimoji="0" lang="en-US" sz="1000" b="0" i="0" u="none" strike="noStrike" kern="1200" cap="none" spc="0" normalizeH="0" baseline="0" noProof="0" smtClean="0">
+                <a:ln>
+                  <a:noFill/>
+                </a:ln>
+                <a:solidFill>
+                  <a:srgbClr val="FF0000"/>
+                </a:solidFill>
+                <a:effectLst/>
+                <a:uLnTx/>
+                <a:uFillTx/>
+                <a:latin typeface="Arial" panose="020B0604020202020204" pitchFamily="34" charset="0"/>
+                <a:ea typeface="+mn-ea"/>
+                <a:cs typeface="Arial" panose="020B0604020202020204" pitchFamily="34" charset="0"/>
+              </a:rPr>
+              <a:pPr marL="0" marR="0" lvl="0" indent="0" algn="r" defTabSz="914400" rtl="0" eaLnBrk="1" fontAlgn="auto" latinLnBrk="0" hangingPunct="1">
+                <a:lnSpc>
+                  <a:spcPct val="100000"/>
+                </a:lnSpc>
+                <a:spcBef>
+                  <a:spcPts val="0"/>
+                </a:spcBef>
+                <a:spcAft>
+                  <a:spcPts val="0"/>
+                </a:spcAft>
+                <a:buClrTx/>
+                <a:buSzTx/>
+                <a:buFontTx/>
+                <a:buNone/>
+                <a:tabLst/>
+                <a:defRPr/>
+              </a:pPr>
+              <a:t>23</a:t>
+            </a:fld>
+            <a:endParaRPr kumimoji="0" lang="en-US" sz="1000" b="0" i="0" u="none" strike="noStrike" kern="1200" cap="none" spc="0" normalizeH="0" baseline="0" noProof="0" dirty="0">
+              <a:ln>
+                <a:noFill/>
+              </a:ln>
+              <a:solidFill>
+                <a:srgbClr val="FF0000"/>
+              </a:solidFill>
+              <a:effectLst/>
+              <a:uLnTx/>
+              <a:uFillTx/>
+              <a:latin typeface="Arial" panose="020B0604020202020204" pitchFamily="34" charset="0"/>
+              <a:ea typeface="+mn-ea"/>
+              <a:cs typeface="Arial" panose="020B0604020202020204" pitchFamily="34" charset="0"/>
+            </a:endParaRPr>
+          </a:p>
+        </p:txBody>
+      </p:sp>
+      <p:sp>
+        <p:nvSpPr>
+          <p:cNvPr id="10" name="Oval 9">
+            <a:extLst>
+              <a:ext uri="{FF2B5EF4-FFF2-40B4-BE49-F238E27FC236}">
+                <a16:creationId xmlns:a16="http://schemas.microsoft.com/office/drawing/2014/main" id="{BAE4B36B-01B8-4E02-9CF7-2BD8042DC575}"/>
+              </a:ext>
+            </a:extLst>
+          </p:cNvPr>
+          <p:cNvSpPr/>
+          <p:nvPr/>
+        </p:nvSpPr>
+        <p:spPr>
+          <a:xfrm>
+            <a:off x="4750753" y="1585445"/>
+            <a:ext cx="378136" cy="195230"/>
+          </a:xfrm>
+          <a:noFill/>
+          <a:ln w="22225">
+            <a:solidFill>
+              <a:srgbClr val="FF0000"/>
+            </a:solidFill>
+          </a:ln>
+        </p:spPr>
+        <p:style>
+          <a:lnRef idx="2">
+            <a:schemeClr val="accent1">
+              <a:shade val="50000"/>
+            </a:schemeClr>
+          </a:lnRef>
+          <a:fillRef idx="1">
+            <a:schemeClr val="accent1"/>
+          </a:fillRef>
+          <a:effectRef idx="0">
+            <a:schemeClr val="accent1"/>
+          </a:effectRef>
+          <a:fontRef idx="minor">
+            <a:schemeClr val="lt1"/>
+          </a:fontRef>
+        </p:style>
+        <p:txBody>
+          <a:bodyPr rtlCol="0" anchor="ctr"/>
+          <a:lstStyle/>
+          <a:p>
+            <a:pPr algn="ctr"/>
+            <a:endParaRPr lang="es-ES"/>
+          </a:p>
+        </p:txBody>
+      </p:sp>
+      <p:sp>
+        <p:nvSpPr>
+          <p:cNvPr id="14" name="TextBox 13">
+            <a:extLst>
+              <a:ext uri="{FF2B5EF4-FFF2-40B4-BE49-F238E27FC236}">
+                <a16:creationId xmlns:a16="http://schemas.microsoft.com/office/drawing/2014/main" id="{A0427C29-19B8-479D-B71B-6DF59524629B}"/>
+              </a:ext>
+            </a:extLst>
+          </p:cNvPr>
+          <p:cNvSpPr txBox="1"/>
+          <p:nvPr/>
+        </p:nvSpPr>
+        <p:spPr>
+          <a:xfrm>
+            <a:off x="6409424" y="3237816"/>
+            <a:ext cx="2013210" cy="523220"/>
+          </a:xfrm>
+          <a:prstGeom prst="rect">
+            <a:avLst/>
+          </a:prstGeom>
+          <a:noFill/>
+        </p:spPr>
+        <p:txBody>
+          <a:bodyPr wrap="square">
+            <a:spAutoFit/>
+          </a:bodyPr>
+          <a:lstStyle/>
+          <a:p>
+            <a:r>
+              <a:rPr lang="en-US" sz="1400" b="1" dirty="0">
+                <a:solidFill>
+                  <a:srgbClr val="0070C0"/>
+                </a:solidFill>
+                <a:latin typeface="Arial" panose="020B0604020202020204" pitchFamily="34" charset="0"/>
+                <a:ea typeface="+mj-ea"/>
+                <a:cs typeface="Arial" panose="020B0604020202020204" pitchFamily="34" charset="0"/>
+              </a:rPr>
+              <a:t>Merge data by </a:t>
+            </a:r>
+            <a:r>
+              <a:rPr lang="en-US" sz="1400" b="1" dirty="0" err="1">
+                <a:solidFill>
+                  <a:srgbClr val="0070C0"/>
+                </a:solidFill>
+                <a:latin typeface="Arial" panose="020B0604020202020204" pitchFamily="34" charset="0"/>
+                <a:ea typeface="+mj-ea"/>
+                <a:cs typeface="Arial" panose="020B0604020202020204" pitchFamily="34" charset="0"/>
+              </a:rPr>
+              <a:t>dataframes</a:t>
+            </a:r>
+            <a:endParaRPr lang="es-ES" sz="1400" b="1" dirty="0">
+              <a:solidFill>
+                <a:srgbClr val="0070C0"/>
+              </a:solidFill>
+              <a:latin typeface="Arial" panose="020B0604020202020204" pitchFamily="34" charset="0"/>
+              <a:ea typeface="+mj-ea"/>
+              <a:cs typeface="Arial" panose="020B0604020202020204" pitchFamily="34" charset="0"/>
+            </a:endParaRPr>
+          </a:p>
+        </p:txBody>
+      </p:sp>
+      <mc:AlternateContent xmlns:mc="http://schemas.openxmlformats.org/markup-compatibility/2006">
+        <mc:Choice xmlns:p14="http://schemas.microsoft.com/office/powerpoint/2010/main" Requires="p14">
+          <p:contentPart p14:bwMode="auto" r:id="rId3">
+            <p14:nvContentPartPr>
+              <p14:cNvPr id="7" name="Ink 6">
+                <a:extLst>
+                  <a:ext uri="{FF2B5EF4-FFF2-40B4-BE49-F238E27FC236}">
+                    <a16:creationId xmlns:a16="http://schemas.microsoft.com/office/drawing/2014/main" id="{8D0F0E99-5E38-4B7E-A0EE-B151B3C87372}"/>
+                  </a:ext>
+                </a:extLst>
+              </p14:cNvPr>
+              <p14:cNvContentPartPr/>
+              <p14:nvPr/>
+            </p14:nvContentPartPr>
+            <p14:xfrm>
+              <a:off x="2072950" y="822790"/>
+              <a:ext cx="1168560" cy="7200"/>
+            </p14:xfrm>
+          </p:contentPart>
+        </mc:Choice>
+        <mc:Fallback>
+          <p:pic>
+            <p:nvPicPr>
+              <p:cNvPr id="7" name="Ink 6">
+                <a:extLst>
+                  <a:ext uri="{FF2B5EF4-FFF2-40B4-BE49-F238E27FC236}">
+                    <a16:creationId xmlns:a16="http://schemas.microsoft.com/office/drawing/2014/main" id="{8D0F0E99-5E38-4B7E-A0EE-B151B3C87372}"/>
+                  </a:ext>
+                </a:extLst>
+              </p:cNvPr>
+              <p:cNvPicPr/>
+              <p:nvPr/>
+            </p:nvPicPr>
+            <p:blipFill>
+              <a:blip r:embed="rId4"/>
+              <a:stretch>
+                <a:fillRect/>
+              </a:stretch>
+            </p:blipFill>
+            <p:spPr>
+              <a:xfrm>
+                <a:off x="2036950" y="747001"/>
+                <a:ext cx="1240200" cy="158400"/>
+              </a:xfrm>
+              <a:prstGeom prst="rect">
+                <a:avLst/>
+              </a:prstGeom>
+            </p:spPr>
+          </p:pic>
+        </mc:Fallback>
+      </mc:AlternateContent>
+      <p:sp>
+        <p:nvSpPr>
+          <p:cNvPr id="12" name="TextBox 11">
+            <a:extLst>
+              <a:ext uri="{FF2B5EF4-FFF2-40B4-BE49-F238E27FC236}">
+                <a16:creationId xmlns:a16="http://schemas.microsoft.com/office/drawing/2014/main" id="{DBF6C472-9E2A-4090-9BBB-D3B580A5FC37}"/>
+              </a:ext>
+            </a:extLst>
+          </p:cNvPr>
+          <p:cNvSpPr txBox="1"/>
+          <p:nvPr/>
+        </p:nvSpPr>
+        <p:spPr>
+          <a:xfrm>
+            <a:off x="6409424" y="953016"/>
+            <a:ext cx="1522854" cy="954107"/>
+          </a:xfrm>
+          <a:prstGeom prst="rect">
+            <a:avLst/>
+          </a:prstGeom>
+          <a:noFill/>
+        </p:spPr>
+        <p:txBody>
+          <a:bodyPr wrap="square">
+            <a:spAutoFit/>
+          </a:bodyPr>
+          <a:lstStyle/>
+          <a:p>
+            <a:r>
+              <a:rPr lang="en-US" sz="1400" b="1" dirty="0">
+                <a:solidFill>
+                  <a:srgbClr val="0070C0"/>
+                </a:solidFill>
+                <a:latin typeface="Arial" panose="020B0604020202020204" pitchFamily="34" charset="0"/>
+                <a:ea typeface="+mj-ea"/>
+                <a:cs typeface="Arial" panose="020B0604020202020204" pitchFamily="34" charset="0"/>
+              </a:rPr>
+              <a:t>Get last team of a player dropping duplicates</a:t>
+            </a:r>
+            <a:endParaRPr lang="es-ES" sz="1400" b="1" dirty="0">
+              <a:solidFill>
+                <a:srgbClr val="0070C0"/>
+              </a:solidFill>
+              <a:latin typeface="Arial" panose="020B0604020202020204" pitchFamily="34" charset="0"/>
+              <a:ea typeface="+mj-ea"/>
+              <a:cs typeface="Arial" panose="020B0604020202020204" pitchFamily="34" charset="0"/>
+            </a:endParaRPr>
+          </a:p>
+        </p:txBody>
+      </p:sp>
+      <mc:AlternateContent xmlns:mc="http://schemas.openxmlformats.org/markup-compatibility/2006">
+        <mc:Choice xmlns:p14="http://schemas.microsoft.com/office/powerpoint/2010/main" Requires="p14">
+          <p:contentPart p14:bwMode="auto" r:id="rId5">
+            <p14:nvContentPartPr>
+              <p14:cNvPr id="9" name="Ink 8">
+                <a:extLst>
+                  <a:ext uri="{FF2B5EF4-FFF2-40B4-BE49-F238E27FC236}">
+                    <a16:creationId xmlns:a16="http://schemas.microsoft.com/office/drawing/2014/main" id="{A800DFF6-898C-4FC3-895E-F9D198F361A3}"/>
+                  </a:ext>
+                </a:extLst>
+              </p14:cNvPr>
+              <p14:cNvContentPartPr/>
+              <p14:nvPr/>
+            </p14:nvContentPartPr>
+            <p14:xfrm>
+              <a:off x="2162070" y="3552540"/>
+              <a:ext cx="1619640" cy="48600"/>
+            </p14:xfrm>
+          </p:contentPart>
+        </mc:Choice>
+        <mc:Fallback>
+          <p:pic>
+            <p:nvPicPr>
+              <p:cNvPr id="9" name="Ink 8">
+                <a:extLst>
+                  <a:ext uri="{FF2B5EF4-FFF2-40B4-BE49-F238E27FC236}">
+                    <a16:creationId xmlns:a16="http://schemas.microsoft.com/office/drawing/2014/main" id="{A800DFF6-898C-4FC3-895E-F9D198F361A3}"/>
+                  </a:ext>
+                </a:extLst>
+              </p:cNvPr>
+              <p:cNvPicPr/>
+              <p:nvPr/>
+            </p:nvPicPr>
+            <p:blipFill>
+              <a:blip r:embed="rId6"/>
+              <a:stretch>
+                <a:fillRect/>
+              </a:stretch>
+            </p:blipFill>
+            <p:spPr>
+              <a:xfrm>
+                <a:off x="2126070" y="3480900"/>
+                <a:ext cx="1691280" cy="192240"/>
+              </a:xfrm>
+              <a:prstGeom prst="rect">
+                <a:avLst/>
+              </a:prstGeom>
+            </p:spPr>
+          </p:pic>
+        </mc:Fallback>
+      </mc:AlternateContent>
+    </p:spTree>
+    <p:extLst>
+      <p:ext uri="{BB962C8B-B14F-4D97-AF65-F5344CB8AC3E}">
+        <p14:creationId xmlns:p14="http://schemas.microsoft.com/office/powerpoint/2010/main" val="1655309914"/>
+      </p:ext>
+    </p:extLst>
+  </p:cSld>
+  <p:clrMapOvr>
+    <a:masterClrMapping/>
+  </p:clrMapOvr>
+</p:sld>
+</file>
+
+<file path=ppt/slides/slide24.xml><?xml version="1.0" encoding="utf-8"?>
+<p:sld xmlns:a="http://schemas.openxmlformats.org/drawingml/2006/main" xmlns:r="http://schemas.openxmlformats.org/officeDocument/2006/relationships" xmlns:p="http://schemas.openxmlformats.org/presentationml/2006/main">
+  <p:cSld>
+    <p:spTree>
+      <p:nvGrpSpPr>
+        <p:cNvPr id="1" name=""/>
+        <p:cNvGrpSpPr/>
+        <p:nvPr/>
+      </p:nvGrpSpPr>
+      <p:grpSpPr>
+        <a:xfrm>
+          <a:off x="0" y="0"/>
+          <a:ext cx="0" cy="0"/>
+          <a:chOff x="0" y="0"/>
+          <a:chExt cx="0" cy="0"/>
+        </a:xfrm>
+      </p:grpSpPr>
+      <p:pic>
+        <p:nvPicPr>
+          <p:cNvPr id="11" name="Picture 10">
+            <a:extLst>
+              <a:ext uri="{FF2B5EF4-FFF2-40B4-BE49-F238E27FC236}">
+                <a16:creationId xmlns:a16="http://schemas.microsoft.com/office/drawing/2014/main" id="{33799515-0A4D-445D-8794-D2B7FB058C13}"/>
+              </a:ext>
+            </a:extLst>
+          </p:cNvPr>
+          <p:cNvPicPr>
+            <a:picLocks noChangeAspect="1"/>
+          </p:cNvPicPr>
+          <p:nvPr/>
+        </p:nvPicPr>
+        <p:blipFill>
+          <a:blip r:embed="rId2"/>
+          <a:stretch>
+            <a:fillRect/>
+          </a:stretch>
+        </p:blipFill>
+        <p:spPr>
+          <a:xfrm>
+            <a:off x="288791" y="2736377"/>
+            <a:ext cx="6026284" cy="1941196"/>
+          </a:xfrm>
+          <a:prstGeom prst="rect">
+            <a:avLst/>
+          </a:prstGeom>
+        </p:spPr>
+      </p:pic>
+      <p:pic>
+        <p:nvPicPr>
+          <p:cNvPr id="5" name="Picture 4">
+            <a:extLst>
+              <a:ext uri="{FF2B5EF4-FFF2-40B4-BE49-F238E27FC236}">
+                <a16:creationId xmlns:a16="http://schemas.microsoft.com/office/drawing/2014/main" id="{B7156F07-AE2A-4611-AF87-76B0F4189B5A}"/>
+              </a:ext>
+            </a:extLst>
+          </p:cNvPr>
+          <p:cNvPicPr>
+            <a:picLocks noChangeAspect="1"/>
+          </p:cNvPicPr>
+          <p:nvPr/>
+        </p:nvPicPr>
+        <p:blipFill>
+          <a:blip r:embed="rId3"/>
+          <a:stretch>
+            <a:fillRect/>
+          </a:stretch>
+        </p:blipFill>
+        <p:spPr>
+          <a:xfrm>
+            <a:off x="288791" y="564379"/>
+            <a:ext cx="6134597" cy="2042132"/>
+          </a:xfrm>
+          <a:prstGeom prst="rect">
+            <a:avLst/>
+          </a:prstGeom>
+        </p:spPr>
+      </p:pic>
+      <p:sp>
+        <p:nvSpPr>
+          <p:cNvPr id="2" name="Title 1">
+            <a:extLst>
+              <a:ext uri="{FF2B5EF4-FFF2-40B4-BE49-F238E27FC236}">
+                <a16:creationId xmlns:a16="http://schemas.microsoft.com/office/drawing/2014/main" id="{E573BB41-E506-4710-8F8C-42B319918F82}"/>
+              </a:ext>
+            </a:extLst>
+          </p:cNvPr>
+          <p:cNvSpPr>
+            <a:spLocks noGrp="1"/>
+          </p:cNvSpPr>
+          <p:nvPr>
+            <p:ph type="title"/>
+          </p:nvPr>
+        </p:nvSpPr>
+        <p:spPr/>
+        <p:txBody>
+          <a:bodyPr>
+            <a:normAutofit fontScale="90000"/>
+          </a:bodyPr>
+          <a:lstStyle/>
+          <a:p>
+            <a:pPr marL="4054475" indent="-4054475"/>
+            <a:r>
+              <a:rPr lang="en-US" dirty="0"/>
+              <a:t>ETL #2 – TRANSFORMATION. </a:t>
+            </a:r>
+            <a:r>
+              <a:rPr lang="en-US" dirty="0">
+                <a:solidFill>
+                  <a:srgbClr val="0070C0"/>
+                </a:solidFill>
+                <a:effectLst/>
+              </a:rPr>
+              <a:t> To do machine learning models. Random Forest Regression</a:t>
+            </a:r>
+            <a:endParaRPr lang="es-ES" dirty="0">
+              <a:solidFill>
+                <a:srgbClr val="0070C0"/>
+              </a:solidFill>
+              <a:effectLst/>
+            </a:endParaRPr>
+          </a:p>
+        </p:txBody>
+      </p:sp>
+      <p:sp>
+        <p:nvSpPr>
+          <p:cNvPr id="3" name="Slide Number Placeholder 2">
+            <a:extLst>
+              <a:ext uri="{FF2B5EF4-FFF2-40B4-BE49-F238E27FC236}">
+                <a16:creationId xmlns:a16="http://schemas.microsoft.com/office/drawing/2014/main" id="{B3535E0C-0CF3-4438-A95D-C0FEF04BB684}"/>
+              </a:ext>
+            </a:extLst>
+          </p:cNvPr>
+          <p:cNvSpPr>
+            <a:spLocks noGrp="1"/>
+          </p:cNvSpPr>
+          <p:nvPr>
+            <p:ph type="sldNum" sz="quarter" idx="12"/>
+          </p:nvPr>
+        </p:nvSpPr>
+        <p:spPr/>
+        <p:txBody>
+          <a:bodyPr/>
+          <a:lstStyle/>
+          <a:p>
+            <a:pPr marL="0" marR="0" lvl="0" indent="0" algn="r" defTabSz="914400" rtl="0" eaLnBrk="1" fontAlgn="auto" latinLnBrk="0" hangingPunct="1">
+              <a:lnSpc>
+                <a:spcPct val="100000"/>
+              </a:lnSpc>
+              <a:spcBef>
+                <a:spcPts val="0"/>
+              </a:spcBef>
+              <a:spcAft>
+                <a:spcPts val="0"/>
+              </a:spcAft>
+              <a:buClrTx/>
+              <a:buSzTx/>
+              <a:buFontTx/>
+              <a:buNone/>
+              <a:tabLst/>
+              <a:defRPr/>
+            </a:pPr>
+            <a:fld id="{EDA4E73C-7A94-44D4-A65F-F6EB5CEC5634}" type="slidenum">
+              <a:rPr kumimoji="0" lang="en-US" sz="1000" b="0" i="0" u="none" strike="noStrike" kern="1200" cap="none" spc="0" normalizeH="0" baseline="0" noProof="0" smtClean="0">
+                <a:ln>
+                  <a:noFill/>
+                </a:ln>
+                <a:solidFill>
+                  <a:srgbClr val="FF0000"/>
+                </a:solidFill>
+                <a:effectLst/>
+                <a:uLnTx/>
+                <a:uFillTx/>
+                <a:latin typeface="Arial" panose="020B0604020202020204" pitchFamily="34" charset="0"/>
+                <a:ea typeface="+mn-ea"/>
+                <a:cs typeface="Arial" panose="020B0604020202020204" pitchFamily="34" charset="0"/>
+              </a:rPr>
+              <a:pPr marL="0" marR="0" lvl="0" indent="0" algn="r" defTabSz="914400" rtl="0" eaLnBrk="1" fontAlgn="auto" latinLnBrk="0" hangingPunct="1">
+                <a:lnSpc>
+                  <a:spcPct val="100000"/>
+                </a:lnSpc>
+                <a:spcBef>
+                  <a:spcPts val="0"/>
+                </a:spcBef>
+                <a:spcAft>
+                  <a:spcPts val="0"/>
+                </a:spcAft>
+                <a:buClrTx/>
+                <a:buSzTx/>
+                <a:buFontTx/>
+                <a:buNone/>
+                <a:tabLst/>
+                <a:defRPr/>
+              </a:pPr>
+              <a:t>24</a:t>
+            </a:fld>
+            <a:endParaRPr kumimoji="0" lang="en-US" sz="1000" b="0" i="0" u="none" strike="noStrike" kern="1200" cap="none" spc="0" normalizeH="0" baseline="0" noProof="0" dirty="0">
+              <a:ln>
+                <a:noFill/>
+              </a:ln>
+              <a:solidFill>
+                <a:srgbClr val="FF0000"/>
+              </a:solidFill>
+              <a:effectLst/>
+              <a:uLnTx/>
+              <a:uFillTx/>
+              <a:latin typeface="Arial" panose="020B0604020202020204" pitchFamily="34" charset="0"/>
+              <a:ea typeface="+mn-ea"/>
+              <a:cs typeface="Arial" panose="020B0604020202020204" pitchFamily="34" charset="0"/>
+            </a:endParaRPr>
+          </a:p>
+        </p:txBody>
+      </p:sp>
+      <p:sp>
+        <p:nvSpPr>
+          <p:cNvPr id="10" name="Oval 9">
+            <a:extLst>
+              <a:ext uri="{FF2B5EF4-FFF2-40B4-BE49-F238E27FC236}">
+                <a16:creationId xmlns:a16="http://schemas.microsoft.com/office/drawing/2014/main" id="{BAE4B36B-01B8-4E02-9CF7-2BD8042DC575}"/>
+              </a:ext>
+            </a:extLst>
+          </p:cNvPr>
+          <p:cNvSpPr/>
+          <p:nvPr/>
+        </p:nvSpPr>
+        <p:spPr>
+          <a:xfrm>
+            <a:off x="4750753" y="1585445"/>
+            <a:ext cx="378136" cy="195230"/>
+          </a:xfrm>
+          <a:noFill/>
+          <a:ln w="22225">
+            <a:solidFill>
+              <a:srgbClr val="FF0000"/>
+            </a:solidFill>
+          </a:ln>
+        </p:spPr>
+        <p:style>
+          <a:lnRef idx="2">
+            <a:schemeClr val="accent1">
+              <a:shade val="50000"/>
+            </a:schemeClr>
+          </a:lnRef>
+          <a:fillRef idx="1">
+            <a:schemeClr val="accent1"/>
+          </a:fillRef>
+          <a:effectRef idx="0">
+            <a:schemeClr val="accent1"/>
+          </a:effectRef>
+          <a:fontRef idx="minor">
+            <a:schemeClr val="lt1"/>
+          </a:fontRef>
+        </p:style>
+        <p:txBody>
+          <a:bodyPr rtlCol="0" anchor="ctr"/>
+          <a:lstStyle/>
+          <a:p>
+            <a:pPr algn="ctr"/>
+            <a:endParaRPr lang="es-ES"/>
+          </a:p>
+        </p:txBody>
+      </p:sp>
+      <p:sp>
+        <p:nvSpPr>
+          <p:cNvPr id="14" name="TextBox 13">
+            <a:extLst>
+              <a:ext uri="{FF2B5EF4-FFF2-40B4-BE49-F238E27FC236}">
+                <a16:creationId xmlns:a16="http://schemas.microsoft.com/office/drawing/2014/main" id="{A0427C29-19B8-479D-B71B-6DF59524629B}"/>
+              </a:ext>
+            </a:extLst>
+          </p:cNvPr>
+          <p:cNvSpPr txBox="1"/>
+          <p:nvPr/>
+        </p:nvSpPr>
+        <p:spPr>
+          <a:xfrm>
+            <a:off x="6423388" y="3250050"/>
+            <a:ext cx="2013210" cy="307777"/>
+          </a:xfrm>
+          <a:prstGeom prst="rect">
+            <a:avLst/>
+          </a:prstGeom>
+          <a:noFill/>
+        </p:spPr>
+        <p:txBody>
+          <a:bodyPr wrap="square">
+            <a:spAutoFit/>
+          </a:bodyPr>
+          <a:lstStyle/>
+          <a:p>
+            <a:r>
+              <a:rPr lang="en-US" sz="1400" b="1" dirty="0">
+                <a:solidFill>
+                  <a:srgbClr val="0070C0"/>
+                </a:solidFill>
+                <a:latin typeface="Arial" panose="020B0604020202020204" pitchFamily="34" charset="0"/>
+                <a:ea typeface="+mj-ea"/>
+                <a:cs typeface="Arial" panose="020B0604020202020204" pitchFamily="34" charset="0"/>
+              </a:rPr>
+              <a:t>Same for NBA stats</a:t>
+            </a:r>
+            <a:endParaRPr lang="es-ES" sz="1400" b="1" dirty="0">
+              <a:solidFill>
+                <a:srgbClr val="0070C0"/>
+              </a:solidFill>
+              <a:latin typeface="Arial" panose="020B0604020202020204" pitchFamily="34" charset="0"/>
+              <a:ea typeface="+mj-ea"/>
+              <a:cs typeface="Arial" panose="020B0604020202020204" pitchFamily="34" charset="0"/>
+            </a:endParaRPr>
+          </a:p>
+        </p:txBody>
+      </p:sp>
+      <mc:AlternateContent xmlns:mc="http://schemas.openxmlformats.org/markup-compatibility/2006">
+        <mc:Choice xmlns:p14="http://schemas.microsoft.com/office/powerpoint/2010/main" Requires="p14">
+          <p:contentPart p14:bwMode="auto" r:id="rId4">
+            <p14:nvContentPartPr>
+              <p14:cNvPr id="7" name="Ink 6">
+                <a:extLst>
+                  <a:ext uri="{FF2B5EF4-FFF2-40B4-BE49-F238E27FC236}">
+                    <a16:creationId xmlns:a16="http://schemas.microsoft.com/office/drawing/2014/main" id="{8D0F0E99-5E38-4B7E-A0EE-B151B3C87372}"/>
+                  </a:ext>
+                </a:extLst>
+              </p14:cNvPr>
+              <p14:cNvContentPartPr/>
+              <p14:nvPr/>
+            </p14:nvContentPartPr>
+            <p14:xfrm>
+              <a:off x="748975" y="945816"/>
+              <a:ext cx="1168560" cy="7200"/>
+            </p14:xfrm>
+          </p:contentPart>
+        </mc:Choice>
+        <mc:Fallback>
+          <p:pic>
+            <p:nvPicPr>
+              <p:cNvPr id="7" name="Ink 6">
+                <a:extLst>
+                  <a:ext uri="{FF2B5EF4-FFF2-40B4-BE49-F238E27FC236}">
+                    <a16:creationId xmlns:a16="http://schemas.microsoft.com/office/drawing/2014/main" id="{8D0F0E99-5E38-4B7E-A0EE-B151B3C87372}"/>
+                  </a:ext>
+                </a:extLst>
+              </p:cNvPr>
+              <p:cNvPicPr/>
+              <p:nvPr/>
+            </p:nvPicPr>
+            <p:blipFill>
+              <a:blip r:embed="rId5"/>
+              <a:stretch>
+                <a:fillRect/>
+              </a:stretch>
+            </p:blipFill>
+            <p:spPr>
+              <a:xfrm>
+                <a:off x="712975" y="870027"/>
+                <a:ext cx="1240200" cy="158400"/>
+              </a:xfrm>
+              <a:prstGeom prst="rect">
+                <a:avLst/>
+              </a:prstGeom>
+            </p:spPr>
+          </p:pic>
+        </mc:Fallback>
+      </mc:AlternateContent>
+      <p:sp>
+        <p:nvSpPr>
+          <p:cNvPr id="12" name="TextBox 11">
+            <a:extLst>
+              <a:ext uri="{FF2B5EF4-FFF2-40B4-BE49-F238E27FC236}">
+                <a16:creationId xmlns:a16="http://schemas.microsoft.com/office/drawing/2014/main" id="{DBF6C472-9E2A-4090-9BBB-D3B580A5FC37}"/>
+              </a:ext>
+            </a:extLst>
+          </p:cNvPr>
+          <p:cNvSpPr txBox="1"/>
+          <p:nvPr/>
+        </p:nvSpPr>
+        <p:spPr>
+          <a:xfrm>
+            <a:off x="6409423" y="953016"/>
+            <a:ext cx="1848751" cy="954107"/>
+          </a:xfrm>
+          <a:prstGeom prst="rect">
+            <a:avLst/>
+          </a:prstGeom>
+          <a:noFill/>
+        </p:spPr>
+        <p:txBody>
+          <a:bodyPr wrap="square">
+            <a:spAutoFit/>
+          </a:bodyPr>
+          <a:lstStyle/>
+          <a:p>
+            <a:r>
+              <a:rPr lang="en-US" sz="1400" b="1" dirty="0">
+                <a:solidFill>
+                  <a:srgbClr val="0070C0"/>
+                </a:solidFill>
+                <a:latin typeface="Arial" panose="020B0604020202020204" pitchFamily="34" charset="0"/>
+                <a:ea typeface="+mj-ea"/>
+                <a:cs typeface="Arial" panose="020B0604020202020204" pitchFamily="34" charset="0"/>
+              </a:rPr>
+              <a:t>Split </a:t>
+            </a:r>
+            <a:r>
+              <a:rPr lang="en-US" sz="1400" b="1" dirty="0" err="1">
+                <a:solidFill>
+                  <a:srgbClr val="0070C0"/>
+                </a:solidFill>
+                <a:latin typeface="Arial" panose="020B0604020202020204" pitchFamily="34" charset="0"/>
+                <a:ea typeface="+mj-ea"/>
+                <a:cs typeface="Arial" panose="020B0604020202020204" pitchFamily="34" charset="0"/>
+              </a:rPr>
+              <a:t>dataframe</a:t>
+            </a:r>
+            <a:r>
+              <a:rPr lang="en-US" sz="1400" b="1" dirty="0">
+                <a:solidFill>
+                  <a:srgbClr val="0070C0"/>
+                </a:solidFill>
+                <a:latin typeface="Arial" panose="020B0604020202020204" pitchFamily="34" charset="0"/>
+                <a:ea typeface="+mj-ea"/>
+                <a:cs typeface="Arial" panose="020B0604020202020204" pitchFamily="34" charset="0"/>
+              </a:rPr>
+              <a:t> for NCAA stats by keeping specific columns</a:t>
+            </a:r>
+            <a:endParaRPr lang="es-ES" sz="1400" b="1" dirty="0">
+              <a:solidFill>
+                <a:srgbClr val="0070C0"/>
+              </a:solidFill>
+              <a:latin typeface="Arial" panose="020B0604020202020204" pitchFamily="34" charset="0"/>
+              <a:ea typeface="+mj-ea"/>
+              <a:cs typeface="Arial" panose="020B0604020202020204" pitchFamily="34" charset="0"/>
+            </a:endParaRPr>
+          </a:p>
+        </p:txBody>
+      </p:sp>
+      <mc:AlternateContent xmlns:mc="http://schemas.openxmlformats.org/markup-compatibility/2006">
+        <mc:Choice xmlns:p14="http://schemas.microsoft.com/office/powerpoint/2010/main" Requires="p14">
+          <p:contentPart p14:bwMode="auto" r:id="rId6">
+            <p14:nvContentPartPr>
+              <p14:cNvPr id="13" name="Ink 12">
+                <a:extLst>
+                  <a:ext uri="{FF2B5EF4-FFF2-40B4-BE49-F238E27FC236}">
+                    <a16:creationId xmlns:a16="http://schemas.microsoft.com/office/drawing/2014/main" id="{58913318-3466-4EF4-AB1F-B11EA9C56BEA}"/>
+                  </a:ext>
+                </a:extLst>
+              </p14:cNvPr>
+              <p14:cNvContentPartPr/>
+              <p14:nvPr/>
+            </p14:nvContentPartPr>
+            <p14:xfrm>
+              <a:off x="888660" y="3055260"/>
+              <a:ext cx="591480" cy="16560"/>
+            </p14:xfrm>
+          </p:contentPart>
+        </mc:Choice>
+        <mc:Fallback>
+          <p:pic>
+            <p:nvPicPr>
+              <p:cNvPr id="13" name="Ink 12">
+                <a:extLst>
+                  <a:ext uri="{FF2B5EF4-FFF2-40B4-BE49-F238E27FC236}">
+                    <a16:creationId xmlns:a16="http://schemas.microsoft.com/office/drawing/2014/main" id="{58913318-3466-4EF4-AB1F-B11EA9C56BEA}"/>
+                  </a:ext>
+                </a:extLst>
+              </p:cNvPr>
+              <p:cNvPicPr/>
+              <p:nvPr/>
+            </p:nvPicPr>
+            <p:blipFill>
+              <a:blip r:embed="rId7"/>
+              <a:stretch>
+                <a:fillRect/>
+              </a:stretch>
+            </p:blipFill>
+            <p:spPr>
+              <a:xfrm>
+                <a:off x="853020" y="2983620"/>
+                <a:ext cx="663120" cy="160200"/>
+              </a:xfrm>
+              <a:prstGeom prst="rect">
+                <a:avLst/>
+              </a:prstGeom>
+            </p:spPr>
+          </p:pic>
+        </mc:Fallback>
+      </mc:AlternateContent>
+    </p:spTree>
+    <p:extLst>
+      <p:ext uri="{BB962C8B-B14F-4D97-AF65-F5344CB8AC3E}">
+        <p14:creationId xmlns:p14="http://schemas.microsoft.com/office/powerpoint/2010/main" val="1868524573"/>
+      </p:ext>
+    </p:extLst>
+  </p:cSld>
+  <p:clrMapOvr>
+    <a:masterClrMapping/>
+  </p:clrMapOvr>
+</p:sld>
+</file>
+
+<file path=ppt/slides/slide25.xml><?xml version="1.0" encoding="utf-8"?>
+<p:sld xmlns:a="http://schemas.openxmlformats.org/drawingml/2006/main" xmlns:r="http://schemas.openxmlformats.org/officeDocument/2006/relationships" xmlns:p="http://schemas.openxmlformats.org/presentationml/2006/main">
+  <p:cSld>
+    <p:spTree>
+      <p:nvGrpSpPr>
+        <p:cNvPr id="1" name=""/>
+        <p:cNvGrpSpPr/>
+        <p:nvPr/>
+      </p:nvGrpSpPr>
+      <p:grpSpPr>
+        <a:xfrm>
+          <a:off x="0" y="0"/>
+          <a:ext cx="0" cy="0"/>
+          <a:chOff x="0" y="0"/>
+          <a:chExt cx="0" cy="0"/>
+        </a:xfrm>
+      </p:grpSpPr>
+      <p:sp>
+        <p:nvSpPr>
+          <p:cNvPr id="2" name="Title 1">
+            <a:extLst>
+              <a:ext uri="{FF2B5EF4-FFF2-40B4-BE49-F238E27FC236}">
+                <a16:creationId xmlns:a16="http://schemas.microsoft.com/office/drawing/2014/main" id="{E573BB41-E506-4710-8F8C-42B319918F82}"/>
+              </a:ext>
+            </a:extLst>
+          </p:cNvPr>
+          <p:cNvSpPr>
+            <a:spLocks noGrp="1"/>
+          </p:cNvSpPr>
+          <p:nvPr>
+            <p:ph type="title"/>
+          </p:nvPr>
+        </p:nvSpPr>
+        <p:spPr/>
+        <p:txBody>
+          <a:bodyPr>
+            <a:normAutofit fontScale="90000"/>
+          </a:bodyPr>
+          <a:lstStyle/>
+          <a:p>
+            <a:pPr marL="4054475" indent="-4054475"/>
+            <a:r>
+              <a:rPr lang="en-US" dirty="0"/>
+              <a:t>ETL #2 – TRANSFORMATION. </a:t>
+            </a:r>
+            <a:r>
+              <a:rPr lang="en-US" dirty="0">
+                <a:solidFill>
+                  <a:srgbClr val="0070C0"/>
+                </a:solidFill>
+                <a:effectLst/>
+              </a:rPr>
+              <a:t> To do machine learning models. Random Forest Regression</a:t>
+            </a:r>
+            <a:endParaRPr lang="es-ES" dirty="0">
+              <a:solidFill>
+                <a:srgbClr val="0070C0"/>
+              </a:solidFill>
+              <a:effectLst/>
+            </a:endParaRPr>
+          </a:p>
+        </p:txBody>
+      </p:sp>
+      <p:sp>
+        <p:nvSpPr>
+          <p:cNvPr id="3" name="Slide Number Placeholder 2">
+            <a:extLst>
+              <a:ext uri="{FF2B5EF4-FFF2-40B4-BE49-F238E27FC236}">
+                <a16:creationId xmlns:a16="http://schemas.microsoft.com/office/drawing/2014/main" id="{B3535E0C-0CF3-4438-A95D-C0FEF04BB684}"/>
+              </a:ext>
+            </a:extLst>
+          </p:cNvPr>
+          <p:cNvSpPr>
+            <a:spLocks noGrp="1"/>
+          </p:cNvSpPr>
+          <p:nvPr>
+            <p:ph type="sldNum" sz="quarter" idx="12"/>
+          </p:nvPr>
+        </p:nvSpPr>
+        <p:spPr/>
+        <p:txBody>
+          <a:bodyPr/>
+          <a:lstStyle/>
+          <a:p>
+            <a:pPr marL="0" marR="0" lvl="0" indent="0" algn="r" defTabSz="914400" rtl="0" eaLnBrk="1" fontAlgn="auto" latinLnBrk="0" hangingPunct="1">
+              <a:lnSpc>
+                <a:spcPct val="100000"/>
+              </a:lnSpc>
+              <a:spcBef>
+                <a:spcPts val="0"/>
+              </a:spcBef>
+              <a:spcAft>
+                <a:spcPts val="0"/>
+              </a:spcAft>
+              <a:buClrTx/>
+              <a:buSzTx/>
+              <a:buFontTx/>
+              <a:buNone/>
+              <a:tabLst/>
+              <a:defRPr/>
+            </a:pPr>
+            <a:fld id="{EDA4E73C-7A94-44D4-A65F-F6EB5CEC5634}" type="slidenum">
+              <a:rPr kumimoji="0" lang="en-US" sz="1000" b="0" i="0" u="none" strike="noStrike" kern="1200" cap="none" spc="0" normalizeH="0" baseline="0" noProof="0" smtClean="0">
+                <a:ln>
+                  <a:noFill/>
+                </a:ln>
+                <a:solidFill>
+                  <a:srgbClr val="FF0000"/>
+                </a:solidFill>
+                <a:effectLst/>
+                <a:uLnTx/>
+                <a:uFillTx/>
+                <a:latin typeface="Arial" panose="020B0604020202020204" pitchFamily="34" charset="0"/>
+                <a:ea typeface="+mn-ea"/>
+                <a:cs typeface="Arial" panose="020B0604020202020204" pitchFamily="34" charset="0"/>
+              </a:rPr>
+              <a:pPr marL="0" marR="0" lvl="0" indent="0" algn="r" defTabSz="914400" rtl="0" eaLnBrk="1" fontAlgn="auto" latinLnBrk="0" hangingPunct="1">
+                <a:lnSpc>
+                  <a:spcPct val="100000"/>
+                </a:lnSpc>
+                <a:spcBef>
+                  <a:spcPts val="0"/>
+                </a:spcBef>
+                <a:spcAft>
+                  <a:spcPts val="0"/>
+                </a:spcAft>
+                <a:buClrTx/>
+                <a:buSzTx/>
+                <a:buFontTx/>
+                <a:buNone/>
+                <a:tabLst/>
+                <a:defRPr/>
+              </a:pPr>
+              <a:t>25</a:t>
+            </a:fld>
+            <a:endParaRPr kumimoji="0" lang="en-US" sz="1000" b="0" i="0" u="none" strike="noStrike" kern="1200" cap="none" spc="0" normalizeH="0" baseline="0" noProof="0" dirty="0">
+              <a:ln>
+                <a:noFill/>
+              </a:ln>
+              <a:solidFill>
+                <a:srgbClr val="FF0000"/>
+              </a:solidFill>
+              <a:effectLst/>
+              <a:uLnTx/>
+              <a:uFillTx/>
+              <a:latin typeface="Arial" panose="020B0604020202020204" pitchFamily="34" charset="0"/>
+              <a:ea typeface="+mn-ea"/>
+              <a:cs typeface="Arial" panose="020B0604020202020204" pitchFamily="34" charset="0"/>
+            </a:endParaRPr>
+          </a:p>
+        </p:txBody>
+      </p:sp>
+      <p:sp>
+        <p:nvSpPr>
+          <p:cNvPr id="10" name="Oval 9">
+            <a:extLst>
+              <a:ext uri="{FF2B5EF4-FFF2-40B4-BE49-F238E27FC236}">
+                <a16:creationId xmlns:a16="http://schemas.microsoft.com/office/drawing/2014/main" id="{BAE4B36B-01B8-4E02-9CF7-2BD8042DC575}"/>
+              </a:ext>
+            </a:extLst>
+          </p:cNvPr>
+          <p:cNvSpPr/>
+          <p:nvPr/>
+        </p:nvSpPr>
+        <p:spPr>
+          <a:xfrm>
+            <a:off x="4750753" y="1585445"/>
+            <a:ext cx="378136" cy="195230"/>
+          </a:xfrm>
+          <a:noFill/>
+          <a:ln w="22225">
+            <a:solidFill>
+              <a:srgbClr val="FF0000"/>
+            </a:solidFill>
+          </a:ln>
+        </p:spPr>
+        <p:style>
+          <a:lnRef idx="2">
+            <a:schemeClr val="accent1">
+              <a:shade val="50000"/>
+            </a:schemeClr>
+          </a:lnRef>
+          <a:fillRef idx="1">
+            <a:schemeClr val="accent1"/>
+          </a:fillRef>
+          <a:effectRef idx="0">
+            <a:schemeClr val="accent1"/>
+          </a:effectRef>
+          <a:fontRef idx="minor">
+            <a:schemeClr val="lt1"/>
+          </a:fontRef>
+        </p:style>
+        <p:txBody>
+          <a:bodyPr rtlCol="0" anchor="ctr"/>
+          <a:lstStyle/>
+          <a:p>
+            <a:pPr algn="ctr"/>
+            <a:endParaRPr lang="es-ES"/>
+          </a:p>
+        </p:txBody>
+      </p:sp>
+      <p:sp>
+        <p:nvSpPr>
+          <p:cNvPr id="14" name="TextBox 13">
+            <a:extLst>
+              <a:ext uri="{FF2B5EF4-FFF2-40B4-BE49-F238E27FC236}">
+                <a16:creationId xmlns:a16="http://schemas.microsoft.com/office/drawing/2014/main" id="{A0427C29-19B8-479D-B71B-6DF59524629B}"/>
+              </a:ext>
+            </a:extLst>
+          </p:cNvPr>
+          <p:cNvSpPr txBox="1"/>
+          <p:nvPr/>
+        </p:nvSpPr>
+        <p:spPr>
+          <a:xfrm>
+            <a:off x="5128889" y="4023955"/>
+            <a:ext cx="2013210" cy="307777"/>
+          </a:xfrm>
+          <a:prstGeom prst="rect">
+            <a:avLst/>
+          </a:prstGeom>
+          <a:noFill/>
+        </p:spPr>
+        <p:txBody>
+          <a:bodyPr wrap="square">
+            <a:spAutoFit/>
+          </a:bodyPr>
+          <a:lstStyle/>
+          <a:p>
+            <a:r>
+              <a:rPr lang="en-US" sz="1400" b="1" dirty="0">
+                <a:solidFill>
+                  <a:srgbClr val="0070C0"/>
+                </a:solidFill>
+                <a:latin typeface="Arial" panose="020B0604020202020204" pitchFamily="34" charset="0"/>
+                <a:ea typeface="+mj-ea"/>
+                <a:cs typeface="Arial" panose="020B0604020202020204" pitchFamily="34" charset="0"/>
+              </a:rPr>
+              <a:t>Same for NBA stats</a:t>
+            </a:r>
+            <a:endParaRPr lang="es-ES" sz="1400" b="1" dirty="0">
+              <a:solidFill>
+                <a:srgbClr val="0070C0"/>
+              </a:solidFill>
+              <a:latin typeface="Arial" panose="020B0604020202020204" pitchFamily="34" charset="0"/>
+              <a:ea typeface="+mj-ea"/>
+              <a:cs typeface="Arial" panose="020B0604020202020204" pitchFamily="34" charset="0"/>
+            </a:endParaRPr>
+          </a:p>
+        </p:txBody>
+      </p:sp>
+      <p:sp>
+        <p:nvSpPr>
+          <p:cNvPr id="12" name="TextBox 11">
+            <a:extLst>
+              <a:ext uri="{FF2B5EF4-FFF2-40B4-BE49-F238E27FC236}">
+                <a16:creationId xmlns:a16="http://schemas.microsoft.com/office/drawing/2014/main" id="{DBF6C472-9E2A-4090-9BBB-D3B580A5FC37}"/>
+              </a:ext>
+            </a:extLst>
+          </p:cNvPr>
+          <p:cNvSpPr txBox="1"/>
+          <p:nvPr/>
+        </p:nvSpPr>
+        <p:spPr>
+          <a:xfrm>
+            <a:off x="1100462" y="4070122"/>
+            <a:ext cx="1848751" cy="523220"/>
+          </a:xfrm>
+          <a:prstGeom prst="rect">
+            <a:avLst/>
+          </a:prstGeom>
+          <a:noFill/>
+        </p:spPr>
+        <p:txBody>
+          <a:bodyPr wrap="square">
+            <a:spAutoFit/>
+          </a:bodyPr>
+          <a:lstStyle/>
+          <a:p>
+            <a:r>
+              <a:rPr lang="en-US" sz="1400" b="1" dirty="0">
+                <a:solidFill>
+                  <a:srgbClr val="0070C0"/>
+                </a:solidFill>
+                <a:latin typeface="Arial" panose="020B0604020202020204" pitchFamily="34" charset="0"/>
+                <a:ea typeface="+mj-ea"/>
+                <a:cs typeface="Arial" panose="020B0604020202020204" pitchFamily="34" charset="0"/>
+              </a:rPr>
+              <a:t>Rename for NCAA stats</a:t>
+            </a:r>
+            <a:endParaRPr lang="es-ES" sz="1400" b="1" dirty="0">
+              <a:solidFill>
+                <a:srgbClr val="0070C0"/>
+              </a:solidFill>
+              <a:latin typeface="Arial" panose="020B0604020202020204" pitchFamily="34" charset="0"/>
+              <a:ea typeface="+mj-ea"/>
+              <a:cs typeface="Arial" panose="020B0604020202020204" pitchFamily="34" charset="0"/>
+            </a:endParaRPr>
+          </a:p>
+        </p:txBody>
+      </p:sp>
+      <p:pic>
+        <p:nvPicPr>
+          <p:cNvPr id="15" name="Picture 14">
+            <a:extLst>
+              <a:ext uri="{FF2B5EF4-FFF2-40B4-BE49-F238E27FC236}">
+                <a16:creationId xmlns:a16="http://schemas.microsoft.com/office/drawing/2014/main" id="{65C719B8-7BB3-4252-88C4-797663D3A8DF}"/>
+              </a:ext>
+            </a:extLst>
+          </p:cNvPr>
+          <p:cNvPicPr>
+            <a:picLocks noChangeAspect="1"/>
+          </p:cNvPicPr>
+          <p:nvPr/>
+        </p:nvPicPr>
+        <p:blipFill>
+          <a:blip r:embed="rId2"/>
+          <a:stretch>
+            <a:fillRect/>
+          </a:stretch>
+        </p:blipFill>
+        <p:spPr>
+          <a:xfrm>
+            <a:off x="4420388" y="592169"/>
+            <a:ext cx="3952257" cy="3062482"/>
+          </a:xfrm>
+          <a:prstGeom prst="rect">
+            <a:avLst/>
+          </a:prstGeom>
+        </p:spPr>
+      </p:pic>
+      <p:pic>
+        <p:nvPicPr>
+          <p:cNvPr id="17" name="Picture 16">
+            <a:extLst>
+              <a:ext uri="{FF2B5EF4-FFF2-40B4-BE49-F238E27FC236}">
+                <a16:creationId xmlns:a16="http://schemas.microsoft.com/office/drawing/2014/main" id="{0C923DCF-5718-4605-8C31-455D5854E661}"/>
+              </a:ext>
+            </a:extLst>
+          </p:cNvPr>
+          <p:cNvPicPr>
+            <a:picLocks noChangeAspect="1"/>
+          </p:cNvPicPr>
+          <p:nvPr/>
+        </p:nvPicPr>
+        <p:blipFill>
+          <a:blip r:embed="rId3"/>
+          <a:stretch>
+            <a:fillRect/>
+          </a:stretch>
+        </p:blipFill>
+        <p:spPr>
+          <a:xfrm>
+            <a:off x="409575" y="550158"/>
+            <a:ext cx="3929434" cy="3121053"/>
+          </a:xfrm>
+          <a:prstGeom prst="rect">
+            <a:avLst/>
+          </a:prstGeom>
+        </p:spPr>
+      </p:pic>
+      <mc:AlternateContent xmlns:mc="http://schemas.openxmlformats.org/markup-compatibility/2006">
+        <mc:Choice xmlns:p14="http://schemas.microsoft.com/office/powerpoint/2010/main" Requires="p14">
+          <p:contentPart p14:bwMode="auto" r:id="rId4">
+            <p14:nvContentPartPr>
+              <p14:cNvPr id="18" name="Ink 17">
+                <a:extLst>
+                  <a:ext uri="{FF2B5EF4-FFF2-40B4-BE49-F238E27FC236}">
+                    <a16:creationId xmlns:a16="http://schemas.microsoft.com/office/drawing/2014/main" id="{79262A06-5756-4770-8158-F005961A0313}"/>
+                  </a:ext>
+                </a:extLst>
+              </p14:cNvPr>
+              <p14:cNvContentPartPr/>
+              <p14:nvPr/>
+            </p14:nvContentPartPr>
+            <p14:xfrm>
+              <a:off x="5943510" y="894300"/>
+              <a:ext cx="790560" cy="29880"/>
+            </p14:xfrm>
+          </p:contentPart>
+        </mc:Choice>
+        <mc:Fallback>
+          <p:pic>
+            <p:nvPicPr>
+              <p:cNvPr id="18" name="Ink 17">
+                <a:extLst>
+                  <a:ext uri="{FF2B5EF4-FFF2-40B4-BE49-F238E27FC236}">
+                    <a16:creationId xmlns:a16="http://schemas.microsoft.com/office/drawing/2014/main" id="{79262A06-5756-4770-8158-F005961A0313}"/>
+                  </a:ext>
+                </a:extLst>
+              </p:cNvPr>
+              <p:cNvPicPr/>
+              <p:nvPr/>
+            </p:nvPicPr>
+            <p:blipFill>
+              <a:blip r:embed="rId5"/>
+              <a:stretch>
+                <a:fillRect/>
+              </a:stretch>
+            </p:blipFill>
+            <p:spPr>
+              <a:xfrm>
+                <a:off x="5907510" y="822660"/>
+                <a:ext cx="862200" cy="173520"/>
+              </a:xfrm>
+              <a:prstGeom prst="rect">
+                <a:avLst/>
+              </a:prstGeom>
+            </p:spPr>
+          </p:pic>
+        </mc:Fallback>
+      </mc:AlternateContent>
+      <mc:AlternateContent xmlns:mc="http://schemas.openxmlformats.org/markup-compatibility/2006">
+        <mc:Choice xmlns:p14="http://schemas.microsoft.com/office/powerpoint/2010/main" Requires="p14">
+          <p:contentPart p14:bwMode="auto" r:id="rId6">
+            <p14:nvContentPartPr>
+              <p14:cNvPr id="19" name="Ink 18">
+                <a:extLst>
+                  <a:ext uri="{FF2B5EF4-FFF2-40B4-BE49-F238E27FC236}">
+                    <a16:creationId xmlns:a16="http://schemas.microsoft.com/office/drawing/2014/main" id="{2CE15ADC-9B93-4BDE-901A-AF45F735398E}"/>
+                  </a:ext>
+                </a:extLst>
+              </p14:cNvPr>
+              <p14:cNvContentPartPr/>
+              <p14:nvPr/>
+            </p14:nvContentPartPr>
+            <p14:xfrm>
+              <a:off x="1933470" y="837780"/>
+              <a:ext cx="1344600" cy="29520"/>
+            </p14:xfrm>
+          </p:contentPart>
+        </mc:Choice>
+        <mc:Fallback>
+          <p:pic>
+            <p:nvPicPr>
+              <p:cNvPr id="19" name="Ink 18">
+                <a:extLst>
+                  <a:ext uri="{FF2B5EF4-FFF2-40B4-BE49-F238E27FC236}">
+                    <a16:creationId xmlns:a16="http://schemas.microsoft.com/office/drawing/2014/main" id="{2CE15ADC-9B93-4BDE-901A-AF45F735398E}"/>
+                  </a:ext>
+                </a:extLst>
+              </p:cNvPr>
+              <p:cNvPicPr/>
+              <p:nvPr/>
+            </p:nvPicPr>
+            <p:blipFill>
+              <a:blip r:embed="rId7"/>
+              <a:stretch>
+                <a:fillRect/>
+              </a:stretch>
+            </p:blipFill>
+            <p:spPr>
+              <a:xfrm>
+                <a:off x="1897470" y="765780"/>
+                <a:ext cx="1416240" cy="173160"/>
+              </a:xfrm>
+              <a:prstGeom prst="rect">
+                <a:avLst/>
+              </a:prstGeom>
+            </p:spPr>
+          </p:pic>
+        </mc:Fallback>
+      </mc:AlternateContent>
+      <mc:AlternateContent xmlns:mc="http://schemas.openxmlformats.org/markup-compatibility/2006">
+        <mc:Choice xmlns:p14="http://schemas.microsoft.com/office/powerpoint/2010/main" Requires="p14">
+          <p:contentPart p14:bwMode="auto" r:id="rId8">
+            <p14:nvContentPartPr>
+              <p14:cNvPr id="20" name="Ink 19">
+                <a:extLst>
+                  <a:ext uri="{FF2B5EF4-FFF2-40B4-BE49-F238E27FC236}">
+                    <a16:creationId xmlns:a16="http://schemas.microsoft.com/office/drawing/2014/main" id="{D649D8F4-CA7A-484D-831F-3E48F3864EAD}"/>
+                  </a:ext>
+                </a:extLst>
+              </p14:cNvPr>
+              <p14:cNvContentPartPr/>
+              <p14:nvPr/>
+            </p14:nvContentPartPr>
+            <p14:xfrm>
+              <a:off x="6267150" y="942540"/>
+              <a:ext cx="360" cy="360"/>
+            </p14:xfrm>
+          </p:contentPart>
+        </mc:Choice>
+        <mc:Fallback>
+          <p:pic>
+            <p:nvPicPr>
+              <p:cNvPr id="20" name="Ink 19">
+                <a:extLst>
+                  <a:ext uri="{FF2B5EF4-FFF2-40B4-BE49-F238E27FC236}">
+                    <a16:creationId xmlns:a16="http://schemas.microsoft.com/office/drawing/2014/main" id="{D649D8F4-CA7A-484D-831F-3E48F3864EAD}"/>
+                  </a:ext>
+                </a:extLst>
+              </p:cNvPr>
+              <p:cNvPicPr/>
+              <p:nvPr/>
+            </p:nvPicPr>
+            <p:blipFill>
+              <a:blip r:embed="rId9"/>
+              <a:stretch>
+                <a:fillRect/>
+              </a:stretch>
+            </p:blipFill>
+            <p:spPr>
+              <a:xfrm>
+                <a:off x="6231150" y="870900"/>
+                <a:ext cx="72000" cy="144000"/>
+              </a:xfrm>
+              <a:prstGeom prst="rect">
+                <a:avLst/>
+              </a:prstGeom>
+            </p:spPr>
+          </p:pic>
+        </mc:Fallback>
+      </mc:AlternateContent>
+    </p:spTree>
+    <p:extLst>
+      <p:ext uri="{BB962C8B-B14F-4D97-AF65-F5344CB8AC3E}">
+        <p14:creationId xmlns:p14="http://schemas.microsoft.com/office/powerpoint/2010/main" val="3727553035"/>
+      </p:ext>
+    </p:extLst>
+  </p:cSld>
+  <p:clrMapOvr>
+    <a:masterClrMapping/>
+  </p:clrMapOvr>
+</p:sld>
+</file>
+
+<file path=ppt/slides/slide26.xml><?xml version="1.0" encoding="utf-8"?>
+<p:sld xmlns:a="http://schemas.openxmlformats.org/drawingml/2006/main" xmlns:r="http://schemas.openxmlformats.org/officeDocument/2006/relationships" xmlns:p="http://schemas.openxmlformats.org/presentationml/2006/main">
+  <p:cSld>
+    <p:spTree>
+      <p:nvGrpSpPr>
+        <p:cNvPr id="1" name=""/>
+        <p:cNvGrpSpPr/>
+        <p:nvPr/>
+      </p:nvGrpSpPr>
+      <p:grpSpPr>
+        <a:xfrm>
+          <a:off x="0" y="0"/>
+          <a:ext cx="0" cy="0"/>
+          <a:chOff x="0" y="0"/>
+          <a:chExt cx="0" cy="0"/>
+        </a:xfrm>
+      </p:grpSpPr>
+      <p:sp>
+        <p:nvSpPr>
+          <p:cNvPr id="2" name="Title 1">
+            <a:extLst>
+              <a:ext uri="{FF2B5EF4-FFF2-40B4-BE49-F238E27FC236}">
+                <a16:creationId xmlns:a16="http://schemas.microsoft.com/office/drawing/2014/main" id="{E573BB41-E506-4710-8F8C-42B319918F82}"/>
+              </a:ext>
+            </a:extLst>
+          </p:cNvPr>
+          <p:cNvSpPr>
+            <a:spLocks noGrp="1"/>
+          </p:cNvSpPr>
+          <p:nvPr>
+            <p:ph type="title"/>
+          </p:nvPr>
+        </p:nvSpPr>
+        <p:spPr/>
+        <p:txBody>
+          <a:bodyPr>
+            <a:normAutofit fontScale="90000"/>
+          </a:bodyPr>
+          <a:lstStyle/>
+          <a:p>
+            <a:pPr marL="4054475" indent="-4054475"/>
+            <a:r>
+              <a:rPr lang="en-US" dirty="0"/>
+              <a:t>ETL #2 – LOADING PHASE. </a:t>
+            </a:r>
+            <a:r>
+              <a:rPr lang="en-US" dirty="0">
+                <a:solidFill>
+                  <a:srgbClr val="0070C0"/>
+                </a:solidFill>
+                <a:effectLst/>
+              </a:rPr>
+              <a:t> To do machine learning models. Random Forest Regression</a:t>
+            </a:r>
+            <a:endParaRPr lang="es-ES" dirty="0">
+              <a:solidFill>
+                <a:srgbClr val="0070C0"/>
+              </a:solidFill>
+              <a:effectLst/>
+            </a:endParaRPr>
+          </a:p>
+        </p:txBody>
+      </p:sp>
+      <p:sp>
+        <p:nvSpPr>
+          <p:cNvPr id="3" name="Slide Number Placeholder 2">
+            <a:extLst>
+              <a:ext uri="{FF2B5EF4-FFF2-40B4-BE49-F238E27FC236}">
+                <a16:creationId xmlns:a16="http://schemas.microsoft.com/office/drawing/2014/main" id="{B3535E0C-0CF3-4438-A95D-C0FEF04BB684}"/>
+              </a:ext>
+            </a:extLst>
+          </p:cNvPr>
+          <p:cNvSpPr>
+            <a:spLocks noGrp="1"/>
+          </p:cNvSpPr>
+          <p:nvPr>
+            <p:ph type="sldNum" sz="quarter" idx="12"/>
+          </p:nvPr>
+        </p:nvSpPr>
+        <p:spPr/>
+        <p:txBody>
+          <a:bodyPr/>
+          <a:lstStyle/>
+          <a:p>
+            <a:pPr marL="0" marR="0" lvl="0" indent="0" algn="r" defTabSz="914400" rtl="0" eaLnBrk="1" fontAlgn="auto" latinLnBrk="0" hangingPunct="1">
+              <a:lnSpc>
+                <a:spcPct val="100000"/>
+              </a:lnSpc>
+              <a:spcBef>
+                <a:spcPts val="0"/>
+              </a:spcBef>
+              <a:spcAft>
+                <a:spcPts val="0"/>
+              </a:spcAft>
+              <a:buClrTx/>
+              <a:buSzTx/>
+              <a:buFontTx/>
+              <a:buNone/>
+              <a:tabLst/>
+              <a:defRPr/>
+            </a:pPr>
+            <a:fld id="{EDA4E73C-7A94-44D4-A65F-F6EB5CEC5634}" type="slidenum">
+              <a:rPr kumimoji="0" lang="en-US" sz="1000" b="0" i="0" u="none" strike="noStrike" kern="1200" cap="none" spc="0" normalizeH="0" baseline="0" noProof="0" smtClean="0">
+                <a:ln>
+                  <a:noFill/>
+                </a:ln>
+                <a:solidFill>
+                  <a:srgbClr val="FF0000"/>
+                </a:solidFill>
+                <a:effectLst/>
+                <a:uLnTx/>
+                <a:uFillTx/>
+                <a:latin typeface="Arial" panose="020B0604020202020204" pitchFamily="34" charset="0"/>
+                <a:ea typeface="+mn-ea"/>
+                <a:cs typeface="Arial" panose="020B0604020202020204" pitchFamily="34" charset="0"/>
+              </a:rPr>
+              <a:pPr marL="0" marR="0" lvl="0" indent="0" algn="r" defTabSz="914400" rtl="0" eaLnBrk="1" fontAlgn="auto" latinLnBrk="0" hangingPunct="1">
+                <a:lnSpc>
+                  <a:spcPct val="100000"/>
+                </a:lnSpc>
+                <a:spcBef>
+                  <a:spcPts val="0"/>
+                </a:spcBef>
+                <a:spcAft>
+                  <a:spcPts val="0"/>
+                </a:spcAft>
+                <a:buClrTx/>
+                <a:buSzTx/>
+                <a:buFontTx/>
+                <a:buNone/>
+                <a:tabLst/>
+                <a:defRPr/>
+              </a:pPr>
+              <a:t>26</a:t>
+            </a:fld>
+            <a:endParaRPr kumimoji="0" lang="en-US" sz="1000" b="0" i="0" u="none" strike="noStrike" kern="1200" cap="none" spc="0" normalizeH="0" baseline="0" noProof="0" dirty="0">
+              <a:ln>
+                <a:noFill/>
+              </a:ln>
+              <a:solidFill>
+                <a:srgbClr val="FF0000"/>
+              </a:solidFill>
+              <a:effectLst/>
+              <a:uLnTx/>
+              <a:uFillTx/>
+              <a:latin typeface="Arial" panose="020B0604020202020204" pitchFamily="34" charset="0"/>
+              <a:ea typeface="+mn-ea"/>
+              <a:cs typeface="Arial" panose="020B0604020202020204" pitchFamily="34" charset="0"/>
+            </a:endParaRPr>
+          </a:p>
+        </p:txBody>
+      </p:sp>
+    </p:spTree>
+    <p:extLst>
+      <p:ext uri="{BB962C8B-B14F-4D97-AF65-F5344CB8AC3E}">
+        <p14:creationId xmlns:p14="http://schemas.microsoft.com/office/powerpoint/2010/main" val="644098011"/>
+      </p:ext>
+    </p:extLst>
+  </p:cSld>
+  <p:clrMapOvr>
+    <a:masterClrMapping/>
+  </p:clrMapOvr>
+</p:sld>
+</file>
+
+<file path=ppt/slides/slide27.xml><?xml version="1.0" encoding="utf-8"?>
 <p:sld xmlns:a="http://schemas.openxmlformats.org/drawingml/2006/main" xmlns:r="http://schemas.openxmlformats.org/officeDocument/2006/relationships" xmlns:p="http://schemas.openxmlformats.org/presentationml/2006/main">
   <p:cSld>
     <p:spTree>
@@ -31420,7 +33716,7 @@
                 <a:tabLst/>
                 <a:defRPr/>
               </a:pPr>
-              <a:t>22</a:t>
+              <a:t>27</a:t>
             </a:fld>
             <a:endParaRPr kumimoji="0" lang="en-US" altLang="en-US" sz="1200" b="0" i="0" u="none" strike="noStrike" kern="0" cap="none" spc="0" normalizeH="0" baseline="0" noProof="0">
               <a:ln>
@@ -32360,7 +34656,7 @@
 </p:sld>
 </file>
 
-<file path=ppt/slides/slide23.xml><?xml version="1.0" encoding="utf-8"?>
+<file path=ppt/slides/slide28.xml><?xml version="1.0" encoding="utf-8"?>
 <p:sld xmlns:a="http://schemas.openxmlformats.org/drawingml/2006/main" xmlns:r="http://schemas.openxmlformats.org/officeDocument/2006/relationships" xmlns:p="http://schemas.openxmlformats.org/presentationml/2006/main">
   <p:cSld>
     <p:spTree>
@@ -32898,7 +35194,7 @@
                 <a:tabLst/>
                 <a:defRPr/>
               </a:pPr>
-              <a:t>23</a:t>
+              <a:t>28</a:t>
             </a:fld>
             <a:endParaRPr kumimoji="0" lang="en-US" altLang="en-US" sz="1200" b="0" i="0" u="none" strike="noStrike" kern="0" cap="none" spc="0" normalizeH="0" baseline="0" noProof="0">
               <a:ln>
@@ -33838,7 +36134,7 @@
 </p:sld>
 </file>
 
-<file path=ppt/slides/slide24.xml><?xml version="1.0" encoding="utf-8"?>
+<file path=ppt/slides/slide29.xml><?xml version="1.0" encoding="utf-8"?>
 <p:sld xmlns:a="http://schemas.openxmlformats.org/drawingml/2006/main" xmlns:r="http://schemas.openxmlformats.org/officeDocument/2006/relationships" xmlns:p="http://schemas.openxmlformats.org/presentationml/2006/main">
   <p:cSld>
     <p:spTree>
@@ -34376,7 +36672,7 @@
                 <a:tabLst/>
                 <a:defRPr/>
               </a:pPr>
-              <a:t>24</a:t>
+              <a:t>29</a:t>
             </a:fld>
             <a:endParaRPr kumimoji="0" lang="en-US" altLang="en-US" sz="1200" b="0" i="0" u="none" strike="noStrike" kern="0" cap="none" spc="0" normalizeH="0" baseline="0" noProof="0">
               <a:ln>
@@ -35316,7 +37612,141 @@
 </p:sld>
 </file>
 
-<file path=ppt/slides/slide25.xml><?xml version="1.0" encoding="utf-8"?>
+<file path=ppt/slides/slide3.xml><?xml version="1.0" encoding="utf-8"?>
+<p:sld xmlns:a="http://schemas.openxmlformats.org/drawingml/2006/main" xmlns:r="http://schemas.openxmlformats.org/officeDocument/2006/relationships" xmlns:p="http://schemas.openxmlformats.org/presentationml/2006/main">
+  <p:cSld>
+    <p:spTree>
+      <p:nvGrpSpPr>
+        <p:cNvPr id="1" name=""/>
+        <p:cNvGrpSpPr/>
+        <p:nvPr/>
+      </p:nvGrpSpPr>
+      <p:grpSpPr>
+        <a:xfrm>
+          <a:off x="0" y="0"/>
+          <a:ext cx="0" cy="0"/>
+          <a:chOff x="0" y="0"/>
+          <a:chExt cx="0" cy="0"/>
+        </a:xfrm>
+      </p:grpSpPr>
+      <p:sp>
+        <p:nvSpPr>
+          <p:cNvPr id="2" name="Title 1">
+            <a:extLst>
+              <a:ext uri="{FF2B5EF4-FFF2-40B4-BE49-F238E27FC236}">
+                <a16:creationId xmlns:a16="http://schemas.microsoft.com/office/drawing/2014/main" id="{F749FDC5-DE9D-4AD3-9225-D3BEDC5D67F5}"/>
+              </a:ext>
+            </a:extLst>
+          </p:cNvPr>
+          <p:cNvSpPr>
+            <a:spLocks noGrp="1"/>
+          </p:cNvSpPr>
+          <p:nvPr>
+            <p:ph type="title"/>
+          </p:nvPr>
+        </p:nvSpPr>
+        <p:spPr/>
+        <p:txBody>
+          <a:bodyPr/>
+          <a:lstStyle/>
+          <a:p>
+            <a:endParaRPr lang="en-US"/>
+          </a:p>
+        </p:txBody>
+      </p:sp>
+      <p:sp>
+        <p:nvSpPr>
+          <p:cNvPr id="3" name="Slide Number Placeholder 2">
+            <a:extLst>
+              <a:ext uri="{FF2B5EF4-FFF2-40B4-BE49-F238E27FC236}">
+                <a16:creationId xmlns:a16="http://schemas.microsoft.com/office/drawing/2014/main" id="{F7B2F7FE-8A3B-4A77-92F0-F5CEECB68B58}"/>
+              </a:ext>
+            </a:extLst>
+          </p:cNvPr>
+          <p:cNvSpPr>
+            <a:spLocks noGrp="1"/>
+          </p:cNvSpPr>
+          <p:nvPr>
+            <p:ph type="sldNum" idx="12"/>
+          </p:nvPr>
+        </p:nvSpPr>
+        <p:spPr/>
+        <p:txBody>
+          <a:bodyPr/>
+          <a:lstStyle/>
+          <a:p>
+            <a:pPr marL="0" lvl="0" indent="0" algn="r" rtl="0">
+              <a:spcBef>
+                <a:spcPts val="0"/>
+              </a:spcBef>
+              <a:spcAft>
+                <a:spcPts val="0"/>
+              </a:spcAft>
+              <a:buNone/>
+            </a:pPr>
+            <a:fld id="{00000000-1234-1234-1234-123412341234}" type="slidenum">
+              <a:rPr lang="en-US" smtClean="0"/>
+              <a:t>3</a:t>
+            </a:fld>
+            <a:endParaRPr lang="en-US"/>
+          </a:p>
+        </p:txBody>
+      </p:sp>
+      <p:sp>
+        <p:nvSpPr>
+          <p:cNvPr id="5" name="TextBox 4">
+            <a:extLst>
+              <a:ext uri="{FF2B5EF4-FFF2-40B4-BE49-F238E27FC236}">
+                <a16:creationId xmlns:a16="http://schemas.microsoft.com/office/drawing/2014/main" id="{452215F9-AB80-48D8-80E6-8AE1B96D6820}"/>
+              </a:ext>
+            </a:extLst>
+          </p:cNvPr>
+          <p:cNvSpPr txBox="1"/>
+          <p:nvPr/>
+        </p:nvSpPr>
+        <p:spPr>
+          <a:xfrm>
+            <a:off x="2286000" y="2249049"/>
+            <a:ext cx="4572000" cy="923330"/>
+          </a:xfrm>
+          <a:prstGeom prst="rect">
+            <a:avLst/>
+          </a:prstGeom>
+          <a:noFill/>
+        </p:spPr>
+        <p:txBody>
+          <a:bodyPr wrap="square">
+            <a:spAutoFit/>
+          </a:bodyPr>
+          <a:lstStyle/>
+          <a:p>
+            <a:r>
+              <a:rPr lang="en-US" dirty="0">
+                <a:hlinkClick r:id="rId2"/>
+              </a:rPr>
+              <a:t>https://share.streamlit.io/aburstyn9068/nba_player_comparison/main/app.py</a:t>
+            </a:r>
+            <a:endParaRPr lang="en-US" dirty="0"/>
+          </a:p>
+          <a:p>
+            <a:endParaRPr lang="en-US" dirty="0"/>
+          </a:p>
+        </p:txBody>
+      </p:sp>
+    </p:spTree>
+    <p:extLst>
+      <p:ext uri="{BB962C8B-B14F-4D97-AF65-F5344CB8AC3E}">
+        <p14:creationId xmlns:p14="http://schemas.microsoft.com/office/powerpoint/2010/main" val="1215660983"/>
+      </p:ext>
+    </p:extLst>
+  </p:cSld>
+  <p:clrMapOvr>
+    <a:masterClrMapping/>
+  </p:clrMapOvr>
+</p:sld>
+</file>
+
+<file path=ppt/slides/slide30.xml><?xml version="1.0" encoding="utf-8"?>
 <p:sld xmlns:a="http://schemas.openxmlformats.org/drawingml/2006/main" xmlns:r="http://schemas.openxmlformats.org/officeDocument/2006/relationships" xmlns:p="http://schemas.openxmlformats.org/presentationml/2006/main">
   <p:cSld>
     <p:spTree>
@@ -35440,7 +37870,7 @@
                 <a:tabLst/>
                 <a:defRPr/>
               </a:pPr>
-              <a:t>25</a:t>
+              <a:t>30</a:t>
             </a:fld>
             <a:endParaRPr kumimoji="0" lang="en-US" sz="1000" b="0" i="0" u="none" strike="noStrike" kern="1200" cap="none" spc="0" normalizeH="0" baseline="0" noProof="0" dirty="0">
               <a:ln>
@@ -35902,7 +38332,7 @@
 </p:sld>
 </file>
 
-<file path=ppt/slides/slide26.xml><?xml version="1.0" encoding="utf-8"?>
+<file path=ppt/slides/slide31.xml><?xml version="1.0" encoding="utf-8"?>
 <p:sld xmlns:a="http://schemas.openxmlformats.org/drawingml/2006/main" xmlns:r="http://schemas.openxmlformats.org/officeDocument/2006/relationships" xmlns:p="http://schemas.openxmlformats.org/presentationml/2006/main">
   <p:cSld>
     <p:spTree>
@@ -35992,7 +38422,7 @@
                 <a:tabLst/>
                 <a:defRPr/>
               </a:pPr>
-              <a:t>26</a:t>
+              <a:t>31</a:t>
             </a:fld>
             <a:endParaRPr kumimoji="0" lang="en" sz="900" b="0" i="0" u="none" strike="noStrike" kern="0" cap="none" spc="0" normalizeH="0" baseline="0" noProof="0">
               <a:ln>
@@ -36089,7 +38519,7 @@
 </p:sld>
 </file>
 
-<file path=ppt/slides/slide27.xml><?xml version="1.0" encoding="utf-8"?>
+<file path=ppt/slides/slide32.xml><?xml version="1.0" encoding="utf-8"?>
 <p:sld xmlns:a="http://schemas.openxmlformats.org/drawingml/2006/main" xmlns:r="http://schemas.openxmlformats.org/officeDocument/2006/relationships" xmlns:p="http://schemas.openxmlformats.org/presentationml/2006/main">
   <p:cSld>
     <p:spTree>
@@ -36241,7 +38671,7 @@
                 <a:cs typeface="Open Sans"/>
                 <a:sym typeface="Open Sans"/>
               </a:rPr>
-              <a:t>27</a:t>
+              <a:t>32</a:t>
             </a:fld>
             <a:endParaRPr sz="1000" b="0" i="0" u="none" strike="noStrike" cap="none" dirty="0">
               <a:solidFill>
@@ -36266,7 +38696,478 @@
 </p:sld>
 </file>
 
-<file path=ppt/slides/slide28.xml><?xml version="1.0" encoding="utf-8"?>
+<file path=ppt/slides/slide33.xml><?xml version="1.0" encoding="utf-8"?>
+<p:sld xmlns:a="http://schemas.openxmlformats.org/drawingml/2006/main" xmlns:r="http://schemas.openxmlformats.org/officeDocument/2006/relationships" xmlns:p="http://schemas.openxmlformats.org/presentationml/2006/main">
+  <p:cSld>
+    <p:spTree>
+      <p:nvGrpSpPr>
+        <p:cNvPr id="1" name=""/>
+        <p:cNvGrpSpPr/>
+        <p:nvPr/>
+      </p:nvGrpSpPr>
+      <p:grpSpPr>
+        <a:xfrm>
+          <a:off x="0" y="0"/>
+          <a:ext cx="0" cy="0"/>
+          <a:chOff x="0" y="0"/>
+          <a:chExt cx="0" cy="0"/>
+        </a:xfrm>
+      </p:grpSpPr>
+      <p:sp>
+        <p:nvSpPr>
+          <p:cNvPr id="2" name="Title 1">
+            <a:extLst>
+              <a:ext uri="{FF2B5EF4-FFF2-40B4-BE49-F238E27FC236}">
+                <a16:creationId xmlns:a16="http://schemas.microsoft.com/office/drawing/2014/main" id="{E573BB41-E506-4710-8F8C-42B319918F82}"/>
+              </a:ext>
+            </a:extLst>
+          </p:cNvPr>
+          <p:cNvSpPr>
+            <a:spLocks noGrp="1"/>
+          </p:cNvSpPr>
+          <p:nvPr>
+            <p:ph type="title"/>
+          </p:nvPr>
+        </p:nvSpPr>
+        <p:spPr/>
+        <p:txBody>
+          <a:bodyPr>
+            <a:normAutofit fontScale="90000"/>
+          </a:bodyPr>
+          <a:lstStyle/>
+          <a:p>
+            <a:pPr marL="4054475" indent="-4054475"/>
+            <a:r>
+              <a:rPr lang="en-US" dirty="0"/>
+              <a:t>Linear Regression Results</a:t>
+            </a:r>
+            <a:endParaRPr lang="es-ES" dirty="0">
+              <a:solidFill>
+                <a:srgbClr val="0070C0"/>
+              </a:solidFill>
+              <a:effectLst/>
+            </a:endParaRPr>
+          </a:p>
+        </p:txBody>
+      </p:sp>
+      <p:sp>
+        <p:nvSpPr>
+          <p:cNvPr id="3" name="Slide Number Placeholder 2">
+            <a:extLst>
+              <a:ext uri="{FF2B5EF4-FFF2-40B4-BE49-F238E27FC236}">
+                <a16:creationId xmlns:a16="http://schemas.microsoft.com/office/drawing/2014/main" id="{B3535E0C-0CF3-4438-A95D-C0FEF04BB684}"/>
+              </a:ext>
+            </a:extLst>
+          </p:cNvPr>
+          <p:cNvSpPr>
+            <a:spLocks noGrp="1"/>
+          </p:cNvSpPr>
+          <p:nvPr>
+            <p:ph type="sldNum" sz="quarter" idx="12"/>
+          </p:nvPr>
+        </p:nvSpPr>
+        <p:spPr/>
+        <p:txBody>
+          <a:bodyPr/>
+          <a:lstStyle/>
+          <a:p>
+            <a:pPr marL="0" marR="0" lvl="0" indent="0" algn="r" defTabSz="914400" rtl="0" eaLnBrk="1" fontAlgn="auto" latinLnBrk="0" hangingPunct="1">
+              <a:lnSpc>
+                <a:spcPct val="100000"/>
+              </a:lnSpc>
+              <a:spcBef>
+                <a:spcPts val="0"/>
+              </a:spcBef>
+              <a:spcAft>
+                <a:spcPts val="0"/>
+              </a:spcAft>
+              <a:buClrTx/>
+              <a:buSzTx/>
+              <a:buFontTx/>
+              <a:buNone/>
+              <a:tabLst/>
+              <a:defRPr/>
+            </a:pPr>
+            <a:fld id="{EDA4E73C-7A94-44D4-A65F-F6EB5CEC5634}" type="slidenum">
+              <a:rPr kumimoji="0" lang="en-US" sz="1000" b="0" i="0" u="none" strike="noStrike" kern="1200" cap="none" spc="0" normalizeH="0" baseline="0" noProof="0" smtClean="0">
+                <a:ln>
+                  <a:noFill/>
+                </a:ln>
+                <a:solidFill>
+                  <a:srgbClr val="FF0000"/>
+                </a:solidFill>
+                <a:effectLst/>
+                <a:uLnTx/>
+                <a:uFillTx/>
+                <a:latin typeface="Arial" panose="020B0604020202020204" pitchFamily="34" charset="0"/>
+                <a:ea typeface="+mn-ea"/>
+                <a:cs typeface="Arial" panose="020B0604020202020204" pitchFamily="34" charset="0"/>
+              </a:rPr>
+              <a:pPr marL="0" marR="0" lvl="0" indent="0" algn="r" defTabSz="914400" rtl="0" eaLnBrk="1" fontAlgn="auto" latinLnBrk="0" hangingPunct="1">
+                <a:lnSpc>
+                  <a:spcPct val="100000"/>
+                </a:lnSpc>
+                <a:spcBef>
+                  <a:spcPts val="0"/>
+                </a:spcBef>
+                <a:spcAft>
+                  <a:spcPts val="0"/>
+                </a:spcAft>
+                <a:buClrTx/>
+                <a:buSzTx/>
+                <a:buFontTx/>
+                <a:buNone/>
+                <a:tabLst/>
+                <a:defRPr/>
+              </a:pPr>
+              <a:t>33</a:t>
+            </a:fld>
+            <a:endParaRPr kumimoji="0" lang="en-US" sz="1000" b="0" i="0" u="none" strike="noStrike" kern="1200" cap="none" spc="0" normalizeH="0" baseline="0" noProof="0" dirty="0">
+              <a:ln>
+                <a:noFill/>
+              </a:ln>
+              <a:solidFill>
+                <a:srgbClr val="FF0000"/>
+              </a:solidFill>
+              <a:effectLst/>
+              <a:uLnTx/>
+              <a:uFillTx/>
+              <a:latin typeface="Arial" panose="020B0604020202020204" pitchFamily="34" charset="0"/>
+              <a:ea typeface="+mn-ea"/>
+              <a:cs typeface="Arial" panose="020B0604020202020204" pitchFamily="34" charset="0"/>
+            </a:endParaRPr>
+          </a:p>
+        </p:txBody>
+      </p:sp>
+      <p:sp>
+        <p:nvSpPr>
+          <p:cNvPr id="10" name="Oval 9">
+            <a:extLst>
+              <a:ext uri="{FF2B5EF4-FFF2-40B4-BE49-F238E27FC236}">
+                <a16:creationId xmlns:a16="http://schemas.microsoft.com/office/drawing/2014/main" id="{BAE4B36B-01B8-4E02-9CF7-2BD8042DC575}"/>
+              </a:ext>
+            </a:extLst>
+          </p:cNvPr>
+          <p:cNvSpPr/>
+          <p:nvPr/>
+        </p:nvSpPr>
+        <p:spPr>
+          <a:xfrm>
+            <a:off x="4750753" y="1585445"/>
+            <a:ext cx="378136" cy="195230"/>
+          </a:xfrm>
+          <a:noFill/>
+          <a:ln w="22225">
+            <a:solidFill>
+              <a:srgbClr val="FF0000"/>
+            </a:solidFill>
+          </a:ln>
+        </p:spPr>
+        <p:style>
+          <a:lnRef idx="2">
+            <a:schemeClr val="accent1">
+              <a:shade val="50000"/>
+            </a:schemeClr>
+          </a:lnRef>
+          <a:fillRef idx="1">
+            <a:schemeClr val="accent1"/>
+          </a:fillRef>
+          <a:effectRef idx="0">
+            <a:schemeClr val="accent1"/>
+          </a:effectRef>
+          <a:fontRef idx="minor">
+            <a:schemeClr val="lt1"/>
+          </a:fontRef>
+        </p:style>
+        <p:txBody>
+          <a:bodyPr rtlCol="0" anchor="ctr"/>
+          <a:lstStyle/>
+          <a:p>
+            <a:pPr algn="ctr"/>
+            <a:endParaRPr lang="es-ES"/>
+          </a:p>
+        </p:txBody>
+      </p:sp>
+      <p:sp>
+        <p:nvSpPr>
+          <p:cNvPr id="11" name="Rectangle: Rounded Corners 10">
+            <a:extLst>
+              <a:ext uri="{FF2B5EF4-FFF2-40B4-BE49-F238E27FC236}">
+                <a16:creationId xmlns:a16="http://schemas.microsoft.com/office/drawing/2014/main" id="{ADC12979-C4B3-4FE8-B1C2-67C8DBD440F8}"/>
+              </a:ext>
+            </a:extLst>
+          </p:cNvPr>
+          <p:cNvSpPr/>
+          <p:nvPr/>
+        </p:nvSpPr>
+        <p:spPr>
+          <a:xfrm>
+            <a:off x="1354412" y="999183"/>
+            <a:ext cx="639393" cy="100847"/>
+          </a:xfrm>
+          <a:noFill/>
+          <a:ln w="22225">
+            <a:solidFill>
+              <a:srgbClr val="FF0000"/>
+            </a:solidFill>
+          </a:ln>
+        </p:spPr>
+        <p:style>
+          <a:lnRef idx="2">
+            <a:schemeClr val="accent1">
+              <a:shade val="50000"/>
+            </a:schemeClr>
+          </a:lnRef>
+          <a:fillRef idx="1">
+            <a:schemeClr val="accent1"/>
+          </a:fillRef>
+          <a:effectRef idx="0">
+            <a:schemeClr val="accent1"/>
+          </a:effectRef>
+          <a:fontRef idx="minor">
+            <a:schemeClr val="lt1"/>
+          </a:fontRef>
+        </p:style>
+        <p:txBody>
+          <a:bodyPr rtlCol="0" anchor="ctr"/>
+          <a:lstStyle/>
+          <a:p>
+            <a:pPr algn="ctr"/>
+            <a:endParaRPr lang="es-ES"/>
+          </a:p>
+        </p:txBody>
+      </p:sp>
+      <p:pic>
+        <p:nvPicPr>
+          <p:cNvPr id="6" name="Picture 5">
+            <a:extLst>
+              <a:ext uri="{FF2B5EF4-FFF2-40B4-BE49-F238E27FC236}">
+                <a16:creationId xmlns:a16="http://schemas.microsoft.com/office/drawing/2014/main" id="{9144C769-BC32-4C92-86C5-673BA69E88DC}"/>
+              </a:ext>
+            </a:extLst>
+          </p:cNvPr>
+          <p:cNvPicPr>
+            <a:picLocks noChangeAspect="1"/>
+          </p:cNvPicPr>
+          <p:nvPr/>
+        </p:nvPicPr>
+        <p:blipFill>
+          <a:blip r:embed="rId2"/>
+          <a:stretch>
+            <a:fillRect/>
+          </a:stretch>
+        </p:blipFill>
+        <p:spPr>
+          <a:xfrm>
+            <a:off x="3341400" y="172594"/>
+            <a:ext cx="4665175" cy="4809832"/>
+          </a:xfrm>
+          <a:prstGeom prst="rect">
+            <a:avLst/>
+          </a:prstGeom>
+          <a:ln>
+            <a:solidFill>
+              <a:schemeClr val="tx1"/>
+            </a:solidFill>
+          </a:ln>
+        </p:spPr>
+      </p:pic>
+      <p:sp>
+        <p:nvSpPr>
+          <p:cNvPr id="12" name="Action Button: Go Forward or Next 11">
+            <a:hlinkClick r:id="rId3" action="ppaction://hlinksldjump" highlightClick="1"/>
+            <a:extLst>
+              <a:ext uri="{FF2B5EF4-FFF2-40B4-BE49-F238E27FC236}">
+                <a16:creationId xmlns:a16="http://schemas.microsoft.com/office/drawing/2014/main" id="{6BB49955-AB28-4518-A161-57C796AB4B19}"/>
+              </a:ext>
+            </a:extLst>
+          </p:cNvPr>
+          <p:cNvSpPr/>
+          <p:nvPr/>
+        </p:nvSpPr>
+        <p:spPr>
+          <a:xfrm>
+            <a:off x="8335884" y="4528091"/>
+            <a:ext cx="478807" cy="273844"/>
+          </a:xfrm>
+          <a:prstGeom prst="actionButtonForwardNext">
+            <a:avLst/>
+          </a:prstGeom>
+          <a:solidFill>
+            <a:schemeClr val="bg2"/>
+          </a:solidFill>
+          <a:ln w="6350">
+            <a:solidFill>
+              <a:schemeClr val="tx1"/>
+            </a:solidFill>
+          </a:ln>
+        </p:spPr>
+        <p:style>
+          <a:lnRef idx="2">
+            <a:schemeClr val="accent1">
+              <a:shade val="50000"/>
+            </a:schemeClr>
+          </a:lnRef>
+          <a:fillRef idx="1">
+            <a:schemeClr val="accent1"/>
+          </a:fillRef>
+          <a:effectRef idx="0">
+            <a:schemeClr val="accent1"/>
+          </a:effectRef>
+          <a:fontRef idx="minor">
+            <a:schemeClr val="lt1"/>
+          </a:fontRef>
+        </p:style>
+        <p:txBody>
+          <a:bodyPr rtlCol="0" anchor="ctr"/>
+          <a:lstStyle/>
+          <a:p>
+            <a:pPr algn="ctr"/>
+            <a:endParaRPr lang="es-ES"/>
+          </a:p>
+        </p:txBody>
+      </p:sp>
+    </p:spTree>
+    <p:extLst>
+      <p:ext uri="{BB962C8B-B14F-4D97-AF65-F5344CB8AC3E}">
+        <p14:creationId xmlns:p14="http://schemas.microsoft.com/office/powerpoint/2010/main" val="1389731941"/>
+      </p:ext>
+    </p:extLst>
+  </p:cSld>
+  <p:clrMapOvr>
+    <a:masterClrMapping/>
+  </p:clrMapOvr>
+  <p:timing>
+    <p:tnLst>
+      <p:par>
+        <p:cTn id="1" dur="indefinite" restart="never" nodeType="tmRoot">
+          <p:childTnLst>
+            <p:seq concurrent="1" nextAc="seek">
+              <p:cTn id="2" dur="indefinite" nodeType="mainSeq">
+                <p:childTnLst>
+                  <p:par>
+                    <p:cTn id="3" fill="hold">
+                      <p:stCondLst>
+                        <p:cond delay="indefinite"/>
+                        <p:cond evt="onBegin" delay="0">
+                          <p:tn val="2"/>
+                        </p:cond>
+                      </p:stCondLst>
+                      <p:childTnLst>
+                        <p:par>
+                          <p:cTn id="4" fill="hold">
+                            <p:stCondLst>
+                              <p:cond delay="0"/>
+                            </p:stCondLst>
+                            <p:childTnLst>
+                              <p:par>
+                                <p:cTn id="5" presetID="2" presetClass="entr" presetSubtype="2" fill="hold" grpId="0" nodeType="afterEffect">
+                                  <p:stCondLst>
+                                    <p:cond delay="0"/>
+                                  </p:stCondLst>
+                                  <p:childTnLst>
+                                    <p:set>
+                                      <p:cBhvr>
+                                        <p:cTn id="6" dur="1" fill="hold">
+                                          <p:stCondLst>
+                                            <p:cond delay="0"/>
+                                          </p:stCondLst>
+                                        </p:cTn>
+                                        <p:tgtEl>
+                                          <p:spTgt spid="12"/>
+                                        </p:tgtEl>
+                                        <p:attrNameLst>
+                                          <p:attrName>style.visibility</p:attrName>
+                                        </p:attrNameLst>
+                                      </p:cBhvr>
+                                      <p:to>
+                                        <p:strVal val="visible"/>
+                                      </p:to>
+                                    </p:set>
+                                    <p:anim calcmode="lin" valueType="num">
+                                      <p:cBhvr additive="base">
+                                        <p:cTn id="7" dur="500" fill="hold"/>
+                                        <p:tgtEl>
+                                          <p:spTgt spid="12"/>
+                                        </p:tgtEl>
+                                        <p:attrNameLst>
+                                          <p:attrName>ppt_x</p:attrName>
+                                        </p:attrNameLst>
+                                      </p:cBhvr>
+                                      <p:tavLst>
+                                        <p:tav tm="0">
+                                          <p:val>
+                                            <p:strVal val="1+#ppt_w/2"/>
+                                          </p:val>
+                                        </p:tav>
+                                        <p:tav tm="100000">
+                                          <p:val>
+                                            <p:strVal val="#ppt_x"/>
+                                          </p:val>
+                                        </p:tav>
+                                      </p:tavLst>
+                                    </p:anim>
+                                    <p:anim calcmode="lin" valueType="num">
+                                      <p:cBhvr additive="base">
+                                        <p:cTn id="8" dur="500" fill="hold"/>
+                                        <p:tgtEl>
+                                          <p:spTgt spid="12"/>
+                                        </p:tgtEl>
+                                        <p:attrNameLst>
+                                          <p:attrName>ppt_y</p:attrName>
+                                        </p:attrNameLst>
+                                      </p:cBhvr>
+                                      <p:tavLst>
+                                        <p:tav tm="0">
+                                          <p:val>
+                                            <p:strVal val="#ppt_y"/>
+                                          </p:val>
+                                        </p:tav>
+                                        <p:tav tm="100000">
+                                          <p:val>
+                                            <p:strVal val="#ppt_y"/>
+                                          </p:val>
+                                        </p:tav>
+                                      </p:tavLst>
+                                    </p:anim>
+                                  </p:childTnLst>
+                                </p:cTn>
+                              </p:par>
+                            </p:childTnLst>
+                          </p:cTn>
+                        </p:par>
+                      </p:childTnLst>
+                    </p:cTn>
+                  </p:par>
+                </p:childTnLst>
+              </p:cTn>
+              <p:prevCondLst>
+                <p:cond evt="onPrev" delay="0">
+                  <p:tgtEl>
+                    <p:sldTgt/>
+                  </p:tgtEl>
+                </p:cond>
+              </p:prevCondLst>
+              <p:nextCondLst>
+                <p:cond evt="onNext" delay="0">
+                  <p:tgtEl>
+                    <p:sldTgt/>
+                  </p:tgtEl>
+                </p:cond>
+              </p:nextCondLst>
+            </p:seq>
+          </p:childTnLst>
+        </p:cTn>
+      </p:par>
+    </p:tnLst>
+    <p:bldLst>
+      <p:bldP spid="12" grpId="0" animBg="1"/>
+    </p:bldLst>
+  </p:timing>
+</p:sld>
+</file>
+
+<file path=ppt/slides/slide34.xml><?xml version="1.0" encoding="utf-8"?>
 <p:sld xmlns:a="http://schemas.openxmlformats.org/drawingml/2006/main" xmlns:r="http://schemas.openxmlformats.org/officeDocument/2006/relationships" xmlns:p="http://schemas.openxmlformats.org/presentationml/2006/main">
   <p:cSld>
     <p:spTree>
@@ -36333,7 +39234,7 @@
           <a:p>
             <a:fld id="{EDA4E73C-7A94-44D4-A65F-F6EB5CEC5634}" type="slidenum">
               <a:rPr lang="en-US" smtClean="0"/>
-              <a:t>28</a:t>
+              <a:t>34</a:t>
             </a:fld>
             <a:endParaRPr lang="en-US"/>
           </a:p>
@@ -36382,7 +39283,7 @@
 </p:sld>
 </file>
 
-<file path=ppt/slides/slide29.xml><?xml version="1.0" encoding="utf-8"?>
+<file path=ppt/slides/slide35.xml><?xml version="1.0" encoding="utf-8"?>
 <p:sld xmlns:a="http://schemas.openxmlformats.org/drawingml/2006/main" xmlns:r="http://schemas.openxmlformats.org/officeDocument/2006/relationships" xmlns:p="http://schemas.openxmlformats.org/presentationml/2006/main">
   <p:cSld>
     <p:spTree>
@@ -36449,7 +39350,7 @@
           <a:p>
             <a:fld id="{EDA4E73C-7A94-44D4-A65F-F6EB5CEC5634}" type="slidenum">
               <a:rPr lang="en-US" smtClean="0"/>
-              <a:t>29</a:t>
+              <a:t>35</a:t>
             </a:fld>
             <a:endParaRPr lang="en-US"/>
           </a:p>
@@ -36515,141 +39416,7 @@
 </p:sld>
 </file>
 
-<file path=ppt/slides/slide3.xml><?xml version="1.0" encoding="utf-8"?>
-<p:sld xmlns:a="http://schemas.openxmlformats.org/drawingml/2006/main" xmlns:r="http://schemas.openxmlformats.org/officeDocument/2006/relationships" xmlns:p="http://schemas.openxmlformats.org/presentationml/2006/main">
-  <p:cSld>
-    <p:spTree>
-      <p:nvGrpSpPr>
-        <p:cNvPr id="1" name=""/>
-        <p:cNvGrpSpPr/>
-        <p:nvPr/>
-      </p:nvGrpSpPr>
-      <p:grpSpPr>
-        <a:xfrm>
-          <a:off x="0" y="0"/>
-          <a:ext cx="0" cy="0"/>
-          <a:chOff x="0" y="0"/>
-          <a:chExt cx="0" cy="0"/>
-        </a:xfrm>
-      </p:grpSpPr>
-      <p:sp>
-        <p:nvSpPr>
-          <p:cNvPr id="2" name="Title 1">
-            <a:extLst>
-              <a:ext uri="{FF2B5EF4-FFF2-40B4-BE49-F238E27FC236}">
-                <a16:creationId xmlns:a16="http://schemas.microsoft.com/office/drawing/2014/main" id="{F749FDC5-DE9D-4AD3-9225-D3BEDC5D67F5}"/>
-              </a:ext>
-            </a:extLst>
-          </p:cNvPr>
-          <p:cNvSpPr>
-            <a:spLocks noGrp="1"/>
-          </p:cNvSpPr>
-          <p:nvPr>
-            <p:ph type="title"/>
-          </p:nvPr>
-        </p:nvSpPr>
-        <p:spPr/>
-        <p:txBody>
-          <a:bodyPr/>
-          <a:lstStyle/>
-          <a:p>
-            <a:endParaRPr lang="en-US"/>
-          </a:p>
-        </p:txBody>
-      </p:sp>
-      <p:sp>
-        <p:nvSpPr>
-          <p:cNvPr id="3" name="Slide Number Placeholder 2">
-            <a:extLst>
-              <a:ext uri="{FF2B5EF4-FFF2-40B4-BE49-F238E27FC236}">
-                <a16:creationId xmlns:a16="http://schemas.microsoft.com/office/drawing/2014/main" id="{F7B2F7FE-8A3B-4A77-92F0-F5CEECB68B58}"/>
-              </a:ext>
-            </a:extLst>
-          </p:cNvPr>
-          <p:cNvSpPr>
-            <a:spLocks noGrp="1"/>
-          </p:cNvSpPr>
-          <p:nvPr>
-            <p:ph type="sldNum" idx="12"/>
-          </p:nvPr>
-        </p:nvSpPr>
-        <p:spPr/>
-        <p:txBody>
-          <a:bodyPr/>
-          <a:lstStyle/>
-          <a:p>
-            <a:pPr marL="0" lvl="0" indent="0" algn="r" rtl="0">
-              <a:spcBef>
-                <a:spcPts val="0"/>
-              </a:spcBef>
-              <a:spcAft>
-                <a:spcPts val="0"/>
-              </a:spcAft>
-              <a:buNone/>
-            </a:pPr>
-            <a:fld id="{00000000-1234-1234-1234-123412341234}" type="slidenum">
-              <a:rPr lang="en-US" smtClean="0"/>
-              <a:t>3</a:t>
-            </a:fld>
-            <a:endParaRPr lang="en-US"/>
-          </a:p>
-        </p:txBody>
-      </p:sp>
-      <p:sp>
-        <p:nvSpPr>
-          <p:cNvPr id="5" name="TextBox 4">
-            <a:extLst>
-              <a:ext uri="{FF2B5EF4-FFF2-40B4-BE49-F238E27FC236}">
-                <a16:creationId xmlns:a16="http://schemas.microsoft.com/office/drawing/2014/main" id="{452215F9-AB80-48D8-80E6-8AE1B96D6820}"/>
-              </a:ext>
-            </a:extLst>
-          </p:cNvPr>
-          <p:cNvSpPr txBox="1"/>
-          <p:nvPr/>
-        </p:nvSpPr>
-        <p:spPr>
-          <a:xfrm>
-            <a:off x="2286000" y="2249049"/>
-            <a:ext cx="4572000" cy="923330"/>
-          </a:xfrm>
-          <a:prstGeom prst="rect">
-            <a:avLst/>
-          </a:prstGeom>
-          <a:noFill/>
-        </p:spPr>
-        <p:txBody>
-          <a:bodyPr wrap="square">
-            <a:spAutoFit/>
-          </a:bodyPr>
-          <a:lstStyle/>
-          <a:p>
-            <a:r>
-              <a:rPr lang="en-US" dirty="0">
-                <a:hlinkClick r:id="rId2"/>
-              </a:rPr>
-              <a:t>https://share.streamlit.io/aburstyn9068/nba_player_comparison/main/app.py</a:t>
-            </a:r>
-            <a:endParaRPr lang="en-US" dirty="0"/>
-          </a:p>
-          <a:p>
-            <a:endParaRPr lang="en-US" dirty="0"/>
-          </a:p>
-        </p:txBody>
-      </p:sp>
-    </p:spTree>
-    <p:extLst>
-      <p:ext uri="{BB962C8B-B14F-4D97-AF65-F5344CB8AC3E}">
-        <p14:creationId xmlns:p14="http://schemas.microsoft.com/office/powerpoint/2010/main" val="1215660983"/>
-      </p:ext>
-    </p:extLst>
-  </p:cSld>
-  <p:clrMapOvr>
-    <a:masterClrMapping/>
-  </p:clrMapOvr>
-</p:sld>
-</file>
-
-<file path=ppt/slides/slide30.xml><?xml version="1.0" encoding="utf-8"?>
+<file path=ppt/slides/slide36.xml><?xml version="1.0" encoding="utf-8"?>
 <p:sld xmlns:a="http://schemas.openxmlformats.org/drawingml/2006/main" xmlns:r="http://schemas.openxmlformats.org/officeDocument/2006/relationships" xmlns:p="http://schemas.openxmlformats.org/presentationml/2006/main">
   <p:cSld>
     <p:spTree>
@@ -36716,7 +39483,7 @@
           <a:p>
             <a:fld id="{EDA4E73C-7A94-44D4-A65F-F6EB5CEC5634}" type="slidenum">
               <a:rPr lang="en-US" smtClean="0"/>
-              <a:t>30</a:t>
+              <a:t>36</a:t>
             </a:fld>
             <a:endParaRPr lang="en-US"/>
           </a:p>
@@ -36765,7 +39532,7 @@
 </p:sld>
 </file>
 
-<file path=ppt/slides/slide31.xml><?xml version="1.0" encoding="utf-8"?>
+<file path=ppt/slides/slide37.xml><?xml version="1.0" encoding="utf-8"?>
 <p:sld xmlns:a="http://schemas.openxmlformats.org/drawingml/2006/main" xmlns:r="http://schemas.openxmlformats.org/officeDocument/2006/relationships" xmlns:p="http://schemas.openxmlformats.org/presentationml/2006/main">
   <p:cSld>
     <p:spTree>
@@ -36844,7 +39611,7 @@
           <a:p>
             <a:fld id="{EDA4E73C-7A94-44D4-A65F-F6EB5CEC5634}" type="slidenum">
               <a:rPr lang="en-US" smtClean="0"/>
-              <a:t>31</a:t>
+              <a:t>37</a:t>
             </a:fld>
             <a:endParaRPr lang="en-US"/>
           </a:p>
@@ -37629,7 +40396,7 @@
 </p:sld>
 </file>
 
-<file path=ppt/slides/slide32.xml><?xml version="1.0" encoding="utf-8"?>
+<file path=ppt/slides/slide38.xml><?xml version="1.0" encoding="utf-8"?>
 <p:sld xmlns:a="http://schemas.openxmlformats.org/drawingml/2006/main" xmlns:r="http://schemas.openxmlformats.org/officeDocument/2006/relationships" xmlns:p="http://schemas.openxmlformats.org/presentationml/2006/main">
   <p:cSld>
     <p:spTree>
@@ -37711,7 +40478,7 @@
           <a:p>
             <a:fld id="{EDA4E73C-7A94-44D4-A65F-F6EB5CEC5634}" type="slidenum">
               <a:rPr lang="en-US" smtClean="0"/>
-              <a:t>32</a:t>
+              <a:t>38</a:t>
             </a:fld>
             <a:endParaRPr lang="en-US"/>
           </a:p>
@@ -38175,7 +40942,7 @@
 </p:sld>
 </file>
 
-<file path=ppt/slides/slide33.xml><?xml version="1.0" encoding="utf-8"?>
+<file path=ppt/slides/slide39.xml><?xml version="1.0" encoding="utf-8"?>
 <p:sld xmlns:a="http://schemas.openxmlformats.org/drawingml/2006/main" xmlns:r="http://schemas.openxmlformats.org/officeDocument/2006/relationships" xmlns:p="http://schemas.openxmlformats.org/presentationml/2006/main">
   <p:cSld>
     <p:spTree>
@@ -38257,7 +41024,7 @@
           <a:p>
             <a:fld id="{EDA4E73C-7A94-44D4-A65F-F6EB5CEC5634}" type="slidenum">
               <a:rPr lang="en-US" smtClean="0"/>
-              <a:t>33</a:t>
+              <a:t>39</a:t>
             </a:fld>
             <a:endParaRPr lang="en-US"/>
           </a:p>
@@ -38625,7 +41392,1485 @@
 </p:sld>
 </file>
 
-<file path=ppt/slides/slide34.xml><?xml version="1.0" encoding="utf-8"?>
+<file path=ppt/slides/slide4.xml><?xml version="1.0" encoding="utf-8"?>
+<p:sld xmlns:a="http://schemas.openxmlformats.org/drawingml/2006/main" xmlns:r="http://schemas.openxmlformats.org/officeDocument/2006/relationships" xmlns:p="http://schemas.openxmlformats.org/presentationml/2006/main">
+  <p:cSld>
+    <p:spTree>
+      <p:nvGrpSpPr>
+        <p:cNvPr id="1" name=""/>
+        <p:cNvGrpSpPr/>
+        <p:nvPr/>
+      </p:nvGrpSpPr>
+      <p:grpSpPr>
+        <a:xfrm>
+          <a:off x="0" y="0"/>
+          <a:ext cx="0" cy="0"/>
+          <a:chOff x="0" y="0"/>
+          <a:chExt cx="0" cy="0"/>
+        </a:xfrm>
+      </p:grpSpPr>
+      <p:sp>
+        <p:nvSpPr>
+          <p:cNvPr id="14338" name="Rectangle 3">
+            <a:extLst>
+              <a:ext uri="{FF2B5EF4-FFF2-40B4-BE49-F238E27FC236}">
+                <a16:creationId xmlns:a16="http://schemas.microsoft.com/office/drawing/2014/main" id="{7863C23B-044C-439D-AD7D-182930483434}"/>
+              </a:ext>
+            </a:extLst>
+          </p:cNvPr>
+          <p:cNvSpPr>
+            <a:spLocks noChangeArrowheads="1"/>
+          </p:cNvSpPr>
+          <p:nvPr/>
+        </p:nvSpPr>
+        <p:spPr bwMode="auto">
+          <a:xfrm>
+            <a:off x="5940425" y="2195513"/>
+            <a:ext cx="2303463" cy="487362"/>
+          </a:xfrm>
+          <a:prstGeom prst="rect">
+            <a:avLst/>
+          </a:prstGeom>
+          <a:solidFill>
+            <a:schemeClr val="bg1"/>
+          </a:solidFill>
+          <a:ln w="9525">
+            <a:solidFill>
+              <a:schemeClr val="bg1"/>
+            </a:solidFill>
+            <a:miter lim="800000"/>
+            <a:headEnd/>
+            <a:tailEnd/>
+          </a:ln>
+        </p:spPr>
+        <p:txBody>
+          <a:bodyPr wrap="none" anchor="ctr"/>
+          <a:lstStyle>
+            <a:lvl1pPr>
+              <a:spcBef>
+                <a:spcPct val="50000"/>
+              </a:spcBef>
+              <a:buClr>
+                <a:schemeClr val="bg2"/>
+              </a:buClr>
+              <a:buFont typeface="Lucida Grande"/>
+              <a:buChar char="●"/>
+              <a:defRPr sz="1600">
+                <a:solidFill>
+                  <a:schemeClr val="tx1"/>
+                </a:solidFill>
+                <a:latin typeface="Arial" panose="020B0604020202020204" pitchFamily="34" charset="0"/>
+                <a:ea typeface="MS PGothic" panose="020B0600070205080204" pitchFamily="34" charset="-128"/>
+              </a:defRPr>
+            </a:lvl1pPr>
+            <a:lvl2pPr marL="742950" indent="-285750">
+              <a:buClr>
+                <a:schemeClr val="bg2"/>
+              </a:buClr>
+              <a:buFont typeface="Arial" panose="020B0604020202020204" pitchFamily="34" charset="0"/>
+              <a:buChar char="–"/>
+              <a:defRPr sz="1600">
+                <a:solidFill>
+                  <a:schemeClr val="tx1"/>
+                </a:solidFill>
+                <a:latin typeface="Arial" panose="020B0604020202020204" pitchFamily="34" charset="0"/>
+                <a:ea typeface="MS PGothic" panose="020B0600070205080204" pitchFamily="34" charset="-128"/>
+              </a:defRPr>
+            </a:lvl2pPr>
+            <a:lvl3pPr marL="1143000" indent="-228600">
+              <a:buClr>
+                <a:schemeClr val="bg2"/>
+              </a:buClr>
+              <a:buChar char="•"/>
+              <a:defRPr sz="1600">
+                <a:solidFill>
+                  <a:schemeClr val="tx1"/>
+                </a:solidFill>
+                <a:latin typeface="Arial" panose="020B0604020202020204" pitchFamily="34" charset="0"/>
+                <a:ea typeface="MS PGothic" panose="020B0600070205080204" pitchFamily="34" charset="-128"/>
+              </a:defRPr>
+            </a:lvl3pPr>
+            <a:lvl4pPr marL="1600200" indent="-228600">
+              <a:spcBef>
+                <a:spcPct val="20000"/>
+              </a:spcBef>
+              <a:buClr>
+                <a:schemeClr val="bg1"/>
+              </a:buClr>
+              <a:buChar char="–"/>
+              <a:defRPr sz="1600">
+                <a:solidFill>
+                  <a:schemeClr val="bg1"/>
+                </a:solidFill>
+                <a:latin typeface="Arial" panose="020B0604020202020204" pitchFamily="34" charset="0"/>
+                <a:ea typeface="MS PGothic" panose="020B0600070205080204" pitchFamily="34" charset="-128"/>
+              </a:defRPr>
+            </a:lvl4pPr>
+            <a:lvl5pPr marL="2057400" indent="-228600">
+              <a:spcBef>
+                <a:spcPct val="20000"/>
+              </a:spcBef>
+              <a:buClr>
+                <a:schemeClr val="bg1"/>
+              </a:buClr>
+              <a:buChar char="»"/>
+              <a:defRPr sz="1600">
+                <a:solidFill>
+                  <a:schemeClr val="bg1"/>
+                </a:solidFill>
+                <a:latin typeface="Arial" panose="020B0604020202020204" pitchFamily="34" charset="0"/>
+                <a:ea typeface="MS PGothic" panose="020B0600070205080204" pitchFamily="34" charset="-128"/>
+              </a:defRPr>
+            </a:lvl5pPr>
+            <a:lvl6pPr marL="2514600" indent="-228600" eaLnBrk="0" fontAlgn="base" hangingPunct="0">
+              <a:spcBef>
+                <a:spcPct val="20000"/>
+              </a:spcBef>
+              <a:spcAft>
+                <a:spcPct val="0"/>
+              </a:spcAft>
+              <a:buClr>
+                <a:schemeClr val="bg1"/>
+              </a:buClr>
+              <a:buChar char="»"/>
+              <a:defRPr sz="1600">
+                <a:solidFill>
+                  <a:schemeClr val="bg1"/>
+                </a:solidFill>
+                <a:latin typeface="Arial" panose="020B0604020202020204" pitchFamily="34" charset="0"/>
+                <a:ea typeface="MS PGothic" panose="020B0600070205080204" pitchFamily="34" charset="-128"/>
+              </a:defRPr>
+            </a:lvl6pPr>
+            <a:lvl7pPr marL="2971800" indent="-228600" eaLnBrk="0" fontAlgn="base" hangingPunct="0">
+              <a:spcBef>
+                <a:spcPct val="20000"/>
+              </a:spcBef>
+              <a:spcAft>
+                <a:spcPct val="0"/>
+              </a:spcAft>
+              <a:buClr>
+                <a:schemeClr val="bg1"/>
+              </a:buClr>
+              <a:buChar char="»"/>
+              <a:defRPr sz="1600">
+                <a:solidFill>
+                  <a:schemeClr val="bg1"/>
+                </a:solidFill>
+                <a:latin typeface="Arial" panose="020B0604020202020204" pitchFamily="34" charset="0"/>
+                <a:ea typeface="MS PGothic" panose="020B0600070205080204" pitchFamily="34" charset="-128"/>
+              </a:defRPr>
+            </a:lvl7pPr>
+            <a:lvl8pPr marL="3429000" indent="-228600" eaLnBrk="0" fontAlgn="base" hangingPunct="0">
+              <a:spcBef>
+                <a:spcPct val="20000"/>
+              </a:spcBef>
+              <a:spcAft>
+                <a:spcPct val="0"/>
+              </a:spcAft>
+              <a:buClr>
+                <a:schemeClr val="bg1"/>
+              </a:buClr>
+              <a:buChar char="»"/>
+              <a:defRPr sz="1600">
+                <a:solidFill>
+                  <a:schemeClr val="bg1"/>
+                </a:solidFill>
+                <a:latin typeface="Arial" panose="020B0604020202020204" pitchFamily="34" charset="0"/>
+                <a:ea typeface="MS PGothic" panose="020B0600070205080204" pitchFamily="34" charset="-128"/>
+              </a:defRPr>
+            </a:lvl8pPr>
+            <a:lvl9pPr marL="3886200" indent="-228600" eaLnBrk="0" fontAlgn="base" hangingPunct="0">
+              <a:spcBef>
+                <a:spcPct val="20000"/>
+              </a:spcBef>
+              <a:spcAft>
+                <a:spcPct val="0"/>
+              </a:spcAft>
+              <a:buClr>
+                <a:schemeClr val="bg1"/>
+              </a:buClr>
+              <a:buChar char="»"/>
+              <a:defRPr sz="1600">
+                <a:solidFill>
+                  <a:schemeClr val="bg1"/>
+                </a:solidFill>
+                <a:latin typeface="Arial" panose="020B0604020202020204" pitchFamily="34" charset="0"/>
+                <a:ea typeface="MS PGothic" panose="020B0600070205080204" pitchFamily="34" charset="-128"/>
+              </a:defRPr>
+            </a:lvl9pPr>
+          </a:lstStyle>
+          <a:p>
+            <a:pPr marL="0" marR="0" lvl="0" indent="0" algn="l" defTabSz="914400" rtl="0" eaLnBrk="1" fontAlgn="auto" latinLnBrk="0" hangingPunct="1">
+              <a:lnSpc>
+                <a:spcPct val="100000"/>
+              </a:lnSpc>
+              <a:spcBef>
+                <a:spcPct val="0"/>
+              </a:spcBef>
+              <a:spcAft>
+                <a:spcPts val="0"/>
+              </a:spcAft>
+              <a:buClrTx/>
+              <a:buSzTx/>
+              <a:buFontTx/>
+              <a:buNone/>
+              <a:tabLst/>
+              <a:defRPr/>
+            </a:pPr>
+            <a:endParaRPr kumimoji="0" lang="es-VE" altLang="en-US" sz="1400" b="0" i="0" u="none" strike="noStrike" kern="0" cap="none" spc="0" normalizeH="0" baseline="0" noProof="0">
+              <a:ln>
+                <a:noFill/>
+              </a:ln>
+              <a:solidFill>
+                <a:srgbClr val="1E1E1E"/>
+              </a:solidFill>
+              <a:effectLst/>
+              <a:uLnTx/>
+              <a:uFillTx/>
+              <a:latin typeface="Arial" panose="020B0604020202020204" pitchFamily="34" charset="0"/>
+              <a:ea typeface="MS PGothic" panose="020B0600070205080204" pitchFamily="34" charset="-128"/>
+              <a:cs typeface="Arial"/>
+              <a:sym typeface="Arial"/>
+            </a:endParaRPr>
+          </a:p>
+        </p:txBody>
+      </p:sp>
+      <p:sp>
+        <p:nvSpPr>
+          <p:cNvPr id="14339" name="Rectangle 2">
+            <a:extLst>
+              <a:ext uri="{FF2B5EF4-FFF2-40B4-BE49-F238E27FC236}">
+                <a16:creationId xmlns:a16="http://schemas.microsoft.com/office/drawing/2014/main" id="{CEAEEC25-86F5-4EF9-ABDA-ED451EB9E446}"/>
+              </a:ext>
+            </a:extLst>
+          </p:cNvPr>
+          <p:cNvSpPr>
+            <a:spLocks noGrp="1" noChangeArrowheads="1"/>
+          </p:cNvSpPr>
+          <p:nvPr>
+            <p:ph type="title"/>
+          </p:nvPr>
+        </p:nvSpPr>
+        <p:spPr>
+          <a:xfrm>
+            <a:off x="4114037" y="90611"/>
+            <a:ext cx="3749675" cy="346075"/>
+          </a:xfrm>
+        </p:spPr>
+        <p:txBody>
+          <a:bodyPr/>
+          <a:lstStyle/>
+          <a:p>
+            <a:pPr algn="ctr" eaLnBrk="1" hangingPunct="1"/>
+            <a:r>
+              <a:rPr lang="es-VE" dirty="0">
+                <a:solidFill>
+                  <a:srgbClr val="FF0000"/>
+                </a:solidFill>
+                <a:effectLst>
+                  <a:outerShdw blurRad="38100" dist="38100" dir="2700000" algn="tl">
+                    <a:srgbClr val="000000">
+                      <a:alpha val="43137"/>
+                    </a:srgbClr>
+                  </a:outerShdw>
+                </a:effectLst>
+                <a:cs typeface="Arial" panose="020B0604020202020204" pitchFamily="34" charset="0"/>
+              </a:rPr>
+              <a:t>AGENDA</a:t>
+            </a:r>
+            <a:endParaRPr dirty="0">
+              <a:solidFill>
+                <a:srgbClr val="FF0000"/>
+              </a:solidFill>
+              <a:effectLst>
+                <a:outerShdw blurRad="38100" dist="38100" dir="2700000" algn="tl">
+                  <a:srgbClr val="000000">
+                    <a:alpha val="43137"/>
+                  </a:srgbClr>
+                </a:outerShdw>
+              </a:effectLst>
+              <a:cs typeface="Arial" panose="020B0604020202020204" pitchFamily="34" charset="0"/>
+            </a:endParaRPr>
+          </a:p>
+        </p:txBody>
+      </p:sp>
+      <p:sp>
+        <p:nvSpPr>
+          <p:cNvPr id="14340" name="Slide Number Placeholder 16">
+            <a:extLst>
+              <a:ext uri="{FF2B5EF4-FFF2-40B4-BE49-F238E27FC236}">
+                <a16:creationId xmlns:a16="http://schemas.microsoft.com/office/drawing/2014/main" id="{AD737F08-B4E7-4B45-B37C-EC30E92AC45B}"/>
+              </a:ext>
+            </a:extLst>
+          </p:cNvPr>
+          <p:cNvSpPr>
+            <a:spLocks noGrp="1" noChangeArrowheads="1"/>
+          </p:cNvSpPr>
+          <p:nvPr>
+            <p:ph type="sldNum" sz="quarter" idx="10"/>
+          </p:nvPr>
+        </p:nvSpPr>
+        <p:spPr bwMode="auto">
+          <a:extLst>
+            <a:ext uri="{91240B29-F687-4F45-9708-019B960494DF}">
+              <a14:hiddenLine xmlns:a14="http://schemas.microsoft.com/office/drawing/2010/main" w="9525">
+                <a:solidFill>
+                  <a:srgbClr val="000000"/>
+                </a:solidFill>
+                <a:miter lim="800000"/>
+                <a:headEnd/>
+                <a:tailEnd/>
+              </a14:hiddenLine>
+            </a:ext>
+          </a:extLst>
+        </p:spPr>
+        <p:txBody>
+          <a:bodyPr/>
+          <a:lstStyle>
+            <a:lvl1pPr>
+              <a:spcBef>
+                <a:spcPct val="50000"/>
+              </a:spcBef>
+              <a:buClr>
+                <a:schemeClr val="bg2"/>
+              </a:buClr>
+              <a:buFont typeface="Lucida Grande"/>
+              <a:buChar char="●"/>
+              <a:defRPr sz="1600">
+                <a:solidFill>
+                  <a:schemeClr val="tx1"/>
+                </a:solidFill>
+                <a:latin typeface="Arial" panose="020B0604020202020204" pitchFamily="34" charset="0"/>
+                <a:ea typeface="MS PGothic" panose="020B0600070205080204" pitchFamily="34" charset="-128"/>
+              </a:defRPr>
+            </a:lvl1pPr>
+            <a:lvl2pPr marL="742950" indent="-285750">
+              <a:buClr>
+                <a:schemeClr val="bg2"/>
+              </a:buClr>
+              <a:buFont typeface="Arial" panose="020B0604020202020204" pitchFamily="34" charset="0"/>
+              <a:buChar char="–"/>
+              <a:defRPr sz="1600">
+                <a:solidFill>
+                  <a:schemeClr val="tx1"/>
+                </a:solidFill>
+                <a:latin typeface="Arial" panose="020B0604020202020204" pitchFamily="34" charset="0"/>
+                <a:ea typeface="MS PGothic" panose="020B0600070205080204" pitchFamily="34" charset="-128"/>
+              </a:defRPr>
+            </a:lvl2pPr>
+            <a:lvl3pPr marL="1143000" indent="-228600">
+              <a:buClr>
+                <a:schemeClr val="bg2"/>
+              </a:buClr>
+              <a:buChar char="•"/>
+              <a:defRPr sz="1600">
+                <a:solidFill>
+                  <a:schemeClr val="tx1"/>
+                </a:solidFill>
+                <a:latin typeface="Arial" panose="020B0604020202020204" pitchFamily="34" charset="0"/>
+                <a:ea typeface="MS PGothic" panose="020B0600070205080204" pitchFamily="34" charset="-128"/>
+              </a:defRPr>
+            </a:lvl3pPr>
+            <a:lvl4pPr marL="1600200" indent="-228600">
+              <a:spcBef>
+                <a:spcPct val="20000"/>
+              </a:spcBef>
+              <a:buClr>
+                <a:schemeClr val="bg1"/>
+              </a:buClr>
+              <a:buChar char="–"/>
+              <a:defRPr sz="1600">
+                <a:solidFill>
+                  <a:schemeClr val="bg1"/>
+                </a:solidFill>
+                <a:latin typeface="Arial" panose="020B0604020202020204" pitchFamily="34" charset="0"/>
+                <a:ea typeface="MS PGothic" panose="020B0600070205080204" pitchFamily="34" charset="-128"/>
+              </a:defRPr>
+            </a:lvl4pPr>
+            <a:lvl5pPr marL="2057400" indent="-228600">
+              <a:spcBef>
+                <a:spcPct val="20000"/>
+              </a:spcBef>
+              <a:buClr>
+                <a:schemeClr val="bg1"/>
+              </a:buClr>
+              <a:buChar char="»"/>
+              <a:defRPr sz="1600">
+                <a:solidFill>
+                  <a:schemeClr val="bg1"/>
+                </a:solidFill>
+                <a:latin typeface="Arial" panose="020B0604020202020204" pitchFamily="34" charset="0"/>
+                <a:ea typeface="MS PGothic" panose="020B0600070205080204" pitchFamily="34" charset="-128"/>
+              </a:defRPr>
+            </a:lvl5pPr>
+            <a:lvl6pPr marL="2514600" indent="-228600" eaLnBrk="0" fontAlgn="base" hangingPunct="0">
+              <a:spcBef>
+                <a:spcPct val="20000"/>
+              </a:spcBef>
+              <a:spcAft>
+                <a:spcPct val="0"/>
+              </a:spcAft>
+              <a:buClr>
+                <a:schemeClr val="bg1"/>
+              </a:buClr>
+              <a:buChar char="»"/>
+              <a:defRPr sz="1600">
+                <a:solidFill>
+                  <a:schemeClr val="bg1"/>
+                </a:solidFill>
+                <a:latin typeface="Arial" panose="020B0604020202020204" pitchFamily="34" charset="0"/>
+                <a:ea typeface="MS PGothic" panose="020B0600070205080204" pitchFamily="34" charset="-128"/>
+              </a:defRPr>
+            </a:lvl6pPr>
+            <a:lvl7pPr marL="2971800" indent="-228600" eaLnBrk="0" fontAlgn="base" hangingPunct="0">
+              <a:spcBef>
+                <a:spcPct val="20000"/>
+              </a:spcBef>
+              <a:spcAft>
+                <a:spcPct val="0"/>
+              </a:spcAft>
+              <a:buClr>
+                <a:schemeClr val="bg1"/>
+              </a:buClr>
+              <a:buChar char="»"/>
+              <a:defRPr sz="1600">
+                <a:solidFill>
+                  <a:schemeClr val="bg1"/>
+                </a:solidFill>
+                <a:latin typeface="Arial" panose="020B0604020202020204" pitchFamily="34" charset="0"/>
+                <a:ea typeface="MS PGothic" panose="020B0600070205080204" pitchFamily="34" charset="-128"/>
+              </a:defRPr>
+            </a:lvl7pPr>
+            <a:lvl8pPr marL="3429000" indent="-228600" eaLnBrk="0" fontAlgn="base" hangingPunct="0">
+              <a:spcBef>
+                <a:spcPct val="20000"/>
+              </a:spcBef>
+              <a:spcAft>
+                <a:spcPct val="0"/>
+              </a:spcAft>
+              <a:buClr>
+                <a:schemeClr val="bg1"/>
+              </a:buClr>
+              <a:buChar char="»"/>
+              <a:defRPr sz="1600">
+                <a:solidFill>
+                  <a:schemeClr val="bg1"/>
+                </a:solidFill>
+                <a:latin typeface="Arial" panose="020B0604020202020204" pitchFamily="34" charset="0"/>
+                <a:ea typeface="MS PGothic" panose="020B0600070205080204" pitchFamily="34" charset="-128"/>
+              </a:defRPr>
+            </a:lvl8pPr>
+            <a:lvl9pPr marL="3886200" indent="-228600" eaLnBrk="0" fontAlgn="base" hangingPunct="0">
+              <a:spcBef>
+                <a:spcPct val="20000"/>
+              </a:spcBef>
+              <a:spcAft>
+                <a:spcPct val="0"/>
+              </a:spcAft>
+              <a:buClr>
+                <a:schemeClr val="bg1"/>
+              </a:buClr>
+              <a:buChar char="»"/>
+              <a:defRPr sz="1600">
+                <a:solidFill>
+                  <a:schemeClr val="bg1"/>
+                </a:solidFill>
+                <a:latin typeface="Arial" panose="020B0604020202020204" pitchFamily="34" charset="0"/>
+                <a:ea typeface="MS PGothic" panose="020B0600070205080204" pitchFamily="34" charset="-128"/>
+              </a:defRPr>
+            </a:lvl9pPr>
+          </a:lstStyle>
+          <a:p>
+            <a:pPr marL="0" marR="0" lvl="0" indent="0" algn="r" defTabSz="914400" rtl="0" eaLnBrk="1" fontAlgn="auto" latinLnBrk="0" hangingPunct="1">
+              <a:lnSpc>
+                <a:spcPct val="100000"/>
+              </a:lnSpc>
+              <a:spcBef>
+                <a:spcPct val="0"/>
+              </a:spcBef>
+              <a:spcAft>
+                <a:spcPts val="0"/>
+              </a:spcAft>
+              <a:buClrTx/>
+              <a:buSzTx/>
+              <a:buFontTx/>
+              <a:buNone/>
+              <a:tabLst/>
+              <a:defRPr/>
+            </a:pPr>
+            <a:fld id="{4066CD2D-0ABF-47FB-B40B-94A07E0DAB6A}" type="slidenum">
+              <a:rPr kumimoji="0" lang="en-US" altLang="en-US" sz="1200" b="0" i="0" u="none" strike="noStrike" kern="0" cap="none" spc="0" normalizeH="0" baseline="0" noProof="0">
+                <a:ln>
+                  <a:noFill/>
+                </a:ln>
+                <a:solidFill>
+                  <a:srgbClr val="FFFFFF"/>
+                </a:solidFill>
+                <a:effectLst/>
+                <a:uLnTx/>
+                <a:uFillTx/>
+                <a:latin typeface="Arial" panose="020B0604020202020204" pitchFamily="34" charset="0"/>
+                <a:ea typeface="MS PGothic" panose="020B0600070205080204" pitchFamily="34" charset="-128"/>
+                <a:sym typeface="Muli"/>
+              </a:rPr>
+              <a:pPr marL="0" marR="0" lvl="0" indent="0" algn="r" defTabSz="914400" rtl="0" eaLnBrk="1" fontAlgn="auto" latinLnBrk="0" hangingPunct="1">
+                <a:lnSpc>
+                  <a:spcPct val="100000"/>
+                </a:lnSpc>
+                <a:spcBef>
+                  <a:spcPct val="0"/>
+                </a:spcBef>
+                <a:spcAft>
+                  <a:spcPts val="0"/>
+                </a:spcAft>
+                <a:buClrTx/>
+                <a:buSzTx/>
+                <a:buFontTx/>
+                <a:buNone/>
+                <a:tabLst/>
+                <a:defRPr/>
+              </a:pPr>
+              <a:t>4</a:t>
+            </a:fld>
+            <a:endParaRPr kumimoji="0" lang="en-US" altLang="en-US" sz="1200" b="0" i="0" u="none" strike="noStrike" kern="0" cap="none" spc="0" normalizeH="0" baseline="0" noProof="0">
+              <a:ln>
+                <a:noFill/>
+              </a:ln>
+              <a:solidFill>
+                <a:srgbClr val="FFFFFF"/>
+              </a:solidFill>
+              <a:effectLst/>
+              <a:uLnTx/>
+              <a:uFillTx/>
+              <a:latin typeface="Arial" panose="020B0604020202020204" pitchFamily="34" charset="0"/>
+              <a:ea typeface="MS PGothic" panose="020B0600070205080204" pitchFamily="34" charset="-128"/>
+              <a:sym typeface="Muli"/>
+            </a:endParaRPr>
+          </a:p>
+        </p:txBody>
+      </p:sp>
+      <p:sp>
+        <p:nvSpPr>
+          <p:cNvPr id="23" name="Rectangle 5">
+            <a:extLst>
+              <a:ext uri="{FF2B5EF4-FFF2-40B4-BE49-F238E27FC236}">
+                <a16:creationId xmlns:a16="http://schemas.microsoft.com/office/drawing/2014/main" id="{93F6B737-4C10-47DD-8B3A-388754690A04}"/>
+              </a:ext>
+            </a:extLst>
+          </p:cNvPr>
+          <p:cNvSpPr>
+            <a:spLocks noChangeArrowheads="1"/>
+          </p:cNvSpPr>
+          <p:nvPr/>
+        </p:nvSpPr>
+        <p:spPr bwMode="auto">
+          <a:xfrm>
+            <a:off x="3486604" y="1025962"/>
+            <a:ext cx="4846124" cy="3123932"/>
+          </a:xfrm>
+          <a:prstGeom prst="rect">
+            <a:avLst/>
+          </a:prstGeom>
+          <a:noFill/>
+          <a:ln>
+            <a:noFill/>
+          </a:ln>
+        </p:spPr>
+        <p:txBody>
+          <a:bodyPr wrap="square">
+            <a:spAutoFit/>
+          </a:bodyPr>
+          <a:lstStyle>
+            <a:lvl1pPr marL="342900" indent="-342900">
+              <a:defRPr sz="1400">
+                <a:solidFill>
+                  <a:schemeClr val="tx1"/>
+                </a:solidFill>
+                <a:latin typeface="Arial" panose="020B0604020202020204" pitchFamily="34" charset="0"/>
+              </a:defRPr>
+            </a:lvl1pPr>
+            <a:lvl2pPr marL="800100" indent="-342900">
+              <a:defRPr sz="1400">
+                <a:solidFill>
+                  <a:schemeClr val="tx1"/>
+                </a:solidFill>
+                <a:latin typeface="Arial" panose="020B0604020202020204" pitchFamily="34" charset="0"/>
+              </a:defRPr>
+            </a:lvl2pPr>
+            <a:lvl3pPr marL="1085850" indent="-171450">
+              <a:defRPr sz="1400">
+                <a:solidFill>
+                  <a:schemeClr val="tx1"/>
+                </a:solidFill>
+                <a:latin typeface="Arial" panose="020B0604020202020204" pitchFamily="34" charset="0"/>
+              </a:defRPr>
+            </a:lvl3pPr>
+            <a:lvl4pPr marL="1600200" indent="-228600">
+              <a:defRPr sz="1400">
+                <a:solidFill>
+                  <a:schemeClr val="tx1"/>
+                </a:solidFill>
+                <a:latin typeface="Arial" panose="020B0604020202020204" pitchFamily="34" charset="0"/>
+              </a:defRPr>
+            </a:lvl4pPr>
+            <a:lvl5pPr marL="2057400" indent="-228600">
+              <a:defRPr sz="1400">
+                <a:solidFill>
+                  <a:schemeClr val="tx1"/>
+                </a:solidFill>
+                <a:latin typeface="Arial" panose="020B0604020202020204" pitchFamily="34" charset="0"/>
+              </a:defRPr>
+            </a:lvl5pPr>
+            <a:lvl6pPr marL="2514600" indent="-228600" eaLnBrk="0" fontAlgn="base" hangingPunct="0">
+              <a:spcBef>
+                <a:spcPct val="0"/>
+              </a:spcBef>
+              <a:spcAft>
+                <a:spcPct val="0"/>
+              </a:spcAft>
+              <a:defRPr sz="1400">
+                <a:solidFill>
+                  <a:schemeClr val="tx1"/>
+                </a:solidFill>
+                <a:latin typeface="Arial" panose="020B0604020202020204" pitchFamily="34" charset="0"/>
+              </a:defRPr>
+            </a:lvl6pPr>
+            <a:lvl7pPr marL="2971800" indent="-228600" eaLnBrk="0" fontAlgn="base" hangingPunct="0">
+              <a:spcBef>
+                <a:spcPct val="0"/>
+              </a:spcBef>
+              <a:spcAft>
+                <a:spcPct val="0"/>
+              </a:spcAft>
+              <a:defRPr sz="1400">
+                <a:solidFill>
+                  <a:schemeClr val="tx1"/>
+                </a:solidFill>
+                <a:latin typeface="Arial" panose="020B0604020202020204" pitchFamily="34" charset="0"/>
+              </a:defRPr>
+            </a:lvl7pPr>
+            <a:lvl8pPr marL="3429000" indent="-228600" eaLnBrk="0" fontAlgn="base" hangingPunct="0">
+              <a:spcBef>
+                <a:spcPct val="0"/>
+              </a:spcBef>
+              <a:spcAft>
+                <a:spcPct val="0"/>
+              </a:spcAft>
+              <a:defRPr sz="1400">
+                <a:solidFill>
+                  <a:schemeClr val="tx1"/>
+                </a:solidFill>
+                <a:latin typeface="Arial" panose="020B0604020202020204" pitchFamily="34" charset="0"/>
+              </a:defRPr>
+            </a:lvl8pPr>
+            <a:lvl9pPr marL="3886200" indent="-228600" eaLnBrk="0" fontAlgn="base" hangingPunct="0">
+              <a:spcBef>
+                <a:spcPct val="0"/>
+              </a:spcBef>
+              <a:spcAft>
+                <a:spcPct val="0"/>
+              </a:spcAft>
+              <a:defRPr sz="1400">
+                <a:solidFill>
+                  <a:schemeClr val="tx1"/>
+                </a:solidFill>
+                <a:latin typeface="Arial" panose="020B0604020202020204" pitchFamily="34" charset="0"/>
+              </a:defRPr>
+            </a:lvl9pPr>
+          </a:lstStyle>
+          <a:p>
+            <a:pPr marL="342900" marR="0" lvl="0" indent="-342900" algn="l" defTabSz="914400" rtl="0" eaLnBrk="1" fontAlgn="auto" latinLnBrk="0" hangingPunct="1">
+              <a:lnSpc>
+                <a:spcPct val="100000"/>
+              </a:lnSpc>
+              <a:spcBef>
+                <a:spcPts val="0"/>
+              </a:spcBef>
+              <a:spcAft>
+                <a:spcPts val="1200"/>
+              </a:spcAft>
+              <a:buClr>
+                <a:srgbClr val="0070C0"/>
+              </a:buClr>
+              <a:buSzPct val="110000"/>
+              <a:buFont typeface="Arial" panose="020B0604020202020204" pitchFamily="34" charset="0"/>
+              <a:buAutoNum type="arabicParenR"/>
+              <a:tabLst/>
+              <a:defRPr/>
+            </a:pPr>
+            <a:r>
+              <a:rPr kumimoji="0" lang="es-VE" altLang="en-US" sz="1600" b="1" i="0" u="none" strike="noStrike" kern="0" cap="none" spc="0" normalizeH="0" baseline="0" noProof="0" dirty="0">
+                <a:ln>
+                  <a:noFill/>
+                </a:ln>
+                <a:solidFill>
+                  <a:srgbClr val="1E1E1E">
+                    <a:lumMod val="50000"/>
+                  </a:srgbClr>
+                </a:solidFill>
+                <a:effectLst/>
+                <a:uLnTx/>
+                <a:uFillTx/>
+                <a:latin typeface="Arial" panose="020B0604020202020204" pitchFamily="34" charset="0"/>
+                <a:ea typeface="Verdana" panose="020B0604030504040204" pitchFamily="34" charset="0"/>
+                <a:cs typeface="Arial"/>
+                <a:sym typeface="Arial"/>
+              </a:rPr>
+              <a:t>PROJECT DESCRIPTION</a:t>
+            </a:r>
+            <a:endParaRPr kumimoji="0" lang="es-VE" altLang="en-US" sz="1200" b="1" i="0" u="none" strike="noStrike" kern="0" cap="none" spc="0" normalizeH="0" baseline="0" noProof="0" dirty="0">
+              <a:ln>
+                <a:noFill/>
+              </a:ln>
+              <a:solidFill>
+                <a:srgbClr val="1E1E1E">
+                  <a:lumMod val="50000"/>
+                </a:srgbClr>
+              </a:solidFill>
+              <a:effectLst/>
+              <a:uLnTx/>
+              <a:uFillTx/>
+              <a:latin typeface="Arial" panose="020B0604020202020204" pitchFamily="34" charset="0"/>
+              <a:ea typeface="ＭＳ Ｐゴシック" panose="020B0600070205080204" pitchFamily="34" charset="-128"/>
+              <a:cs typeface="Arial"/>
+              <a:sym typeface="Arial"/>
+            </a:endParaRPr>
+          </a:p>
+          <a:p>
+            <a:pPr marL="342900" marR="0" lvl="0" indent="-342900" algn="l" defTabSz="914400" rtl="0" eaLnBrk="1" fontAlgn="auto" latinLnBrk="0" hangingPunct="1">
+              <a:lnSpc>
+                <a:spcPct val="100000"/>
+              </a:lnSpc>
+              <a:spcBef>
+                <a:spcPts val="0"/>
+              </a:spcBef>
+              <a:spcAft>
+                <a:spcPts val="1200"/>
+              </a:spcAft>
+              <a:buClr>
+                <a:srgbClr val="0070C0"/>
+              </a:buClr>
+              <a:buSzPct val="110000"/>
+              <a:buFont typeface="Arial" panose="020B0604020202020204" pitchFamily="34" charset="0"/>
+              <a:buAutoNum type="arabicParenR"/>
+              <a:tabLst/>
+              <a:defRPr/>
+            </a:pPr>
+            <a:r>
+              <a:rPr kumimoji="0" lang="en-US" altLang="en-US" sz="1600" b="1" i="0" u="none" strike="noStrike" kern="0" cap="none" spc="0" normalizeH="0" baseline="0" noProof="0" dirty="0">
+                <a:ln>
+                  <a:noFill/>
+                </a:ln>
+                <a:solidFill>
+                  <a:srgbClr val="1E1E1E">
+                    <a:lumMod val="50000"/>
+                  </a:srgbClr>
+                </a:solidFill>
+                <a:effectLst/>
+                <a:uLnTx/>
+                <a:uFillTx/>
+                <a:latin typeface="Arial" panose="020B0604020202020204" pitchFamily="34" charset="0"/>
+                <a:ea typeface="Verdana" panose="020B0604030504040204" pitchFamily="34" charset="0"/>
+                <a:cs typeface="Arial"/>
+                <a:sym typeface="Arial"/>
+              </a:rPr>
+              <a:t>PROJECT REQUIREMENTS</a:t>
+            </a:r>
+          </a:p>
+          <a:p>
+            <a:pPr marL="342900" marR="0" lvl="0" indent="-342900" algn="l" defTabSz="914400" rtl="0" eaLnBrk="1" fontAlgn="auto" latinLnBrk="0" hangingPunct="1">
+              <a:lnSpc>
+                <a:spcPct val="100000"/>
+              </a:lnSpc>
+              <a:spcBef>
+                <a:spcPts val="0"/>
+              </a:spcBef>
+              <a:spcAft>
+                <a:spcPts val="1200"/>
+              </a:spcAft>
+              <a:buClr>
+                <a:srgbClr val="0070C0"/>
+              </a:buClr>
+              <a:buSzPct val="110000"/>
+              <a:buFont typeface="Arial" panose="020B0604020202020204" pitchFamily="34" charset="0"/>
+              <a:buAutoNum type="arabicParenR"/>
+              <a:tabLst/>
+              <a:defRPr/>
+            </a:pPr>
+            <a:r>
+              <a:rPr kumimoji="0" lang="en-US" altLang="en-US" sz="1600" b="1" i="0" u="none" strike="noStrike" kern="0" cap="none" spc="0" normalizeH="0" baseline="0" noProof="0" dirty="0">
+                <a:ln>
+                  <a:noFill/>
+                </a:ln>
+                <a:solidFill>
+                  <a:srgbClr val="1E1E1E">
+                    <a:lumMod val="50000"/>
+                  </a:srgbClr>
+                </a:solidFill>
+                <a:effectLst/>
+                <a:uLnTx/>
+                <a:uFillTx/>
+                <a:latin typeface="Arial" panose="020B0604020202020204" pitchFamily="34" charset="0"/>
+                <a:ea typeface="Verdana" panose="020B0604030504040204" pitchFamily="34" charset="0"/>
+                <a:cs typeface="Arial"/>
+                <a:sym typeface="Arial"/>
+              </a:rPr>
+              <a:t>SOURCES</a:t>
+            </a:r>
+            <a:endParaRPr kumimoji="0" lang="es-VE" altLang="en-US" sz="1600" b="0" i="0" u="none" strike="noStrike" kern="0" cap="none" spc="0" normalizeH="0" baseline="0" noProof="0" dirty="0">
+              <a:ln>
+                <a:noFill/>
+              </a:ln>
+              <a:solidFill>
+                <a:srgbClr val="1E1E1E">
+                  <a:lumMod val="50000"/>
+                </a:srgbClr>
+              </a:solidFill>
+              <a:effectLst/>
+              <a:uLnTx/>
+              <a:uFillTx/>
+              <a:latin typeface="Arial" panose="020B0604020202020204" pitchFamily="34" charset="0"/>
+              <a:ea typeface="Verdana" panose="020B0604030504040204" pitchFamily="34" charset="0"/>
+              <a:cs typeface="Arial"/>
+              <a:sym typeface="Arial"/>
+            </a:endParaRPr>
+          </a:p>
+          <a:p>
+            <a:pPr marL="342900" marR="0" lvl="0" indent="-342900" algn="l" defTabSz="914400" rtl="0" eaLnBrk="1" fontAlgn="auto" latinLnBrk="0" hangingPunct="1">
+              <a:lnSpc>
+                <a:spcPct val="100000"/>
+              </a:lnSpc>
+              <a:spcBef>
+                <a:spcPts val="0"/>
+              </a:spcBef>
+              <a:spcAft>
+                <a:spcPts val="1200"/>
+              </a:spcAft>
+              <a:buClr>
+                <a:srgbClr val="0070C0"/>
+              </a:buClr>
+              <a:buSzPct val="110000"/>
+              <a:buFont typeface="Arial" panose="020B0604020202020204" pitchFamily="34" charset="0"/>
+              <a:buAutoNum type="arabicParenR"/>
+              <a:tabLst/>
+              <a:defRPr/>
+            </a:pPr>
+            <a:r>
+              <a:rPr lang="en-US" altLang="en-US" sz="1600" b="1" kern="0" dirty="0">
+                <a:solidFill>
+                  <a:srgbClr val="1E1E1E">
+                    <a:lumMod val="50000"/>
+                  </a:srgbClr>
+                </a:solidFill>
+                <a:ea typeface="Verdana" panose="020B0604030504040204" pitchFamily="34" charset="0"/>
+                <a:cs typeface="Arial"/>
+                <a:sym typeface="Arial"/>
+              </a:rPr>
+              <a:t>ETL</a:t>
+            </a:r>
+            <a:endParaRPr kumimoji="0" lang="en-US" altLang="en-US" sz="1600" b="1" i="0" u="none" strike="noStrike" kern="0" cap="none" spc="0" normalizeH="0" baseline="0" noProof="0" dirty="0">
+              <a:ln>
+                <a:noFill/>
+              </a:ln>
+              <a:solidFill>
+                <a:srgbClr val="1E1E1E">
+                  <a:lumMod val="50000"/>
+                </a:srgbClr>
+              </a:solidFill>
+              <a:effectLst/>
+              <a:uLnTx/>
+              <a:uFillTx/>
+              <a:latin typeface="Arial" panose="020B0604020202020204" pitchFamily="34" charset="0"/>
+              <a:ea typeface="Verdana" panose="020B0604030504040204" pitchFamily="34" charset="0"/>
+              <a:cs typeface="Arial"/>
+              <a:sym typeface="Arial"/>
+            </a:endParaRPr>
+          </a:p>
+          <a:p>
+            <a:pPr lvl="1">
+              <a:spcAft>
+                <a:spcPts val="600"/>
+              </a:spcAft>
+              <a:buClr>
+                <a:srgbClr val="0070C0"/>
+              </a:buClr>
+              <a:buSzPct val="110000"/>
+              <a:buFont typeface="Wingdings" panose="05000000000000000000" pitchFamily="2" charset="2"/>
+              <a:buChar char="ü"/>
+              <a:defRPr/>
+            </a:pPr>
+            <a:r>
+              <a:rPr kumimoji="0" lang="en-US" altLang="en-US" sz="1200" b="1" i="0" u="none" strike="noStrike" kern="0" cap="none" spc="0" normalizeH="0" baseline="0" noProof="0" dirty="0">
+                <a:ln>
+                  <a:noFill/>
+                </a:ln>
+                <a:solidFill>
+                  <a:srgbClr val="1E1E1E">
+                    <a:lumMod val="50000"/>
+                  </a:srgbClr>
+                </a:solidFill>
+                <a:effectLst/>
+                <a:uLnTx/>
+                <a:uFillTx/>
+                <a:latin typeface="Arial" panose="020B0604020202020204" pitchFamily="34" charset="0"/>
+                <a:ea typeface="Verdana" panose="020B0604030504040204" pitchFamily="34" charset="0"/>
+                <a:cs typeface="Arial"/>
+                <a:sym typeface="Arial"/>
+              </a:rPr>
+              <a:t>EXTRACTION</a:t>
+            </a:r>
+            <a:endParaRPr kumimoji="0" lang="es-ES" altLang="en-US" sz="1200" b="1" i="0" u="none" strike="noStrike" kern="0" cap="none" spc="0" normalizeH="0" baseline="0" noProof="0" dirty="0">
+              <a:ln>
+                <a:noFill/>
+              </a:ln>
+              <a:solidFill>
+                <a:srgbClr val="1E1E1E">
+                  <a:lumMod val="50000"/>
+                </a:srgbClr>
+              </a:solidFill>
+              <a:effectLst/>
+              <a:uLnTx/>
+              <a:uFillTx/>
+              <a:latin typeface="Arial" panose="020B0604020202020204" pitchFamily="34" charset="0"/>
+              <a:ea typeface="ＭＳ Ｐゴシック" panose="020B0600070205080204" pitchFamily="34" charset="-128"/>
+              <a:cs typeface="Arial"/>
+              <a:sym typeface="Arial"/>
+            </a:endParaRPr>
+          </a:p>
+          <a:p>
+            <a:pPr lvl="1">
+              <a:spcAft>
+                <a:spcPts val="600"/>
+              </a:spcAft>
+              <a:buClr>
+                <a:srgbClr val="0070C0"/>
+              </a:buClr>
+              <a:buSzPct val="110000"/>
+              <a:buFont typeface="Wingdings" panose="05000000000000000000" pitchFamily="2" charset="2"/>
+              <a:buChar char="ü"/>
+              <a:defRPr/>
+            </a:pPr>
+            <a:r>
+              <a:rPr kumimoji="0" lang="en-US" altLang="en-US" sz="1200" b="1" i="0" u="none" strike="noStrike" kern="0" cap="none" spc="0" normalizeH="0" baseline="0" noProof="0" dirty="0">
+                <a:ln>
+                  <a:noFill/>
+                </a:ln>
+                <a:solidFill>
+                  <a:srgbClr val="1E1E1E">
+                    <a:lumMod val="50000"/>
+                  </a:srgbClr>
+                </a:solidFill>
+                <a:effectLst/>
+                <a:uLnTx/>
+                <a:uFillTx/>
+                <a:latin typeface="Arial" panose="020B0604020202020204" pitchFamily="34" charset="0"/>
+                <a:ea typeface="Verdana" panose="020B0604030504040204" pitchFamily="34" charset="0"/>
+                <a:cs typeface="Arial"/>
+                <a:sym typeface="Arial"/>
+              </a:rPr>
+              <a:t>TRANSFORMATION</a:t>
+            </a:r>
+            <a:endParaRPr kumimoji="0" lang="es-ES" altLang="en-US" sz="1200" b="0" i="0" u="none" strike="noStrike" kern="0" cap="none" spc="0" normalizeH="0" baseline="0" noProof="0" dirty="0">
+              <a:ln>
+                <a:noFill/>
+              </a:ln>
+              <a:solidFill>
+                <a:srgbClr val="1E1E1E">
+                  <a:lumMod val="50000"/>
+                </a:srgbClr>
+              </a:solidFill>
+              <a:effectLst/>
+              <a:uLnTx/>
+              <a:uFillTx/>
+              <a:latin typeface="Arial" panose="020B0604020202020204" pitchFamily="34" charset="0"/>
+              <a:ea typeface="Verdana" panose="020B0604030504040204" pitchFamily="34" charset="0"/>
+              <a:cs typeface="Arial"/>
+              <a:sym typeface="Arial"/>
+            </a:endParaRPr>
+          </a:p>
+          <a:p>
+            <a:pPr lvl="1">
+              <a:spcAft>
+                <a:spcPts val="600"/>
+              </a:spcAft>
+              <a:buClr>
+                <a:srgbClr val="0070C0"/>
+              </a:buClr>
+              <a:buSzPct val="110000"/>
+              <a:buFont typeface="Wingdings" panose="05000000000000000000" pitchFamily="2" charset="2"/>
+              <a:buChar char="ü"/>
+              <a:defRPr/>
+            </a:pPr>
+            <a:r>
+              <a:rPr kumimoji="0" lang="en-US" altLang="en-US" sz="1200" b="1" i="0" u="none" strike="noStrike" kern="0" cap="none" spc="0" normalizeH="0" baseline="0" noProof="0" dirty="0">
+                <a:ln>
+                  <a:noFill/>
+                </a:ln>
+                <a:solidFill>
+                  <a:srgbClr val="1E1E1E">
+                    <a:lumMod val="50000"/>
+                  </a:srgbClr>
+                </a:solidFill>
+                <a:effectLst/>
+                <a:uLnTx/>
+                <a:uFillTx/>
+                <a:latin typeface="Arial" panose="020B0604020202020204" pitchFamily="34" charset="0"/>
+                <a:ea typeface="Verdana" panose="020B0604030504040204" pitchFamily="34" charset="0"/>
+                <a:cs typeface="Arial"/>
+                <a:sym typeface="Arial"/>
+              </a:rPr>
+              <a:t>LOAD</a:t>
+            </a:r>
+            <a:endParaRPr kumimoji="0" lang="es-ES" altLang="en-US" sz="1200" b="0" i="0" u="none" strike="noStrike" kern="0" cap="none" spc="0" normalizeH="0" baseline="0" noProof="0" dirty="0">
+              <a:ln>
+                <a:noFill/>
+              </a:ln>
+              <a:solidFill>
+                <a:srgbClr val="1E1E1E">
+                  <a:lumMod val="50000"/>
+                </a:srgbClr>
+              </a:solidFill>
+              <a:effectLst/>
+              <a:uLnTx/>
+              <a:uFillTx/>
+              <a:latin typeface="Arial" panose="020B0604020202020204" pitchFamily="34" charset="0"/>
+              <a:ea typeface="Verdana" panose="020B0604030504040204" pitchFamily="34" charset="0"/>
+              <a:cs typeface="Arial"/>
+              <a:sym typeface="Arial"/>
+            </a:endParaRPr>
+          </a:p>
+          <a:p>
+            <a:pPr marL="342900" marR="0" lvl="0" indent="-342900" algn="l" defTabSz="914400" rtl="0" eaLnBrk="1" fontAlgn="auto" latinLnBrk="0" hangingPunct="1">
+              <a:lnSpc>
+                <a:spcPct val="100000"/>
+              </a:lnSpc>
+              <a:spcBef>
+                <a:spcPts val="0"/>
+              </a:spcBef>
+              <a:spcAft>
+                <a:spcPts val="1200"/>
+              </a:spcAft>
+              <a:buClr>
+                <a:srgbClr val="0070C0"/>
+              </a:buClr>
+              <a:buSzPct val="110000"/>
+              <a:buFont typeface="Arial" panose="020B0604020202020204" pitchFamily="34" charset="0"/>
+              <a:buAutoNum type="arabicParenR"/>
+              <a:tabLst/>
+              <a:defRPr/>
+            </a:pPr>
+            <a:r>
+              <a:rPr kumimoji="0" lang="en-US" altLang="en-US" sz="1600" b="1" i="0" u="none" strike="noStrike" kern="0" cap="none" spc="0" normalizeH="0" baseline="0" noProof="0" dirty="0">
+                <a:ln>
+                  <a:noFill/>
+                </a:ln>
+                <a:solidFill>
+                  <a:srgbClr val="1E1E1E">
+                    <a:lumMod val="50000"/>
+                  </a:srgbClr>
+                </a:solidFill>
+                <a:effectLst/>
+                <a:uLnTx/>
+                <a:uFillTx/>
+                <a:latin typeface="Arial" panose="020B0604020202020204" pitchFamily="34" charset="0"/>
+                <a:ea typeface="Verdana" panose="020B0604030504040204" pitchFamily="34" charset="0"/>
+                <a:cs typeface="Arial"/>
+                <a:sym typeface="Arial"/>
+              </a:rPr>
+              <a:t>USER INTERFACE &amp; VISUALIZATIONS</a:t>
+            </a:r>
+          </a:p>
+          <a:p>
+            <a:pPr marL="342900" marR="0" lvl="0" indent="-342900" algn="l" defTabSz="914400" rtl="0" eaLnBrk="1" fontAlgn="auto" latinLnBrk="0" hangingPunct="1">
+              <a:lnSpc>
+                <a:spcPct val="100000"/>
+              </a:lnSpc>
+              <a:spcBef>
+                <a:spcPts val="0"/>
+              </a:spcBef>
+              <a:spcAft>
+                <a:spcPts val="1200"/>
+              </a:spcAft>
+              <a:buClr>
+                <a:srgbClr val="0070C0"/>
+              </a:buClr>
+              <a:buSzPct val="110000"/>
+              <a:buFont typeface="Arial" panose="020B0604020202020204" pitchFamily="34" charset="0"/>
+              <a:buAutoNum type="arabicParenR"/>
+              <a:tabLst/>
+              <a:defRPr/>
+            </a:pPr>
+            <a:r>
+              <a:rPr lang="en-US" altLang="en-US" sz="1600" b="1" kern="0" dirty="0">
+                <a:solidFill>
+                  <a:srgbClr val="1E1E1E">
+                    <a:lumMod val="50000"/>
+                  </a:srgbClr>
+                </a:solidFill>
+                <a:ea typeface="Verdana" panose="020B0604030504040204" pitchFamily="34" charset="0"/>
+                <a:cs typeface="Arial"/>
+                <a:sym typeface="Arial"/>
+              </a:rPr>
+              <a:t>CONCLUSIONS</a:t>
+            </a:r>
+            <a:endParaRPr kumimoji="0" lang="es-ES" altLang="en-US" sz="1050" b="1" i="0" u="none" strike="noStrike" kern="0" cap="none" spc="0" normalizeH="0" baseline="0" noProof="0" dirty="0">
+              <a:ln>
+                <a:noFill/>
+              </a:ln>
+              <a:solidFill>
+                <a:srgbClr val="1E1E1E">
+                  <a:lumMod val="50000"/>
+                </a:srgbClr>
+              </a:solidFill>
+              <a:effectLst/>
+              <a:uLnTx/>
+              <a:uFillTx/>
+              <a:latin typeface="Arial" panose="020B0604020202020204" pitchFamily="34" charset="0"/>
+              <a:ea typeface="Verdana" panose="020B0604030504040204" pitchFamily="34" charset="0"/>
+              <a:cs typeface="Arial"/>
+              <a:sym typeface="Arial"/>
+            </a:endParaRPr>
+          </a:p>
+        </p:txBody>
+      </p:sp>
+      <p:sp>
+        <p:nvSpPr>
+          <p:cNvPr id="7" name="Rounded Rectangle 6">
+            <a:extLst>
+              <a:ext uri="{FF2B5EF4-FFF2-40B4-BE49-F238E27FC236}">
+                <a16:creationId xmlns:a16="http://schemas.microsoft.com/office/drawing/2014/main" id="{59020BB8-52F6-42E8-BAD9-1A279A6328FC}"/>
+              </a:ext>
+            </a:extLst>
+          </p:cNvPr>
+          <p:cNvSpPr>
+            <a:spLocks noChangeArrowheads="1"/>
+          </p:cNvSpPr>
+          <p:nvPr/>
+        </p:nvSpPr>
+        <p:spPr bwMode="auto">
+          <a:xfrm>
+            <a:off x="3486604" y="993606"/>
+            <a:ext cx="3292332" cy="399131"/>
+          </a:xfrm>
+          <a:prstGeom prst="roundRect">
+            <a:avLst>
+              <a:gd name="adj" fmla="val 16667"/>
+            </a:avLst>
+          </a:prstGeom>
+          <a:solidFill>
+            <a:srgbClr val="FFFF00">
+              <a:alpha val="25098"/>
+            </a:srgbClr>
+          </a:solidFill>
+          <a:ln w="50800" algn="ctr">
+            <a:solidFill>
+              <a:srgbClr val="FF0000"/>
+            </a:solidFill>
+            <a:prstDash val="dash"/>
+            <a:round/>
+            <a:headEnd/>
+            <a:tailEnd/>
+          </a:ln>
+        </p:spPr>
+        <p:txBody>
+          <a:bodyPr lIns="90000" tIns="46800" rIns="90000" bIns="46800" anchor="ctr"/>
+          <a:lstStyle>
+            <a:lvl1pPr>
+              <a:spcBef>
+                <a:spcPct val="50000"/>
+              </a:spcBef>
+              <a:buClr>
+                <a:schemeClr val="bg2"/>
+              </a:buClr>
+              <a:buFont typeface="Lucida Grande"/>
+              <a:buChar char="●"/>
+              <a:defRPr sz="1600">
+                <a:solidFill>
+                  <a:schemeClr val="tx1"/>
+                </a:solidFill>
+                <a:latin typeface="Arial" panose="020B0604020202020204" pitchFamily="34" charset="0"/>
+                <a:ea typeface="MS PGothic" panose="020B0600070205080204" pitchFamily="34" charset="-128"/>
+              </a:defRPr>
+            </a:lvl1pPr>
+            <a:lvl2pPr marL="742950" indent="-285750">
+              <a:buClr>
+                <a:schemeClr val="bg2"/>
+              </a:buClr>
+              <a:buFont typeface="Arial" panose="020B0604020202020204" pitchFamily="34" charset="0"/>
+              <a:buChar char="–"/>
+              <a:defRPr sz="1600">
+                <a:solidFill>
+                  <a:schemeClr val="tx1"/>
+                </a:solidFill>
+                <a:latin typeface="Arial" panose="020B0604020202020204" pitchFamily="34" charset="0"/>
+                <a:ea typeface="MS PGothic" panose="020B0600070205080204" pitchFamily="34" charset="-128"/>
+              </a:defRPr>
+            </a:lvl2pPr>
+            <a:lvl3pPr marL="1143000" indent="-228600">
+              <a:buClr>
+                <a:schemeClr val="bg2"/>
+              </a:buClr>
+              <a:buChar char="•"/>
+              <a:defRPr sz="1600">
+                <a:solidFill>
+                  <a:schemeClr val="tx1"/>
+                </a:solidFill>
+                <a:latin typeface="Arial" panose="020B0604020202020204" pitchFamily="34" charset="0"/>
+                <a:ea typeface="MS PGothic" panose="020B0600070205080204" pitchFamily="34" charset="-128"/>
+              </a:defRPr>
+            </a:lvl3pPr>
+            <a:lvl4pPr marL="1600200" indent="-228600">
+              <a:spcBef>
+                <a:spcPct val="20000"/>
+              </a:spcBef>
+              <a:buClr>
+                <a:schemeClr val="bg1"/>
+              </a:buClr>
+              <a:buChar char="–"/>
+              <a:defRPr sz="1600">
+                <a:solidFill>
+                  <a:schemeClr val="bg1"/>
+                </a:solidFill>
+                <a:latin typeface="Arial" panose="020B0604020202020204" pitchFamily="34" charset="0"/>
+                <a:ea typeface="MS PGothic" panose="020B0600070205080204" pitchFamily="34" charset="-128"/>
+              </a:defRPr>
+            </a:lvl4pPr>
+            <a:lvl5pPr marL="2057400" indent="-228600">
+              <a:spcBef>
+                <a:spcPct val="20000"/>
+              </a:spcBef>
+              <a:buClr>
+                <a:schemeClr val="bg1"/>
+              </a:buClr>
+              <a:buChar char="»"/>
+              <a:defRPr sz="1600">
+                <a:solidFill>
+                  <a:schemeClr val="bg1"/>
+                </a:solidFill>
+                <a:latin typeface="Arial" panose="020B0604020202020204" pitchFamily="34" charset="0"/>
+                <a:ea typeface="MS PGothic" panose="020B0600070205080204" pitchFamily="34" charset="-128"/>
+              </a:defRPr>
+            </a:lvl5pPr>
+            <a:lvl6pPr marL="2514600" indent="-228600" eaLnBrk="0" fontAlgn="base" hangingPunct="0">
+              <a:spcBef>
+                <a:spcPct val="20000"/>
+              </a:spcBef>
+              <a:spcAft>
+                <a:spcPct val="0"/>
+              </a:spcAft>
+              <a:buClr>
+                <a:schemeClr val="bg1"/>
+              </a:buClr>
+              <a:buChar char="»"/>
+              <a:defRPr sz="1600">
+                <a:solidFill>
+                  <a:schemeClr val="bg1"/>
+                </a:solidFill>
+                <a:latin typeface="Arial" panose="020B0604020202020204" pitchFamily="34" charset="0"/>
+                <a:ea typeface="MS PGothic" panose="020B0600070205080204" pitchFamily="34" charset="-128"/>
+              </a:defRPr>
+            </a:lvl6pPr>
+            <a:lvl7pPr marL="2971800" indent="-228600" eaLnBrk="0" fontAlgn="base" hangingPunct="0">
+              <a:spcBef>
+                <a:spcPct val="20000"/>
+              </a:spcBef>
+              <a:spcAft>
+                <a:spcPct val="0"/>
+              </a:spcAft>
+              <a:buClr>
+                <a:schemeClr val="bg1"/>
+              </a:buClr>
+              <a:buChar char="»"/>
+              <a:defRPr sz="1600">
+                <a:solidFill>
+                  <a:schemeClr val="bg1"/>
+                </a:solidFill>
+                <a:latin typeface="Arial" panose="020B0604020202020204" pitchFamily="34" charset="0"/>
+                <a:ea typeface="MS PGothic" panose="020B0600070205080204" pitchFamily="34" charset="-128"/>
+              </a:defRPr>
+            </a:lvl7pPr>
+            <a:lvl8pPr marL="3429000" indent="-228600" eaLnBrk="0" fontAlgn="base" hangingPunct="0">
+              <a:spcBef>
+                <a:spcPct val="20000"/>
+              </a:spcBef>
+              <a:spcAft>
+                <a:spcPct val="0"/>
+              </a:spcAft>
+              <a:buClr>
+                <a:schemeClr val="bg1"/>
+              </a:buClr>
+              <a:buChar char="»"/>
+              <a:defRPr sz="1600">
+                <a:solidFill>
+                  <a:schemeClr val="bg1"/>
+                </a:solidFill>
+                <a:latin typeface="Arial" panose="020B0604020202020204" pitchFamily="34" charset="0"/>
+                <a:ea typeface="MS PGothic" panose="020B0600070205080204" pitchFamily="34" charset="-128"/>
+              </a:defRPr>
+            </a:lvl8pPr>
+            <a:lvl9pPr marL="3886200" indent="-228600" eaLnBrk="0" fontAlgn="base" hangingPunct="0">
+              <a:spcBef>
+                <a:spcPct val="20000"/>
+              </a:spcBef>
+              <a:spcAft>
+                <a:spcPct val="0"/>
+              </a:spcAft>
+              <a:buClr>
+                <a:schemeClr val="bg1"/>
+              </a:buClr>
+              <a:buChar char="»"/>
+              <a:defRPr sz="1600">
+                <a:solidFill>
+                  <a:schemeClr val="bg1"/>
+                </a:solidFill>
+                <a:latin typeface="Arial" panose="020B0604020202020204" pitchFamily="34" charset="0"/>
+                <a:ea typeface="MS PGothic" panose="020B0600070205080204" pitchFamily="34" charset="-128"/>
+              </a:defRPr>
+            </a:lvl9pPr>
+          </a:lstStyle>
+          <a:p>
+            <a:pPr marL="0" marR="0" lvl="0" indent="0" algn="ctr" defTabSz="914400" rtl="0" eaLnBrk="1" fontAlgn="auto" latinLnBrk="0" hangingPunct="1">
+              <a:lnSpc>
+                <a:spcPct val="100000"/>
+              </a:lnSpc>
+              <a:spcBef>
+                <a:spcPct val="0"/>
+              </a:spcBef>
+              <a:spcAft>
+                <a:spcPts val="0"/>
+              </a:spcAft>
+              <a:buClrTx/>
+              <a:buSzTx/>
+              <a:buFontTx/>
+              <a:buNone/>
+              <a:tabLst/>
+              <a:defRPr/>
+            </a:pPr>
+            <a:endParaRPr kumimoji="0" lang="en-US" altLang="en-US" sz="1600" b="1" i="0" u="none" strike="noStrike" kern="0" cap="none" spc="0" normalizeH="0" baseline="0" noProof="0">
+              <a:ln>
+                <a:noFill/>
+              </a:ln>
+              <a:solidFill>
+                <a:srgbClr val="1E1E1E"/>
+              </a:solidFill>
+              <a:effectLst/>
+              <a:uLnTx/>
+              <a:uFillTx/>
+              <a:latin typeface="Arial" panose="020B0604020202020204" pitchFamily="34" charset="0"/>
+              <a:ea typeface="MS PGothic" panose="020B0600070205080204" pitchFamily="34" charset="-128"/>
+              <a:cs typeface="Arial"/>
+              <a:sym typeface="Arial"/>
+            </a:endParaRPr>
+          </a:p>
+        </p:txBody>
+      </p:sp>
+    </p:spTree>
+    <p:extLst>
+      <p:ext uri="{BB962C8B-B14F-4D97-AF65-F5344CB8AC3E}">
+        <p14:creationId xmlns:p14="http://schemas.microsoft.com/office/powerpoint/2010/main" val="1798914664"/>
+      </p:ext>
+    </p:extLst>
+  </p:cSld>
+  <p:clrMapOvr>
+    <a:masterClrMapping/>
+  </p:clrMapOvr>
+  <p:transition/>
+  <p:timing>
+    <p:tnLst>
+      <p:par>
+        <p:cTn id="1" dur="indefinite" restart="never" nodeType="tmRoot">
+          <p:childTnLst>
+            <p:seq concurrent="1" nextAc="seek">
+              <p:cTn id="2" dur="indefinite" nodeType="mainSeq">
+                <p:childTnLst>
+                  <p:par>
+                    <p:cTn id="3" fill="hold" nodeType="clickPar">
+                      <p:stCondLst>
+                        <p:cond delay="indefinite"/>
+                        <p:cond evt="onBegin" delay="0">
+                          <p:tn val="2"/>
+                        </p:cond>
+                      </p:stCondLst>
+                      <p:childTnLst>
+                        <p:par>
+                          <p:cTn id="4" fill="hold" nodeType="withGroup">
+                            <p:stCondLst>
+                              <p:cond delay="0"/>
+                            </p:stCondLst>
+                            <p:childTnLst>
+                              <p:par>
+                                <p:cTn id="5" presetID="24" presetClass="entr" presetSubtype="0" fill="hold" grpId="0" nodeType="afterEffect">
+                                  <p:stCondLst>
+                                    <p:cond delay="0"/>
+                                  </p:stCondLst>
+                                  <p:childTnLst>
+                                    <p:set>
+                                      <p:cBhvr>
+                                        <p:cTn id="6" dur="1" fill="hold">
+                                          <p:stCondLst>
+                                            <p:cond delay="499"/>
+                                          </p:stCondLst>
+                                        </p:cTn>
+                                        <p:tgtEl>
+                                          <p:spTgt spid="7"/>
+                                        </p:tgtEl>
+                                        <p:attrNameLst>
+                                          <p:attrName>style.visibility</p:attrName>
+                                        </p:attrNameLst>
+                                      </p:cBhvr>
+                                      <p:to>
+                                        <p:strVal val="visible"/>
+                                      </p:to>
+                                    </p:set>
+                                    <p:anim to="" calcmode="lin" valueType="num">
+                                      <p:cBhvr>
+                                        <p:cTn id="7" dur="1" fill="hold"/>
+                                        <p:tgtEl>
+                                          <p:spTgt spid="7"/>
+                                        </p:tgtEl>
+                                        <p:attrNameLst>
+                                          <p:attrName/>
+                                        </p:attrNameLst>
+                                      </p:cBhvr>
+                                    </p:anim>
+                                  </p:childTnLst>
+                                </p:cTn>
+                              </p:par>
+                            </p:childTnLst>
+                          </p:cTn>
+                        </p:par>
+                      </p:childTnLst>
+                    </p:cTn>
+                  </p:par>
+                </p:childTnLst>
+              </p:cTn>
+              <p:prevCondLst>
+                <p:cond evt="onPrev" delay="0">
+                  <p:tgtEl>
+                    <p:sldTgt/>
+                  </p:tgtEl>
+                </p:cond>
+              </p:prevCondLst>
+              <p:nextCondLst>
+                <p:cond evt="onNext" delay="0">
+                  <p:tgtEl>
+                    <p:sldTgt/>
+                  </p:tgtEl>
+                </p:cond>
+              </p:nextCondLst>
+            </p:seq>
+          </p:childTnLst>
+        </p:cTn>
+      </p:par>
+    </p:tnLst>
+    <p:bldLst>
+      <p:bldP spid="7" grpId="0" animBg="1" autoUpdateAnimBg="0"/>
+    </p:bldLst>
+  </p:timing>
+</p:sld>
+</file>
+
+<file path=ppt/slides/slide40.xml><?xml version="1.0" encoding="utf-8"?>
 <p:sld xmlns:a="http://schemas.openxmlformats.org/drawingml/2006/main" xmlns:r="http://schemas.openxmlformats.org/officeDocument/2006/relationships" xmlns:p="http://schemas.openxmlformats.org/presentationml/2006/main">
   <p:cSld>
     <p:spTree>
@@ -38695,7 +42940,7 @@
           <a:p>
             <a:fld id="{EDA4E73C-7A94-44D4-A65F-F6EB5CEC5634}" type="slidenum">
               <a:rPr lang="en-US" smtClean="0"/>
-              <a:t>34</a:t>
+              <a:t>40</a:t>
             </a:fld>
             <a:endParaRPr lang="en-US"/>
           </a:p>
@@ -39100,7 +43345,7 @@
 </p:sld>
 </file>
 
-<file path=ppt/slides/slide35.xml><?xml version="1.0" encoding="utf-8"?>
+<file path=ppt/slides/slide41.xml><?xml version="1.0" encoding="utf-8"?>
 <p:sld xmlns:a="http://schemas.openxmlformats.org/drawingml/2006/main" xmlns:r="http://schemas.openxmlformats.org/officeDocument/2006/relationships" xmlns:p="http://schemas.openxmlformats.org/presentationml/2006/main">
   <p:cSld>
     <p:spTree>
@@ -39170,7 +43415,7 @@
           <a:p>
             <a:fld id="{EDA4E73C-7A94-44D4-A65F-F6EB5CEC5634}" type="slidenum">
               <a:rPr lang="en-US" smtClean="0"/>
-              <a:t>35</a:t>
+              <a:t>41</a:t>
             </a:fld>
             <a:endParaRPr lang="en-US"/>
           </a:p>
@@ -39417,7 +43662,7 @@
 </p:sld>
 </file>
 
-<file path=ppt/slides/slide36.xml><?xml version="1.0" encoding="utf-8"?>
+<file path=ppt/slides/slide42.xml><?xml version="1.0" encoding="utf-8"?>
 <p:sld xmlns:a="http://schemas.openxmlformats.org/drawingml/2006/main" xmlns:r="http://schemas.openxmlformats.org/officeDocument/2006/relationships" xmlns:p="http://schemas.openxmlformats.org/presentationml/2006/main">
   <p:cSld>
     <p:spTree>
@@ -39491,7 +43736,7 @@
             </a:pPr>
             <a:fld id="{00000000-1234-1234-1234-123412341234}" type="slidenum">
               <a:rPr lang="en-US" smtClean="0"/>
-              <a:t>36</a:t>
+              <a:t>42</a:t>
             </a:fld>
             <a:endParaRPr lang="en-US"/>
           </a:p>
@@ -39510,7 +43755,7 @@
 </p:sld>
 </file>
 
-<file path=ppt/slides/slide37.xml><?xml version="1.0" encoding="utf-8"?>
+<file path=ppt/slides/slide43.xml><?xml version="1.0" encoding="utf-8"?>
 <p:sld xmlns:a="http://schemas.openxmlformats.org/drawingml/2006/main" xmlns:r="http://schemas.openxmlformats.org/officeDocument/2006/relationships" xmlns:p="http://schemas.openxmlformats.org/presentationml/2006/main">
   <p:cSld>
     <p:spTree>
@@ -39584,7 +43829,7 @@
             </a:pPr>
             <a:fld id="{00000000-1234-1234-1234-123412341234}" type="slidenum">
               <a:rPr lang="en-US" smtClean="0"/>
-              <a:t>37</a:t>
+              <a:t>43</a:t>
             </a:fld>
             <a:endParaRPr lang="en-US"/>
           </a:p>
@@ -39603,7 +43848,7 @@
 </p:sld>
 </file>
 
-<file path=ppt/slides/slide38.xml><?xml version="1.0" encoding="utf-8"?>
+<file path=ppt/slides/slide44.xml><?xml version="1.0" encoding="utf-8"?>
 <p:sld xmlns:a="http://schemas.openxmlformats.org/drawingml/2006/main" xmlns:r="http://schemas.openxmlformats.org/officeDocument/2006/relationships" xmlns:p="http://schemas.openxmlformats.org/presentationml/2006/main">
   <p:cSld>
     <p:spTree>
@@ -39677,7 +43922,7 @@
             </a:pPr>
             <a:fld id="{00000000-1234-1234-1234-123412341234}" type="slidenum">
               <a:rPr lang="en-US" smtClean="0"/>
-              <a:t>38</a:t>
+              <a:t>44</a:t>
             </a:fld>
             <a:endParaRPr lang="en-US"/>
           </a:p>
@@ -39696,7 +43941,7 @@
 </p:sld>
 </file>
 
-<file path=ppt/slides/slide39.xml><?xml version="1.0" encoding="utf-8"?>
+<file path=ppt/slides/slide45.xml><?xml version="1.0" encoding="utf-8"?>
 <p:sld xmlns:a="http://schemas.openxmlformats.org/drawingml/2006/main" xmlns:r="http://schemas.openxmlformats.org/officeDocument/2006/relationships" xmlns:p="http://schemas.openxmlformats.org/presentationml/2006/main">
   <p:cSld>
     <p:spTree>
@@ -39770,7 +44015,7 @@
             </a:pPr>
             <a:fld id="{00000000-1234-1234-1234-123412341234}" type="slidenum">
               <a:rPr lang="en-US" smtClean="0"/>
-              <a:t>39</a:t>
+              <a:t>45</a:t>
             </a:fld>
             <a:endParaRPr lang="en-US"/>
           </a:p>
@@ -39789,1485 +44034,7 @@
 </p:sld>
 </file>
 
-<file path=ppt/slides/slide4.xml><?xml version="1.0" encoding="utf-8"?>
-<p:sld xmlns:a="http://schemas.openxmlformats.org/drawingml/2006/main" xmlns:r="http://schemas.openxmlformats.org/officeDocument/2006/relationships" xmlns:p="http://schemas.openxmlformats.org/presentationml/2006/main">
-  <p:cSld>
-    <p:spTree>
-      <p:nvGrpSpPr>
-        <p:cNvPr id="1" name=""/>
-        <p:cNvGrpSpPr/>
-        <p:nvPr/>
-      </p:nvGrpSpPr>
-      <p:grpSpPr>
-        <a:xfrm>
-          <a:off x="0" y="0"/>
-          <a:ext cx="0" cy="0"/>
-          <a:chOff x="0" y="0"/>
-          <a:chExt cx="0" cy="0"/>
-        </a:xfrm>
-      </p:grpSpPr>
-      <p:sp>
-        <p:nvSpPr>
-          <p:cNvPr id="14338" name="Rectangle 3">
-            <a:extLst>
-              <a:ext uri="{FF2B5EF4-FFF2-40B4-BE49-F238E27FC236}">
-                <a16:creationId xmlns:a16="http://schemas.microsoft.com/office/drawing/2014/main" id="{7863C23B-044C-439D-AD7D-182930483434}"/>
-              </a:ext>
-            </a:extLst>
-          </p:cNvPr>
-          <p:cNvSpPr>
-            <a:spLocks noChangeArrowheads="1"/>
-          </p:cNvSpPr>
-          <p:nvPr/>
-        </p:nvSpPr>
-        <p:spPr bwMode="auto">
-          <a:xfrm>
-            <a:off x="5940425" y="2195513"/>
-            <a:ext cx="2303463" cy="487362"/>
-          </a:xfrm>
-          <a:prstGeom prst="rect">
-            <a:avLst/>
-          </a:prstGeom>
-          <a:solidFill>
-            <a:schemeClr val="bg1"/>
-          </a:solidFill>
-          <a:ln w="9525">
-            <a:solidFill>
-              <a:schemeClr val="bg1"/>
-            </a:solidFill>
-            <a:miter lim="800000"/>
-            <a:headEnd/>
-            <a:tailEnd/>
-          </a:ln>
-        </p:spPr>
-        <p:txBody>
-          <a:bodyPr wrap="none" anchor="ctr"/>
-          <a:lstStyle>
-            <a:lvl1pPr>
-              <a:spcBef>
-                <a:spcPct val="50000"/>
-              </a:spcBef>
-              <a:buClr>
-                <a:schemeClr val="bg2"/>
-              </a:buClr>
-              <a:buFont typeface="Lucida Grande"/>
-              <a:buChar char="●"/>
-              <a:defRPr sz="1600">
-                <a:solidFill>
-                  <a:schemeClr val="tx1"/>
-                </a:solidFill>
-                <a:latin typeface="Arial" panose="020B0604020202020204" pitchFamily="34" charset="0"/>
-                <a:ea typeface="MS PGothic" panose="020B0600070205080204" pitchFamily="34" charset="-128"/>
-              </a:defRPr>
-            </a:lvl1pPr>
-            <a:lvl2pPr marL="742950" indent="-285750">
-              <a:buClr>
-                <a:schemeClr val="bg2"/>
-              </a:buClr>
-              <a:buFont typeface="Arial" panose="020B0604020202020204" pitchFamily="34" charset="0"/>
-              <a:buChar char="–"/>
-              <a:defRPr sz="1600">
-                <a:solidFill>
-                  <a:schemeClr val="tx1"/>
-                </a:solidFill>
-                <a:latin typeface="Arial" panose="020B0604020202020204" pitchFamily="34" charset="0"/>
-                <a:ea typeface="MS PGothic" panose="020B0600070205080204" pitchFamily="34" charset="-128"/>
-              </a:defRPr>
-            </a:lvl2pPr>
-            <a:lvl3pPr marL="1143000" indent="-228600">
-              <a:buClr>
-                <a:schemeClr val="bg2"/>
-              </a:buClr>
-              <a:buChar char="•"/>
-              <a:defRPr sz="1600">
-                <a:solidFill>
-                  <a:schemeClr val="tx1"/>
-                </a:solidFill>
-                <a:latin typeface="Arial" panose="020B0604020202020204" pitchFamily="34" charset="0"/>
-                <a:ea typeface="MS PGothic" panose="020B0600070205080204" pitchFamily="34" charset="-128"/>
-              </a:defRPr>
-            </a:lvl3pPr>
-            <a:lvl4pPr marL="1600200" indent="-228600">
-              <a:spcBef>
-                <a:spcPct val="20000"/>
-              </a:spcBef>
-              <a:buClr>
-                <a:schemeClr val="bg1"/>
-              </a:buClr>
-              <a:buChar char="–"/>
-              <a:defRPr sz="1600">
-                <a:solidFill>
-                  <a:schemeClr val="bg1"/>
-                </a:solidFill>
-                <a:latin typeface="Arial" panose="020B0604020202020204" pitchFamily="34" charset="0"/>
-                <a:ea typeface="MS PGothic" panose="020B0600070205080204" pitchFamily="34" charset="-128"/>
-              </a:defRPr>
-            </a:lvl4pPr>
-            <a:lvl5pPr marL="2057400" indent="-228600">
-              <a:spcBef>
-                <a:spcPct val="20000"/>
-              </a:spcBef>
-              <a:buClr>
-                <a:schemeClr val="bg1"/>
-              </a:buClr>
-              <a:buChar char="»"/>
-              <a:defRPr sz="1600">
-                <a:solidFill>
-                  <a:schemeClr val="bg1"/>
-                </a:solidFill>
-                <a:latin typeface="Arial" panose="020B0604020202020204" pitchFamily="34" charset="0"/>
-                <a:ea typeface="MS PGothic" panose="020B0600070205080204" pitchFamily="34" charset="-128"/>
-              </a:defRPr>
-            </a:lvl5pPr>
-            <a:lvl6pPr marL="2514600" indent="-228600" eaLnBrk="0" fontAlgn="base" hangingPunct="0">
-              <a:spcBef>
-                <a:spcPct val="20000"/>
-              </a:spcBef>
-              <a:spcAft>
-                <a:spcPct val="0"/>
-              </a:spcAft>
-              <a:buClr>
-                <a:schemeClr val="bg1"/>
-              </a:buClr>
-              <a:buChar char="»"/>
-              <a:defRPr sz="1600">
-                <a:solidFill>
-                  <a:schemeClr val="bg1"/>
-                </a:solidFill>
-                <a:latin typeface="Arial" panose="020B0604020202020204" pitchFamily="34" charset="0"/>
-                <a:ea typeface="MS PGothic" panose="020B0600070205080204" pitchFamily="34" charset="-128"/>
-              </a:defRPr>
-            </a:lvl6pPr>
-            <a:lvl7pPr marL="2971800" indent="-228600" eaLnBrk="0" fontAlgn="base" hangingPunct="0">
-              <a:spcBef>
-                <a:spcPct val="20000"/>
-              </a:spcBef>
-              <a:spcAft>
-                <a:spcPct val="0"/>
-              </a:spcAft>
-              <a:buClr>
-                <a:schemeClr val="bg1"/>
-              </a:buClr>
-              <a:buChar char="»"/>
-              <a:defRPr sz="1600">
-                <a:solidFill>
-                  <a:schemeClr val="bg1"/>
-                </a:solidFill>
-                <a:latin typeface="Arial" panose="020B0604020202020204" pitchFamily="34" charset="0"/>
-                <a:ea typeface="MS PGothic" panose="020B0600070205080204" pitchFamily="34" charset="-128"/>
-              </a:defRPr>
-            </a:lvl7pPr>
-            <a:lvl8pPr marL="3429000" indent="-228600" eaLnBrk="0" fontAlgn="base" hangingPunct="0">
-              <a:spcBef>
-                <a:spcPct val="20000"/>
-              </a:spcBef>
-              <a:spcAft>
-                <a:spcPct val="0"/>
-              </a:spcAft>
-              <a:buClr>
-                <a:schemeClr val="bg1"/>
-              </a:buClr>
-              <a:buChar char="»"/>
-              <a:defRPr sz="1600">
-                <a:solidFill>
-                  <a:schemeClr val="bg1"/>
-                </a:solidFill>
-                <a:latin typeface="Arial" panose="020B0604020202020204" pitchFamily="34" charset="0"/>
-                <a:ea typeface="MS PGothic" panose="020B0600070205080204" pitchFamily="34" charset="-128"/>
-              </a:defRPr>
-            </a:lvl8pPr>
-            <a:lvl9pPr marL="3886200" indent="-228600" eaLnBrk="0" fontAlgn="base" hangingPunct="0">
-              <a:spcBef>
-                <a:spcPct val="20000"/>
-              </a:spcBef>
-              <a:spcAft>
-                <a:spcPct val="0"/>
-              </a:spcAft>
-              <a:buClr>
-                <a:schemeClr val="bg1"/>
-              </a:buClr>
-              <a:buChar char="»"/>
-              <a:defRPr sz="1600">
-                <a:solidFill>
-                  <a:schemeClr val="bg1"/>
-                </a:solidFill>
-                <a:latin typeface="Arial" panose="020B0604020202020204" pitchFamily="34" charset="0"/>
-                <a:ea typeface="MS PGothic" panose="020B0600070205080204" pitchFamily="34" charset="-128"/>
-              </a:defRPr>
-            </a:lvl9pPr>
-          </a:lstStyle>
-          <a:p>
-            <a:pPr marL="0" marR="0" lvl="0" indent="0" algn="l" defTabSz="914400" rtl="0" eaLnBrk="1" fontAlgn="auto" latinLnBrk="0" hangingPunct="1">
-              <a:lnSpc>
-                <a:spcPct val="100000"/>
-              </a:lnSpc>
-              <a:spcBef>
-                <a:spcPct val="0"/>
-              </a:spcBef>
-              <a:spcAft>
-                <a:spcPts val="0"/>
-              </a:spcAft>
-              <a:buClrTx/>
-              <a:buSzTx/>
-              <a:buFontTx/>
-              <a:buNone/>
-              <a:tabLst/>
-              <a:defRPr/>
-            </a:pPr>
-            <a:endParaRPr kumimoji="0" lang="es-VE" altLang="en-US" sz="1400" b="0" i="0" u="none" strike="noStrike" kern="0" cap="none" spc="0" normalizeH="0" baseline="0" noProof="0">
-              <a:ln>
-                <a:noFill/>
-              </a:ln>
-              <a:solidFill>
-                <a:srgbClr val="1E1E1E"/>
-              </a:solidFill>
-              <a:effectLst/>
-              <a:uLnTx/>
-              <a:uFillTx/>
-              <a:latin typeface="Arial" panose="020B0604020202020204" pitchFamily="34" charset="0"/>
-              <a:ea typeface="MS PGothic" panose="020B0600070205080204" pitchFamily="34" charset="-128"/>
-              <a:cs typeface="Arial"/>
-              <a:sym typeface="Arial"/>
-            </a:endParaRPr>
-          </a:p>
-        </p:txBody>
-      </p:sp>
-      <p:sp>
-        <p:nvSpPr>
-          <p:cNvPr id="14339" name="Rectangle 2">
-            <a:extLst>
-              <a:ext uri="{FF2B5EF4-FFF2-40B4-BE49-F238E27FC236}">
-                <a16:creationId xmlns:a16="http://schemas.microsoft.com/office/drawing/2014/main" id="{CEAEEC25-86F5-4EF9-ABDA-ED451EB9E446}"/>
-              </a:ext>
-            </a:extLst>
-          </p:cNvPr>
-          <p:cNvSpPr>
-            <a:spLocks noGrp="1" noChangeArrowheads="1"/>
-          </p:cNvSpPr>
-          <p:nvPr>
-            <p:ph type="title"/>
-          </p:nvPr>
-        </p:nvSpPr>
-        <p:spPr>
-          <a:xfrm>
-            <a:off x="4114037" y="90611"/>
-            <a:ext cx="3749675" cy="346075"/>
-          </a:xfrm>
-        </p:spPr>
-        <p:txBody>
-          <a:bodyPr/>
-          <a:lstStyle/>
-          <a:p>
-            <a:pPr algn="ctr" eaLnBrk="1" hangingPunct="1"/>
-            <a:r>
-              <a:rPr lang="es-VE" dirty="0">
-                <a:solidFill>
-                  <a:srgbClr val="FF0000"/>
-                </a:solidFill>
-                <a:effectLst>
-                  <a:outerShdw blurRad="38100" dist="38100" dir="2700000" algn="tl">
-                    <a:srgbClr val="000000">
-                      <a:alpha val="43137"/>
-                    </a:srgbClr>
-                  </a:outerShdw>
-                </a:effectLst>
-                <a:cs typeface="Arial" panose="020B0604020202020204" pitchFamily="34" charset="0"/>
-              </a:rPr>
-              <a:t>AGENDA</a:t>
-            </a:r>
-            <a:endParaRPr dirty="0">
-              <a:solidFill>
-                <a:srgbClr val="FF0000"/>
-              </a:solidFill>
-              <a:effectLst>
-                <a:outerShdw blurRad="38100" dist="38100" dir="2700000" algn="tl">
-                  <a:srgbClr val="000000">
-                    <a:alpha val="43137"/>
-                  </a:srgbClr>
-                </a:outerShdw>
-              </a:effectLst>
-              <a:cs typeface="Arial" panose="020B0604020202020204" pitchFamily="34" charset="0"/>
-            </a:endParaRPr>
-          </a:p>
-        </p:txBody>
-      </p:sp>
-      <p:sp>
-        <p:nvSpPr>
-          <p:cNvPr id="14340" name="Slide Number Placeholder 16">
-            <a:extLst>
-              <a:ext uri="{FF2B5EF4-FFF2-40B4-BE49-F238E27FC236}">
-                <a16:creationId xmlns:a16="http://schemas.microsoft.com/office/drawing/2014/main" id="{AD737F08-B4E7-4B45-B37C-EC30E92AC45B}"/>
-              </a:ext>
-            </a:extLst>
-          </p:cNvPr>
-          <p:cNvSpPr>
-            <a:spLocks noGrp="1" noChangeArrowheads="1"/>
-          </p:cNvSpPr>
-          <p:nvPr>
-            <p:ph type="sldNum" sz="quarter" idx="10"/>
-          </p:nvPr>
-        </p:nvSpPr>
-        <p:spPr bwMode="auto">
-          <a:extLst>
-            <a:ext uri="{91240B29-F687-4F45-9708-019B960494DF}">
-              <a14:hiddenLine xmlns:a14="http://schemas.microsoft.com/office/drawing/2010/main" w="9525">
-                <a:solidFill>
-                  <a:srgbClr val="000000"/>
-                </a:solidFill>
-                <a:miter lim="800000"/>
-                <a:headEnd/>
-                <a:tailEnd/>
-              </a14:hiddenLine>
-            </a:ext>
-          </a:extLst>
-        </p:spPr>
-        <p:txBody>
-          <a:bodyPr/>
-          <a:lstStyle>
-            <a:lvl1pPr>
-              <a:spcBef>
-                <a:spcPct val="50000"/>
-              </a:spcBef>
-              <a:buClr>
-                <a:schemeClr val="bg2"/>
-              </a:buClr>
-              <a:buFont typeface="Lucida Grande"/>
-              <a:buChar char="●"/>
-              <a:defRPr sz="1600">
-                <a:solidFill>
-                  <a:schemeClr val="tx1"/>
-                </a:solidFill>
-                <a:latin typeface="Arial" panose="020B0604020202020204" pitchFamily="34" charset="0"/>
-                <a:ea typeface="MS PGothic" panose="020B0600070205080204" pitchFamily="34" charset="-128"/>
-              </a:defRPr>
-            </a:lvl1pPr>
-            <a:lvl2pPr marL="742950" indent="-285750">
-              <a:buClr>
-                <a:schemeClr val="bg2"/>
-              </a:buClr>
-              <a:buFont typeface="Arial" panose="020B0604020202020204" pitchFamily="34" charset="0"/>
-              <a:buChar char="–"/>
-              <a:defRPr sz="1600">
-                <a:solidFill>
-                  <a:schemeClr val="tx1"/>
-                </a:solidFill>
-                <a:latin typeface="Arial" panose="020B0604020202020204" pitchFamily="34" charset="0"/>
-                <a:ea typeface="MS PGothic" panose="020B0600070205080204" pitchFamily="34" charset="-128"/>
-              </a:defRPr>
-            </a:lvl2pPr>
-            <a:lvl3pPr marL="1143000" indent="-228600">
-              <a:buClr>
-                <a:schemeClr val="bg2"/>
-              </a:buClr>
-              <a:buChar char="•"/>
-              <a:defRPr sz="1600">
-                <a:solidFill>
-                  <a:schemeClr val="tx1"/>
-                </a:solidFill>
-                <a:latin typeface="Arial" panose="020B0604020202020204" pitchFamily="34" charset="0"/>
-                <a:ea typeface="MS PGothic" panose="020B0600070205080204" pitchFamily="34" charset="-128"/>
-              </a:defRPr>
-            </a:lvl3pPr>
-            <a:lvl4pPr marL="1600200" indent="-228600">
-              <a:spcBef>
-                <a:spcPct val="20000"/>
-              </a:spcBef>
-              <a:buClr>
-                <a:schemeClr val="bg1"/>
-              </a:buClr>
-              <a:buChar char="–"/>
-              <a:defRPr sz="1600">
-                <a:solidFill>
-                  <a:schemeClr val="bg1"/>
-                </a:solidFill>
-                <a:latin typeface="Arial" panose="020B0604020202020204" pitchFamily="34" charset="0"/>
-                <a:ea typeface="MS PGothic" panose="020B0600070205080204" pitchFamily="34" charset="-128"/>
-              </a:defRPr>
-            </a:lvl4pPr>
-            <a:lvl5pPr marL="2057400" indent="-228600">
-              <a:spcBef>
-                <a:spcPct val="20000"/>
-              </a:spcBef>
-              <a:buClr>
-                <a:schemeClr val="bg1"/>
-              </a:buClr>
-              <a:buChar char="»"/>
-              <a:defRPr sz="1600">
-                <a:solidFill>
-                  <a:schemeClr val="bg1"/>
-                </a:solidFill>
-                <a:latin typeface="Arial" panose="020B0604020202020204" pitchFamily="34" charset="0"/>
-                <a:ea typeface="MS PGothic" panose="020B0600070205080204" pitchFamily="34" charset="-128"/>
-              </a:defRPr>
-            </a:lvl5pPr>
-            <a:lvl6pPr marL="2514600" indent="-228600" eaLnBrk="0" fontAlgn="base" hangingPunct="0">
-              <a:spcBef>
-                <a:spcPct val="20000"/>
-              </a:spcBef>
-              <a:spcAft>
-                <a:spcPct val="0"/>
-              </a:spcAft>
-              <a:buClr>
-                <a:schemeClr val="bg1"/>
-              </a:buClr>
-              <a:buChar char="»"/>
-              <a:defRPr sz="1600">
-                <a:solidFill>
-                  <a:schemeClr val="bg1"/>
-                </a:solidFill>
-                <a:latin typeface="Arial" panose="020B0604020202020204" pitchFamily="34" charset="0"/>
-                <a:ea typeface="MS PGothic" panose="020B0600070205080204" pitchFamily="34" charset="-128"/>
-              </a:defRPr>
-            </a:lvl6pPr>
-            <a:lvl7pPr marL="2971800" indent="-228600" eaLnBrk="0" fontAlgn="base" hangingPunct="0">
-              <a:spcBef>
-                <a:spcPct val="20000"/>
-              </a:spcBef>
-              <a:spcAft>
-                <a:spcPct val="0"/>
-              </a:spcAft>
-              <a:buClr>
-                <a:schemeClr val="bg1"/>
-              </a:buClr>
-              <a:buChar char="»"/>
-              <a:defRPr sz="1600">
-                <a:solidFill>
-                  <a:schemeClr val="bg1"/>
-                </a:solidFill>
-                <a:latin typeface="Arial" panose="020B0604020202020204" pitchFamily="34" charset="0"/>
-                <a:ea typeface="MS PGothic" panose="020B0600070205080204" pitchFamily="34" charset="-128"/>
-              </a:defRPr>
-            </a:lvl7pPr>
-            <a:lvl8pPr marL="3429000" indent="-228600" eaLnBrk="0" fontAlgn="base" hangingPunct="0">
-              <a:spcBef>
-                <a:spcPct val="20000"/>
-              </a:spcBef>
-              <a:spcAft>
-                <a:spcPct val="0"/>
-              </a:spcAft>
-              <a:buClr>
-                <a:schemeClr val="bg1"/>
-              </a:buClr>
-              <a:buChar char="»"/>
-              <a:defRPr sz="1600">
-                <a:solidFill>
-                  <a:schemeClr val="bg1"/>
-                </a:solidFill>
-                <a:latin typeface="Arial" panose="020B0604020202020204" pitchFamily="34" charset="0"/>
-                <a:ea typeface="MS PGothic" panose="020B0600070205080204" pitchFamily="34" charset="-128"/>
-              </a:defRPr>
-            </a:lvl8pPr>
-            <a:lvl9pPr marL="3886200" indent="-228600" eaLnBrk="0" fontAlgn="base" hangingPunct="0">
-              <a:spcBef>
-                <a:spcPct val="20000"/>
-              </a:spcBef>
-              <a:spcAft>
-                <a:spcPct val="0"/>
-              </a:spcAft>
-              <a:buClr>
-                <a:schemeClr val="bg1"/>
-              </a:buClr>
-              <a:buChar char="»"/>
-              <a:defRPr sz="1600">
-                <a:solidFill>
-                  <a:schemeClr val="bg1"/>
-                </a:solidFill>
-                <a:latin typeface="Arial" panose="020B0604020202020204" pitchFamily="34" charset="0"/>
-                <a:ea typeface="MS PGothic" panose="020B0600070205080204" pitchFamily="34" charset="-128"/>
-              </a:defRPr>
-            </a:lvl9pPr>
-          </a:lstStyle>
-          <a:p>
-            <a:pPr marL="0" marR="0" lvl="0" indent="0" algn="r" defTabSz="914400" rtl="0" eaLnBrk="1" fontAlgn="auto" latinLnBrk="0" hangingPunct="1">
-              <a:lnSpc>
-                <a:spcPct val="100000"/>
-              </a:lnSpc>
-              <a:spcBef>
-                <a:spcPct val="0"/>
-              </a:spcBef>
-              <a:spcAft>
-                <a:spcPts val="0"/>
-              </a:spcAft>
-              <a:buClrTx/>
-              <a:buSzTx/>
-              <a:buFontTx/>
-              <a:buNone/>
-              <a:tabLst/>
-              <a:defRPr/>
-            </a:pPr>
-            <a:fld id="{4066CD2D-0ABF-47FB-B40B-94A07E0DAB6A}" type="slidenum">
-              <a:rPr kumimoji="0" lang="en-US" altLang="en-US" sz="1200" b="0" i="0" u="none" strike="noStrike" kern="0" cap="none" spc="0" normalizeH="0" baseline="0" noProof="0">
-                <a:ln>
-                  <a:noFill/>
-                </a:ln>
-                <a:solidFill>
-                  <a:srgbClr val="FFFFFF"/>
-                </a:solidFill>
-                <a:effectLst/>
-                <a:uLnTx/>
-                <a:uFillTx/>
-                <a:latin typeface="Arial" panose="020B0604020202020204" pitchFamily="34" charset="0"/>
-                <a:ea typeface="MS PGothic" panose="020B0600070205080204" pitchFamily="34" charset="-128"/>
-                <a:sym typeface="Muli"/>
-              </a:rPr>
-              <a:pPr marL="0" marR="0" lvl="0" indent="0" algn="r" defTabSz="914400" rtl="0" eaLnBrk="1" fontAlgn="auto" latinLnBrk="0" hangingPunct="1">
-                <a:lnSpc>
-                  <a:spcPct val="100000"/>
-                </a:lnSpc>
-                <a:spcBef>
-                  <a:spcPct val="0"/>
-                </a:spcBef>
-                <a:spcAft>
-                  <a:spcPts val="0"/>
-                </a:spcAft>
-                <a:buClrTx/>
-                <a:buSzTx/>
-                <a:buFontTx/>
-                <a:buNone/>
-                <a:tabLst/>
-                <a:defRPr/>
-              </a:pPr>
-              <a:t>4</a:t>
-            </a:fld>
-            <a:endParaRPr kumimoji="0" lang="en-US" altLang="en-US" sz="1200" b="0" i="0" u="none" strike="noStrike" kern="0" cap="none" spc="0" normalizeH="0" baseline="0" noProof="0">
-              <a:ln>
-                <a:noFill/>
-              </a:ln>
-              <a:solidFill>
-                <a:srgbClr val="FFFFFF"/>
-              </a:solidFill>
-              <a:effectLst/>
-              <a:uLnTx/>
-              <a:uFillTx/>
-              <a:latin typeface="Arial" panose="020B0604020202020204" pitchFamily="34" charset="0"/>
-              <a:ea typeface="MS PGothic" panose="020B0600070205080204" pitchFamily="34" charset="-128"/>
-              <a:sym typeface="Muli"/>
-            </a:endParaRPr>
-          </a:p>
-        </p:txBody>
-      </p:sp>
-      <p:sp>
-        <p:nvSpPr>
-          <p:cNvPr id="23" name="Rectangle 5">
-            <a:extLst>
-              <a:ext uri="{FF2B5EF4-FFF2-40B4-BE49-F238E27FC236}">
-                <a16:creationId xmlns:a16="http://schemas.microsoft.com/office/drawing/2014/main" id="{93F6B737-4C10-47DD-8B3A-388754690A04}"/>
-              </a:ext>
-            </a:extLst>
-          </p:cNvPr>
-          <p:cNvSpPr>
-            <a:spLocks noChangeArrowheads="1"/>
-          </p:cNvSpPr>
-          <p:nvPr/>
-        </p:nvSpPr>
-        <p:spPr bwMode="auto">
-          <a:xfrm>
-            <a:off x="3486604" y="1025962"/>
-            <a:ext cx="4846124" cy="3123932"/>
-          </a:xfrm>
-          <a:prstGeom prst="rect">
-            <a:avLst/>
-          </a:prstGeom>
-          <a:noFill/>
-          <a:ln>
-            <a:noFill/>
-          </a:ln>
-        </p:spPr>
-        <p:txBody>
-          <a:bodyPr wrap="square">
-            <a:spAutoFit/>
-          </a:bodyPr>
-          <a:lstStyle>
-            <a:lvl1pPr marL="342900" indent="-342900">
-              <a:defRPr sz="1400">
-                <a:solidFill>
-                  <a:schemeClr val="tx1"/>
-                </a:solidFill>
-                <a:latin typeface="Arial" panose="020B0604020202020204" pitchFamily="34" charset="0"/>
-              </a:defRPr>
-            </a:lvl1pPr>
-            <a:lvl2pPr marL="800100" indent="-342900">
-              <a:defRPr sz="1400">
-                <a:solidFill>
-                  <a:schemeClr val="tx1"/>
-                </a:solidFill>
-                <a:latin typeface="Arial" panose="020B0604020202020204" pitchFamily="34" charset="0"/>
-              </a:defRPr>
-            </a:lvl2pPr>
-            <a:lvl3pPr marL="1085850" indent="-171450">
-              <a:defRPr sz="1400">
-                <a:solidFill>
-                  <a:schemeClr val="tx1"/>
-                </a:solidFill>
-                <a:latin typeface="Arial" panose="020B0604020202020204" pitchFamily="34" charset="0"/>
-              </a:defRPr>
-            </a:lvl3pPr>
-            <a:lvl4pPr marL="1600200" indent="-228600">
-              <a:defRPr sz="1400">
-                <a:solidFill>
-                  <a:schemeClr val="tx1"/>
-                </a:solidFill>
-                <a:latin typeface="Arial" panose="020B0604020202020204" pitchFamily="34" charset="0"/>
-              </a:defRPr>
-            </a:lvl4pPr>
-            <a:lvl5pPr marL="2057400" indent="-228600">
-              <a:defRPr sz="1400">
-                <a:solidFill>
-                  <a:schemeClr val="tx1"/>
-                </a:solidFill>
-                <a:latin typeface="Arial" panose="020B0604020202020204" pitchFamily="34" charset="0"/>
-              </a:defRPr>
-            </a:lvl5pPr>
-            <a:lvl6pPr marL="2514600" indent="-228600" eaLnBrk="0" fontAlgn="base" hangingPunct="0">
-              <a:spcBef>
-                <a:spcPct val="0"/>
-              </a:spcBef>
-              <a:spcAft>
-                <a:spcPct val="0"/>
-              </a:spcAft>
-              <a:defRPr sz="1400">
-                <a:solidFill>
-                  <a:schemeClr val="tx1"/>
-                </a:solidFill>
-                <a:latin typeface="Arial" panose="020B0604020202020204" pitchFamily="34" charset="0"/>
-              </a:defRPr>
-            </a:lvl6pPr>
-            <a:lvl7pPr marL="2971800" indent="-228600" eaLnBrk="0" fontAlgn="base" hangingPunct="0">
-              <a:spcBef>
-                <a:spcPct val="0"/>
-              </a:spcBef>
-              <a:spcAft>
-                <a:spcPct val="0"/>
-              </a:spcAft>
-              <a:defRPr sz="1400">
-                <a:solidFill>
-                  <a:schemeClr val="tx1"/>
-                </a:solidFill>
-                <a:latin typeface="Arial" panose="020B0604020202020204" pitchFamily="34" charset="0"/>
-              </a:defRPr>
-            </a:lvl7pPr>
-            <a:lvl8pPr marL="3429000" indent="-228600" eaLnBrk="0" fontAlgn="base" hangingPunct="0">
-              <a:spcBef>
-                <a:spcPct val="0"/>
-              </a:spcBef>
-              <a:spcAft>
-                <a:spcPct val="0"/>
-              </a:spcAft>
-              <a:defRPr sz="1400">
-                <a:solidFill>
-                  <a:schemeClr val="tx1"/>
-                </a:solidFill>
-                <a:latin typeface="Arial" panose="020B0604020202020204" pitchFamily="34" charset="0"/>
-              </a:defRPr>
-            </a:lvl8pPr>
-            <a:lvl9pPr marL="3886200" indent="-228600" eaLnBrk="0" fontAlgn="base" hangingPunct="0">
-              <a:spcBef>
-                <a:spcPct val="0"/>
-              </a:spcBef>
-              <a:spcAft>
-                <a:spcPct val="0"/>
-              </a:spcAft>
-              <a:defRPr sz="1400">
-                <a:solidFill>
-                  <a:schemeClr val="tx1"/>
-                </a:solidFill>
-                <a:latin typeface="Arial" panose="020B0604020202020204" pitchFamily="34" charset="0"/>
-              </a:defRPr>
-            </a:lvl9pPr>
-          </a:lstStyle>
-          <a:p>
-            <a:pPr marL="342900" marR="0" lvl="0" indent="-342900" algn="l" defTabSz="914400" rtl="0" eaLnBrk="1" fontAlgn="auto" latinLnBrk="0" hangingPunct="1">
-              <a:lnSpc>
-                <a:spcPct val="100000"/>
-              </a:lnSpc>
-              <a:spcBef>
-                <a:spcPts val="0"/>
-              </a:spcBef>
-              <a:spcAft>
-                <a:spcPts val="1200"/>
-              </a:spcAft>
-              <a:buClr>
-                <a:srgbClr val="0070C0"/>
-              </a:buClr>
-              <a:buSzPct val="110000"/>
-              <a:buFont typeface="Arial" panose="020B0604020202020204" pitchFamily="34" charset="0"/>
-              <a:buAutoNum type="arabicParenR"/>
-              <a:tabLst/>
-              <a:defRPr/>
-            </a:pPr>
-            <a:r>
-              <a:rPr kumimoji="0" lang="es-VE" altLang="en-US" sz="1600" b="1" i="0" u="none" strike="noStrike" kern="0" cap="none" spc="0" normalizeH="0" baseline="0" noProof="0" dirty="0">
-                <a:ln>
-                  <a:noFill/>
-                </a:ln>
-                <a:solidFill>
-                  <a:srgbClr val="1E1E1E">
-                    <a:lumMod val="50000"/>
-                  </a:srgbClr>
-                </a:solidFill>
-                <a:effectLst/>
-                <a:uLnTx/>
-                <a:uFillTx/>
-                <a:latin typeface="Arial" panose="020B0604020202020204" pitchFamily="34" charset="0"/>
-                <a:ea typeface="Verdana" panose="020B0604030504040204" pitchFamily="34" charset="0"/>
-                <a:cs typeface="Arial"/>
-                <a:sym typeface="Arial"/>
-              </a:rPr>
-              <a:t>PROJECT DESCRIPTION</a:t>
-            </a:r>
-            <a:endParaRPr kumimoji="0" lang="es-VE" altLang="en-US" sz="1200" b="1" i="0" u="none" strike="noStrike" kern="0" cap="none" spc="0" normalizeH="0" baseline="0" noProof="0" dirty="0">
-              <a:ln>
-                <a:noFill/>
-              </a:ln>
-              <a:solidFill>
-                <a:srgbClr val="1E1E1E">
-                  <a:lumMod val="50000"/>
-                </a:srgbClr>
-              </a:solidFill>
-              <a:effectLst/>
-              <a:uLnTx/>
-              <a:uFillTx/>
-              <a:latin typeface="Arial" panose="020B0604020202020204" pitchFamily="34" charset="0"/>
-              <a:ea typeface="ＭＳ Ｐゴシック" panose="020B0600070205080204" pitchFamily="34" charset="-128"/>
-              <a:cs typeface="Arial"/>
-              <a:sym typeface="Arial"/>
-            </a:endParaRPr>
-          </a:p>
-          <a:p>
-            <a:pPr marL="342900" marR="0" lvl="0" indent="-342900" algn="l" defTabSz="914400" rtl="0" eaLnBrk="1" fontAlgn="auto" latinLnBrk="0" hangingPunct="1">
-              <a:lnSpc>
-                <a:spcPct val="100000"/>
-              </a:lnSpc>
-              <a:spcBef>
-                <a:spcPts val="0"/>
-              </a:spcBef>
-              <a:spcAft>
-                <a:spcPts val="1200"/>
-              </a:spcAft>
-              <a:buClr>
-                <a:srgbClr val="0070C0"/>
-              </a:buClr>
-              <a:buSzPct val="110000"/>
-              <a:buFont typeface="Arial" panose="020B0604020202020204" pitchFamily="34" charset="0"/>
-              <a:buAutoNum type="arabicParenR"/>
-              <a:tabLst/>
-              <a:defRPr/>
-            </a:pPr>
-            <a:r>
-              <a:rPr kumimoji="0" lang="en-US" altLang="en-US" sz="1600" b="1" i="0" u="none" strike="noStrike" kern="0" cap="none" spc="0" normalizeH="0" baseline="0" noProof="0" dirty="0">
-                <a:ln>
-                  <a:noFill/>
-                </a:ln>
-                <a:solidFill>
-                  <a:srgbClr val="1E1E1E">
-                    <a:lumMod val="50000"/>
-                  </a:srgbClr>
-                </a:solidFill>
-                <a:effectLst/>
-                <a:uLnTx/>
-                <a:uFillTx/>
-                <a:latin typeface="Arial" panose="020B0604020202020204" pitchFamily="34" charset="0"/>
-                <a:ea typeface="Verdana" panose="020B0604030504040204" pitchFamily="34" charset="0"/>
-                <a:cs typeface="Arial"/>
-                <a:sym typeface="Arial"/>
-              </a:rPr>
-              <a:t>PROJECT REQUIREMENTS</a:t>
-            </a:r>
-          </a:p>
-          <a:p>
-            <a:pPr marL="342900" marR="0" lvl="0" indent="-342900" algn="l" defTabSz="914400" rtl="0" eaLnBrk="1" fontAlgn="auto" latinLnBrk="0" hangingPunct="1">
-              <a:lnSpc>
-                <a:spcPct val="100000"/>
-              </a:lnSpc>
-              <a:spcBef>
-                <a:spcPts val="0"/>
-              </a:spcBef>
-              <a:spcAft>
-                <a:spcPts val="1200"/>
-              </a:spcAft>
-              <a:buClr>
-                <a:srgbClr val="0070C0"/>
-              </a:buClr>
-              <a:buSzPct val="110000"/>
-              <a:buFont typeface="Arial" panose="020B0604020202020204" pitchFamily="34" charset="0"/>
-              <a:buAutoNum type="arabicParenR"/>
-              <a:tabLst/>
-              <a:defRPr/>
-            </a:pPr>
-            <a:r>
-              <a:rPr kumimoji="0" lang="en-US" altLang="en-US" sz="1600" b="1" i="0" u="none" strike="noStrike" kern="0" cap="none" spc="0" normalizeH="0" baseline="0" noProof="0" dirty="0">
-                <a:ln>
-                  <a:noFill/>
-                </a:ln>
-                <a:solidFill>
-                  <a:srgbClr val="1E1E1E">
-                    <a:lumMod val="50000"/>
-                  </a:srgbClr>
-                </a:solidFill>
-                <a:effectLst/>
-                <a:uLnTx/>
-                <a:uFillTx/>
-                <a:latin typeface="Arial" panose="020B0604020202020204" pitchFamily="34" charset="0"/>
-                <a:ea typeface="Verdana" panose="020B0604030504040204" pitchFamily="34" charset="0"/>
-                <a:cs typeface="Arial"/>
-                <a:sym typeface="Arial"/>
-              </a:rPr>
-              <a:t>SOURCES</a:t>
-            </a:r>
-            <a:endParaRPr kumimoji="0" lang="es-VE" altLang="en-US" sz="1600" b="0" i="0" u="none" strike="noStrike" kern="0" cap="none" spc="0" normalizeH="0" baseline="0" noProof="0" dirty="0">
-              <a:ln>
-                <a:noFill/>
-              </a:ln>
-              <a:solidFill>
-                <a:srgbClr val="1E1E1E">
-                  <a:lumMod val="50000"/>
-                </a:srgbClr>
-              </a:solidFill>
-              <a:effectLst/>
-              <a:uLnTx/>
-              <a:uFillTx/>
-              <a:latin typeface="Arial" panose="020B0604020202020204" pitchFamily="34" charset="0"/>
-              <a:ea typeface="Verdana" panose="020B0604030504040204" pitchFamily="34" charset="0"/>
-              <a:cs typeface="Arial"/>
-              <a:sym typeface="Arial"/>
-            </a:endParaRPr>
-          </a:p>
-          <a:p>
-            <a:pPr marL="342900" marR="0" lvl="0" indent="-342900" algn="l" defTabSz="914400" rtl="0" eaLnBrk="1" fontAlgn="auto" latinLnBrk="0" hangingPunct="1">
-              <a:lnSpc>
-                <a:spcPct val="100000"/>
-              </a:lnSpc>
-              <a:spcBef>
-                <a:spcPts val="0"/>
-              </a:spcBef>
-              <a:spcAft>
-                <a:spcPts val="1200"/>
-              </a:spcAft>
-              <a:buClr>
-                <a:srgbClr val="0070C0"/>
-              </a:buClr>
-              <a:buSzPct val="110000"/>
-              <a:buFont typeface="Arial" panose="020B0604020202020204" pitchFamily="34" charset="0"/>
-              <a:buAutoNum type="arabicParenR"/>
-              <a:tabLst/>
-              <a:defRPr/>
-            </a:pPr>
-            <a:r>
-              <a:rPr lang="en-US" altLang="en-US" sz="1600" b="1" kern="0" dirty="0">
-                <a:solidFill>
-                  <a:srgbClr val="1E1E1E">
-                    <a:lumMod val="50000"/>
-                  </a:srgbClr>
-                </a:solidFill>
-                <a:ea typeface="Verdana" panose="020B0604030504040204" pitchFamily="34" charset="0"/>
-                <a:cs typeface="Arial"/>
-                <a:sym typeface="Arial"/>
-              </a:rPr>
-              <a:t>ETL</a:t>
-            </a:r>
-            <a:endParaRPr kumimoji="0" lang="en-US" altLang="en-US" sz="1600" b="1" i="0" u="none" strike="noStrike" kern="0" cap="none" spc="0" normalizeH="0" baseline="0" noProof="0" dirty="0">
-              <a:ln>
-                <a:noFill/>
-              </a:ln>
-              <a:solidFill>
-                <a:srgbClr val="1E1E1E">
-                  <a:lumMod val="50000"/>
-                </a:srgbClr>
-              </a:solidFill>
-              <a:effectLst/>
-              <a:uLnTx/>
-              <a:uFillTx/>
-              <a:latin typeface="Arial" panose="020B0604020202020204" pitchFamily="34" charset="0"/>
-              <a:ea typeface="Verdana" panose="020B0604030504040204" pitchFamily="34" charset="0"/>
-              <a:cs typeface="Arial"/>
-              <a:sym typeface="Arial"/>
-            </a:endParaRPr>
-          </a:p>
-          <a:p>
-            <a:pPr lvl="1">
-              <a:spcAft>
-                <a:spcPts val="600"/>
-              </a:spcAft>
-              <a:buClr>
-                <a:srgbClr val="0070C0"/>
-              </a:buClr>
-              <a:buSzPct val="110000"/>
-              <a:buFont typeface="Wingdings" panose="05000000000000000000" pitchFamily="2" charset="2"/>
-              <a:buChar char="ü"/>
-              <a:defRPr/>
-            </a:pPr>
-            <a:r>
-              <a:rPr kumimoji="0" lang="en-US" altLang="en-US" sz="1200" b="1" i="0" u="none" strike="noStrike" kern="0" cap="none" spc="0" normalizeH="0" baseline="0" noProof="0" dirty="0">
-                <a:ln>
-                  <a:noFill/>
-                </a:ln>
-                <a:solidFill>
-                  <a:srgbClr val="1E1E1E">
-                    <a:lumMod val="50000"/>
-                  </a:srgbClr>
-                </a:solidFill>
-                <a:effectLst/>
-                <a:uLnTx/>
-                <a:uFillTx/>
-                <a:latin typeface="Arial" panose="020B0604020202020204" pitchFamily="34" charset="0"/>
-                <a:ea typeface="Verdana" panose="020B0604030504040204" pitchFamily="34" charset="0"/>
-                <a:cs typeface="Arial"/>
-                <a:sym typeface="Arial"/>
-              </a:rPr>
-              <a:t>EXTRACTION</a:t>
-            </a:r>
-            <a:endParaRPr kumimoji="0" lang="es-ES" altLang="en-US" sz="1200" b="1" i="0" u="none" strike="noStrike" kern="0" cap="none" spc="0" normalizeH="0" baseline="0" noProof="0" dirty="0">
-              <a:ln>
-                <a:noFill/>
-              </a:ln>
-              <a:solidFill>
-                <a:srgbClr val="1E1E1E">
-                  <a:lumMod val="50000"/>
-                </a:srgbClr>
-              </a:solidFill>
-              <a:effectLst/>
-              <a:uLnTx/>
-              <a:uFillTx/>
-              <a:latin typeface="Arial" panose="020B0604020202020204" pitchFamily="34" charset="0"/>
-              <a:ea typeface="ＭＳ Ｐゴシック" panose="020B0600070205080204" pitchFamily="34" charset="-128"/>
-              <a:cs typeface="Arial"/>
-              <a:sym typeface="Arial"/>
-            </a:endParaRPr>
-          </a:p>
-          <a:p>
-            <a:pPr lvl="1">
-              <a:spcAft>
-                <a:spcPts val="600"/>
-              </a:spcAft>
-              <a:buClr>
-                <a:srgbClr val="0070C0"/>
-              </a:buClr>
-              <a:buSzPct val="110000"/>
-              <a:buFont typeface="Wingdings" panose="05000000000000000000" pitchFamily="2" charset="2"/>
-              <a:buChar char="ü"/>
-              <a:defRPr/>
-            </a:pPr>
-            <a:r>
-              <a:rPr kumimoji="0" lang="en-US" altLang="en-US" sz="1200" b="1" i="0" u="none" strike="noStrike" kern="0" cap="none" spc="0" normalizeH="0" baseline="0" noProof="0" dirty="0">
-                <a:ln>
-                  <a:noFill/>
-                </a:ln>
-                <a:solidFill>
-                  <a:srgbClr val="1E1E1E">
-                    <a:lumMod val="50000"/>
-                  </a:srgbClr>
-                </a:solidFill>
-                <a:effectLst/>
-                <a:uLnTx/>
-                <a:uFillTx/>
-                <a:latin typeface="Arial" panose="020B0604020202020204" pitchFamily="34" charset="0"/>
-                <a:ea typeface="Verdana" panose="020B0604030504040204" pitchFamily="34" charset="0"/>
-                <a:cs typeface="Arial"/>
-                <a:sym typeface="Arial"/>
-              </a:rPr>
-              <a:t>TRANSFORMATION</a:t>
-            </a:r>
-            <a:endParaRPr kumimoji="0" lang="es-ES" altLang="en-US" sz="1200" b="0" i="0" u="none" strike="noStrike" kern="0" cap="none" spc="0" normalizeH="0" baseline="0" noProof="0" dirty="0">
-              <a:ln>
-                <a:noFill/>
-              </a:ln>
-              <a:solidFill>
-                <a:srgbClr val="1E1E1E">
-                  <a:lumMod val="50000"/>
-                </a:srgbClr>
-              </a:solidFill>
-              <a:effectLst/>
-              <a:uLnTx/>
-              <a:uFillTx/>
-              <a:latin typeface="Arial" panose="020B0604020202020204" pitchFamily="34" charset="0"/>
-              <a:ea typeface="Verdana" panose="020B0604030504040204" pitchFamily="34" charset="0"/>
-              <a:cs typeface="Arial"/>
-              <a:sym typeface="Arial"/>
-            </a:endParaRPr>
-          </a:p>
-          <a:p>
-            <a:pPr lvl="1">
-              <a:spcAft>
-                <a:spcPts val="600"/>
-              </a:spcAft>
-              <a:buClr>
-                <a:srgbClr val="0070C0"/>
-              </a:buClr>
-              <a:buSzPct val="110000"/>
-              <a:buFont typeface="Wingdings" panose="05000000000000000000" pitchFamily="2" charset="2"/>
-              <a:buChar char="ü"/>
-              <a:defRPr/>
-            </a:pPr>
-            <a:r>
-              <a:rPr kumimoji="0" lang="en-US" altLang="en-US" sz="1200" b="1" i="0" u="none" strike="noStrike" kern="0" cap="none" spc="0" normalizeH="0" baseline="0" noProof="0" dirty="0">
-                <a:ln>
-                  <a:noFill/>
-                </a:ln>
-                <a:solidFill>
-                  <a:srgbClr val="1E1E1E">
-                    <a:lumMod val="50000"/>
-                  </a:srgbClr>
-                </a:solidFill>
-                <a:effectLst/>
-                <a:uLnTx/>
-                <a:uFillTx/>
-                <a:latin typeface="Arial" panose="020B0604020202020204" pitchFamily="34" charset="0"/>
-                <a:ea typeface="Verdana" panose="020B0604030504040204" pitchFamily="34" charset="0"/>
-                <a:cs typeface="Arial"/>
-                <a:sym typeface="Arial"/>
-              </a:rPr>
-              <a:t>LOAD</a:t>
-            </a:r>
-            <a:endParaRPr kumimoji="0" lang="es-ES" altLang="en-US" sz="1200" b="0" i="0" u="none" strike="noStrike" kern="0" cap="none" spc="0" normalizeH="0" baseline="0" noProof="0" dirty="0">
-              <a:ln>
-                <a:noFill/>
-              </a:ln>
-              <a:solidFill>
-                <a:srgbClr val="1E1E1E">
-                  <a:lumMod val="50000"/>
-                </a:srgbClr>
-              </a:solidFill>
-              <a:effectLst/>
-              <a:uLnTx/>
-              <a:uFillTx/>
-              <a:latin typeface="Arial" panose="020B0604020202020204" pitchFamily="34" charset="0"/>
-              <a:ea typeface="Verdana" panose="020B0604030504040204" pitchFamily="34" charset="0"/>
-              <a:cs typeface="Arial"/>
-              <a:sym typeface="Arial"/>
-            </a:endParaRPr>
-          </a:p>
-          <a:p>
-            <a:pPr marL="342900" marR="0" lvl="0" indent="-342900" algn="l" defTabSz="914400" rtl="0" eaLnBrk="1" fontAlgn="auto" latinLnBrk="0" hangingPunct="1">
-              <a:lnSpc>
-                <a:spcPct val="100000"/>
-              </a:lnSpc>
-              <a:spcBef>
-                <a:spcPts val="0"/>
-              </a:spcBef>
-              <a:spcAft>
-                <a:spcPts val="1200"/>
-              </a:spcAft>
-              <a:buClr>
-                <a:srgbClr val="0070C0"/>
-              </a:buClr>
-              <a:buSzPct val="110000"/>
-              <a:buFont typeface="Arial" panose="020B0604020202020204" pitchFamily="34" charset="0"/>
-              <a:buAutoNum type="arabicParenR"/>
-              <a:tabLst/>
-              <a:defRPr/>
-            </a:pPr>
-            <a:r>
-              <a:rPr kumimoji="0" lang="en-US" altLang="en-US" sz="1600" b="1" i="0" u="none" strike="noStrike" kern="0" cap="none" spc="0" normalizeH="0" baseline="0" noProof="0" dirty="0">
-                <a:ln>
-                  <a:noFill/>
-                </a:ln>
-                <a:solidFill>
-                  <a:srgbClr val="1E1E1E">
-                    <a:lumMod val="50000"/>
-                  </a:srgbClr>
-                </a:solidFill>
-                <a:effectLst/>
-                <a:uLnTx/>
-                <a:uFillTx/>
-                <a:latin typeface="Arial" panose="020B0604020202020204" pitchFamily="34" charset="0"/>
-                <a:ea typeface="Verdana" panose="020B0604030504040204" pitchFamily="34" charset="0"/>
-                <a:cs typeface="Arial"/>
-                <a:sym typeface="Arial"/>
-              </a:rPr>
-              <a:t>USER INTERFACE &amp; VISUALIZATIONS</a:t>
-            </a:r>
-          </a:p>
-          <a:p>
-            <a:pPr marL="342900" marR="0" lvl="0" indent="-342900" algn="l" defTabSz="914400" rtl="0" eaLnBrk="1" fontAlgn="auto" latinLnBrk="0" hangingPunct="1">
-              <a:lnSpc>
-                <a:spcPct val="100000"/>
-              </a:lnSpc>
-              <a:spcBef>
-                <a:spcPts val="0"/>
-              </a:spcBef>
-              <a:spcAft>
-                <a:spcPts val="1200"/>
-              </a:spcAft>
-              <a:buClr>
-                <a:srgbClr val="0070C0"/>
-              </a:buClr>
-              <a:buSzPct val="110000"/>
-              <a:buFont typeface="Arial" panose="020B0604020202020204" pitchFamily="34" charset="0"/>
-              <a:buAutoNum type="arabicParenR"/>
-              <a:tabLst/>
-              <a:defRPr/>
-            </a:pPr>
-            <a:r>
-              <a:rPr lang="en-US" altLang="en-US" sz="1600" b="1" kern="0" dirty="0">
-                <a:solidFill>
-                  <a:srgbClr val="1E1E1E">
-                    <a:lumMod val="50000"/>
-                  </a:srgbClr>
-                </a:solidFill>
-                <a:ea typeface="Verdana" panose="020B0604030504040204" pitchFamily="34" charset="0"/>
-                <a:cs typeface="Arial"/>
-                <a:sym typeface="Arial"/>
-              </a:rPr>
-              <a:t>CONCLUSIONS</a:t>
-            </a:r>
-            <a:endParaRPr kumimoji="0" lang="es-ES" altLang="en-US" sz="1050" b="1" i="0" u="none" strike="noStrike" kern="0" cap="none" spc="0" normalizeH="0" baseline="0" noProof="0" dirty="0">
-              <a:ln>
-                <a:noFill/>
-              </a:ln>
-              <a:solidFill>
-                <a:srgbClr val="1E1E1E">
-                  <a:lumMod val="50000"/>
-                </a:srgbClr>
-              </a:solidFill>
-              <a:effectLst/>
-              <a:uLnTx/>
-              <a:uFillTx/>
-              <a:latin typeface="Arial" panose="020B0604020202020204" pitchFamily="34" charset="0"/>
-              <a:ea typeface="Verdana" panose="020B0604030504040204" pitchFamily="34" charset="0"/>
-              <a:cs typeface="Arial"/>
-              <a:sym typeface="Arial"/>
-            </a:endParaRPr>
-          </a:p>
-        </p:txBody>
-      </p:sp>
-      <p:sp>
-        <p:nvSpPr>
-          <p:cNvPr id="7" name="Rounded Rectangle 6">
-            <a:extLst>
-              <a:ext uri="{FF2B5EF4-FFF2-40B4-BE49-F238E27FC236}">
-                <a16:creationId xmlns:a16="http://schemas.microsoft.com/office/drawing/2014/main" id="{59020BB8-52F6-42E8-BAD9-1A279A6328FC}"/>
-              </a:ext>
-            </a:extLst>
-          </p:cNvPr>
-          <p:cNvSpPr>
-            <a:spLocks noChangeArrowheads="1"/>
-          </p:cNvSpPr>
-          <p:nvPr/>
-        </p:nvSpPr>
-        <p:spPr bwMode="auto">
-          <a:xfrm>
-            <a:off x="3486604" y="993606"/>
-            <a:ext cx="3292332" cy="399131"/>
-          </a:xfrm>
-          <a:prstGeom prst="roundRect">
-            <a:avLst>
-              <a:gd name="adj" fmla="val 16667"/>
-            </a:avLst>
-          </a:prstGeom>
-          <a:solidFill>
-            <a:srgbClr val="FFFF00">
-              <a:alpha val="25098"/>
-            </a:srgbClr>
-          </a:solidFill>
-          <a:ln w="50800" algn="ctr">
-            <a:solidFill>
-              <a:srgbClr val="FF0000"/>
-            </a:solidFill>
-            <a:prstDash val="dash"/>
-            <a:round/>
-            <a:headEnd/>
-            <a:tailEnd/>
-          </a:ln>
-        </p:spPr>
-        <p:txBody>
-          <a:bodyPr lIns="90000" tIns="46800" rIns="90000" bIns="46800" anchor="ctr"/>
-          <a:lstStyle>
-            <a:lvl1pPr>
-              <a:spcBef>
-                <a:spcPct val="50000"/>
-              </a:spcBef>
-              <a:buClr>
-                <a:schemeClr val="bg2"/>
-              </a:buClr>
-              <a:buFont typeface="Lucida Grande"/>
-              <a:buChar char="●"/>
-              <a:defRPr sz="1600">
-                <a:solidFill>
-                  <a:schemeClr val="tx1"/>
-                </a:solidFill>
-                <a:latin typeface="Arial" panose="020B0604020202020204" pitchFamily="34" charset="0"/>
-                <a:ea typeface="MS PGothic" panose="020B0600070205080204" pitchFamily="34" charset="-128"/>
-              </a:defRPr>
-            </a:lvl1pPr>
-            <a:lvl2pPr marL="742950" indent="-285750">
-              <a:buClr>
-                <a:schemeClr val="bg2"/>
-              </a:buClr>
-              <a:buFont typeface="Arial" panose="020B0604020202020204" pitchFamily="34" charset="0"/>
-              <a:buChar char="–"/>
-              <a:defRPr sz="1600">
-                <a:solidFill>
-                  <a:schemeClr val="tx1"/>
-                </a:solidFill>
-                <a:latin typeface="Arial" panose="020B0604020202020204" pitchFamily="34" charset="0"/>
-                <a:ea typeface="MS PGothic" panose="020B0600070205080204" pitchFamily="34" charset="-128"/>
-              </a:defRPr>
-            </a:lvl2pPr>
-            <a:lvl3pPr marL="1143000" indent="-228600">
-              <a:buClr>
-                <a:schemeClr val="bg2"/>
-              </a:buClr>
-              <a:buChar char="•"/>
-              <a:defRPr sz="1600">
-                <a:solidFill>
-                  <a:schemeClr val="tx1"/>
-                </a:solidFill>
-                <a:latin typeface="Arial" panose="020B0604020202020204" pitchFamily="34" charset="0"/>
-                <a:ea typeface="MS PGothic" panose="020B0600070205080204" pitchFamily="34" charset="-128"/>
-              </a:defRPr>
-            </a:lvl3pPr>
-            <a:lvl4pPr marL="1600200" indent="-228600">
-              <a:spcBef>
-                <a:spcPct val="20000"/>
-              </a:spcBef>
-              <a:buClr>
-                <a:schemeClr val="bg1"/>
-              </a:buClr>
-              <a:buChar char="–"/>
-              <a:defRPr sz="1600">
-                <a:solidFill>
-                  <a:schemeClr val="bg1"/>
-                </a:solidFill>
-                <a:latin typeface="Arial" panose="020B0604020202020204" pitchFamily="34" charset="0"/>
-                <a:ea typeface="MS PGothic" panose="020B0600070205080204" pitchFamily="34" charset="-128"/>
-              </a:defRPr>
-            </a:lvl4pPr>
-            <a:lvl5pPr marL="2057400" indent="-228600">
-              <a:spcBef>
-                <a:spcPct val="20000"/>
-              </a:spcBef>
-              <a:buClr>
-                <a:schemeClr val="bg1"/>
-              </a:buClr>
-              <a:buChar char="»"/>
-              <a:defRPr sz="1600">
-                <a:solidFill>
-                  <a:schemeClr val="bg1"/>
-                </a:solidFill>
-                <a:latin typeface="Arial" panose="020B0604020202020204" pitchFamily="34" charset="0"/>
-                <a:ea typeface="MS PGothic" panose="020B0600070205080204" pitchFamily="34" charset="-128"/>
-              </a:defRPr>
-            </a:lvl5pPr>
-            <a:lvl6pPr marL="2514600" indent="-228600" eaLnBrk="0" fontAlgn="base" hangingPunct="0">
-              <a:spcBef>
-                <a:spcPct val="20000"/>
-              </a:spcBef>
-              <a:spcAft>
-                <a:spcPct val="0"/>
-              </a:spcAft>
-              <a:buClr>
-                <a:schemeClr val="bg1"/>
-              </a:buClr>
-              <a:buChar char="»"/>
-              <a:defRPr sz="1600">
-                <a:solidFill>
-                  <a:schemeClr val="bg1"/>
-                </a:solidFill>
-                <a:latin typeface="Arial" panose="020B0604020202020204" pitchFamily="34" charset="0"/>
-                <a:ea typeface="MS PGothic" panose="020B0600070205080204" pitchFamily="34" charset="-128"/>
-              </a:defRPr>
-            </a:lvl6pPr>
-            <a:lvl7pPr marL="2971800" indent="-228600" eaLnBrk="0" fontAlgn="base" hangingPunct="0">
-              <a:spcBef>
-                <a:spcPct val="20000"/>
-              </a:spcBef>
-              <a:spcAft>
-                <a:spcPct val="0"/>
-              </a:spcAft>
-              <a:buClr>
-                <a:schemeClr val="bg1"/>
-              </a:buClr>
-              <a:buChar char="»"/>
-              <a:defRPr sz="1600">
-                <a:solidFill>
-                  <a:schemeClr val="bg1"/>
-                </a:solidFill>
-                <a:latin typeface="Arial" panose="020B0604020202020204" pitchFamily="34" charset="0"/>
-                <a:ea typeface="MS PGothic" panose="020B0600070205080204" pitchFamily="34" charset="-128"/>
-              </a:defRPr>
-            </a:lvl7pPr>
-            <a:lvl8pPr marL="3429000" indent="-228600" eaLnBrk="0" fontAlgn="base" hangingPunct="0">
-              <a:spcBef>
-                <a:spcPct val="20000"/>
-              </a:spcBef>
-              <a:spcAft>
-                <a:spcPct val="0"/>
-              </a:spcAft>
-              <a:buClr>
-                <a:schemeClr val="bg1"/>
-              </a:buClr>
-              <a:buChar char="»"/>
-              <a:defRPr sz="1600">
-                <a:solidFill>
-                  <a:schemeClr val="bg1"/>
-                </a:solidFill>
-                <a:latin typeface="Arial" panose="020B0604020202020204" pitchFamily="34" charset="0"/>
-                <a:ea typeface="MS PGothic" panose="020B0600070205080204" pitchFamily="34" charset="-128"/>
-              </a:defRPr>
-            </a:lvl8pPr>
-            <a:lvl9pPr marL="3886200" indent="-228600" eaLnBrk="0" fontAlgn="base" hangingPunct="0">
-              <a:spcBef>
-                <a:spcPct val="20000"/>
-              </a:spcBef>
-              <a:spcAft>
-                <a:spcPct val="0"/>
-              </a:spcAft>
-              <a:buClr>
-                <a:schemeClr val="bg1"/>
-              </a:buClr>
-              <a:buChar char="»"/>
-              <a:defRPr sz="1600">
-                <a:solidFill>
-                  <a:schemeClr val="bg1"/>
-                </a:solidFill>
-                <a:latin typeface="Arial" panose="020B0604020202020204" pitchFamily="34" charset="0"/>
-                <a:ea typeface="MS PGothic" panose="020B0600070205080204" pitchFamily="34" charset="-128"/>
-              </a:defRPr>
-            </a:lvl9pPr>
-          </a:lstStyle>
-          <a:p>
-            <a:pPr marL="0" marR="0" lvl="0" indent="0" algn="ctr" defTabSz="914400" rtl="0" eaLnBrk="1" fontAlgn="auto" latinLnBrk="0" hangingPunct="1">
-              <a:lnSpc>
-                <a:spcPct val="100000"/>
-              </a:lnSpc>
-              <a:spcBef>
-                <a:spcPct val="0"/>
-              </a:spcBef>
-              <a:spcAft>
-                <a:spcPts val="0"/>
-              </a:spcAft>
-              <a:buClrTx/>
-              <a:buSzTx/>
-              <a:buFontTx/>
-              <a:buNone/>
-              <a:tabLst/>
-              <a:defRPr/>
-            </a:pPr>
-            <a:endParaRPr kumimoji="0" lang="en-US" altLang="en-US" sz="1600" b="1" i="0" u="none" strike="noStrike" kern="0" cap="none" spc="0" normalizeH="0" baseline="0" noProof="0">
-              <a:ln>
-                <a:noFill/>
-              </a:ln>
-              <a:solidFill>
-                <a:srgbClr val="1E1E1E"/>
-              </a:solidFill>
-              <a:effectLst/>
-              <a:uLnTx/>
-              <a:uFillTx/>
-              <a:latin typeface="Arial" panose="020B0604020202020204" pitchFamily="34" charset="0"/>
-              <a:ea typeface="MS PGothic" panose="020B0600070205080204" pitchFamily="34" charset="-128"/>
-              <a:cs typeface="Arial"/>
-              <a:sym typeface="Arial"/>
-            </a:endParaRPr>
-          </a:p>
-        </p:txBody>
-      </p:sp>
-    </p:spTree>
-    <p:extLst>
-      <p:ext uri="{BB962C8B-B14F-4D97-AF65-F5344CB8AC3E}">
-        <p14:creationId xmlns:p14="http://schemas.microsoft.com/office/powerpoint/2010/main" val="1798914664"/>
-      </p:ext>
-    </p:extLst>
-  </p:cSld>
-  <p:clrMapOvr>
-    <a:masterClrMapping/>
-  </p:clrMapOvr>
-  <p:transition/>
-  <p:timing>
-    <p:tnLst>
-      <p:par>
-        <p:cTn id="1" dur="indefinite" restart="never" nodeType="tmRoot">
-          <p:childTnLst>
-            <p:seq concurrent="1" nextAc="seek">
-              <p:cTn id="2" dur="indefinite" nodeType="mainSeq">
-                <p:childTnLst>
-                  <p:par>
-                    <p:cTn id="3" fill="hold" nodeType="clickPar">
-                      <p:stCondLst>
-                        <p:cond delay="indefinite"/>
-                        <p:cond evt="onBegin" delay="0">
-                          <p:tn val="2"/>
-                        </p:cond>
-                      </p:stCondLst>
-                      <p:childTnLst>
-                        <p:par>
-                          <p:cTn id="4" fill="hold" nodeType="withGroup">
-                            <p:stCondLst>
-                              <p:cond delay="0"/>
-                            </p:stCondLst>
-                            <p:childTnLst>
-                              <p:par>
-                                <p:cTn id="5" presetID="24" presetClass="entr" presetSubtype="0" fill="hold" grpId="0" nodeType="afterEffect">
-                                  <p:stCondLst>
-                                    <p:cond delay="0"/>
-                                  </p:stCondLst>
-                                  <p:childTnLst>
-                                    <p:set>
-                                      <p:cBhvr>
-                                        <p:cTn id="6" dur="1" fill="hold">
-                                          <p:stCondLst>
-                                            <p:cond delay="499"/>
-                                          </p:stCondLst>
-                                        </p:cTn>
-                                        <p:tgtEl>
-                                          <p:spTgt spid="7"/>
-                                        </p:tgtEl>
-                                        <p:attrNameLst>
-                                          <p:attrName>style.visibility</p:attrName>
-                                        </p:attrNameLst>
-                                      </p:cBhvr>
-                                      <p:to>
-                                        <p:strVal val="visible"/>
-                                      </p:to>
-                                    </p:set>
-                                    <p:anim to="" calcmode="lin" valueType="num">
-                                      <p:cBhvr>
-                                        <p:cTn id="7" dur="1" fill="hold"/>
-                                        <p:tgtEl>
-                                          <p:spTgt spid="7"/>
-                                        </p:tgtEl>
-                                        <p:attrNameLst>
-                                          <p:attrName/>
-                                        </p:attrNameLst>
-                                      </p:cBhvr>
-                                    </p:anim>
-                                  </p:childTnLst>
-                                </p:cTn>
-                              </p:par>
-                            </p:childTnLst>
-                          </p:cTn>
-                        </p:par>
-                      </p:childTnLst>
-                    </p:cTn>
-                  </p:par>
-                </p:childTnLst>
-              </p:cTn>
-              <p:prevCondLst>
-                <p:cond evt="onPrev" delay="0">
-                  <p:tgtEl>
-                    <p:sldTgt/>
-                  </p:tgtEl>
-                </p:cond>
-              </p:prevCondLst>
-              <p:nextCondLst>
-                <p:cond evt="onNext" delay="0">
-                  <p:tgtEl>
-                    <p:sldTgt/>
-                  </p:tgtEl>
-                </p:cond>
-              </p:nextCondLst>
-            </p:seq>
-          </p:childTnLst>
-        </p:cTn>
-      </p:par>
-    </p:tnLst>
-    <p:bldLst>
-      <p:bldP spid="7" grpId="0" animBg="1" autoUpdateAnimBg="0"/>
-    </p:bldLst>
-  </p:timing>
-</p:sld>
-</file>
-
-<file path=ppt/slides/slide40.xml><?xml version="1.0" encoding="utf-8"?>
+<file path=ppt/slides/slide46.xml><?xml version="1.0" encoding="utf-8"?>
 <p:sld xmlns:a="http://schemas.openxmlformats.org/drawingml/2006/main" xmlns:r="http://schemas.openxmlformats.org/officeDocument/2006/relationships" xmlns:p="http://schemas.openxmlformats.org/presentationml/2006/main">
   <p:cSld>
     <p:spTree>
@@ -41341,7 +44108,7 @@
             </a:pPr>
             <a:fld id="{00000000-1234-1234-1234-123412341234}" type="slidenum">
               <a:rPr lang="en-US" smtClean="0"/>
-              <a:t>40</a:t>
+              <a:t>46</a:t>
             </a:fld>
             <a:endParaRPr lang="en-US"/>
           </a:p>
